--- a/lessons/fundamentals/presentations/Learning CSharp.pptx
+++ b/lessons/fundamentals/presentations/Learning CSharp.pptx
@@ -5,7 +5,7 @@
     <p:sldMasterId id="2147483648" r:id="rId5"/>
   </p:sldMasterIdLst>
   <p:notesMasterIdLst>
-    <p:notesMasterId r:id="rId58"/>
+    <p:notesMasterId r:id="rId59"/>
   </p:notesMasterIdLst>
   <p:sldIdLst>
     <p:sldId id="298" r:id="rId6"/>
@@ -54,12 +54,13 @@
     <p:sldId id="297" r:id="rId49"/>
     <p:sldId id="303" r:id="rId50"/>
     <p:sldId id="302" r:id="rId51"/>
-    <p:sldId id="307" r:id="rId52"/>
-    <p:sldId id="311" r:id="rId53"/>
+    <p:sldId id="311" r:id="rId52"/>
+    <p:sldId id="314" r:id="rId53"/>
     <p:sldId id="289" r:id="rId54"/>
-    <p:sldId id="310" r:id="rId55"/>
-    <p:sldId id="287" r:id="rId56"/>
-    <p:sldId id="299" r:id="rId57"/>
+    <p:sldId id="315" r:id="rId55"/>
+    <p:sldId id="307" r:id="rId56"/>
+    <p:sldId id="287" r:id="rId57"/>
+    <p:sldId id="299" r:id="rId58"/>
   </p:sldIdLst>
   <p:sldSz cx="12192000" cy="6858000"/>
   <p:notesSz cx="6858000" cy="2247900"/>
@@ -332,7 +333,7 @@
           <a:p>
             <a:fld id="{843C5540-DD63-4C93-9C87-CD6A885701A0}" type="datetimeFigureOut">
               <a:rPr lang="en-GB" smtClean="0"/>
-              <a:t>04/12/2018</a:t>
+              <a:t>05/12/2018</a:t>
             </a:fld>
             <a:endParaRPr lang="en-GB"/>
           </a:p>
@@ -730,21 +731,19 @@
           <a:p>
             <a:r>
               <a:rPr lang="en-GB" dirty="0"/>
-              <a:t>Examples, showing assignment operator vs equals in the </a:t>
-            </a:r>
-            <a:r>
-              <a:rPr lang="en-GB" dirty="0" err="1"/>
-              <a:t>booleanExpression</a:t>
-            </a:r>
-            <a:endParaRPr lang="en-GB" dirty="0"/>
-          </a:p>
-          <a:p>
-            <a:endParaRPr lang="en-GB" dirty="0"/>
-          </a:p>
-          <a:p>
-            <a:r>
-              <a:rPr lang="en-GB" dirty="0"/>
-              <a:t>Discuss breaking in the switch</a:t>
+              <a:t>Demo asserts for them.</a:t>
+            </a:r>
+            <a:r>
+              <a:rPr lang="en-GB" baseline="0" dirty="0"/>
+              <a:t>  </a:t>
+            </a:r>
+            <a:r>
+              <a:rPr lang="en-GB" baseline="0" dirty="0" err="1"/>
+              <a:t>Assert.True</a:t>
+            </a:r>
+            <a:r>
+              <a:rPr lang="en-GB" baseline="0" dirty="0"/>
+              <a:t>, False, Equals(expected, actual) should be enough</a:t>
             </a:r>
           </a:p>
           <a:p>
@@ -769,7 +768,7 @@
           <a:p>
             <a:fld id="{79489300-499A-49F6-966F-835A77FC147A}" type="slidenum">
               <a:rPr lang="en-GB" smtClean="0"/>
-              <a:t>16</a:t>
+              <a:t>14</a:t>
             </a:fld>
             <a:endParaRPr lang="en-GB"/>
           </a:p>
@@ -778,7 +777,7 @@
     </p:spTree>
     <p:extLst>
       <p:ext uri="{BB962C8B-B14F-4D97-AF65-F5344CB8AC3E}">
-        <p14:creationId xmlns:p14="http://schemas.microsoft.com/office/powerpoint/2010/main" val="1103431544"/>
+        <p14:creationId xmlns:p14="http://schemas.microsoft.com/office/powerpoint/2010/main" val="2759705197"/>
       </p:ext>
     </p:extLst>
   </p:cSld>
@@ -834,12 +833,24 @@
           <a:p>
             <a:r>
               <a:rPr lang="en-GB" dirty="0"/>
-              <a:t>Subtle</a:t>
-            </a:r>
-            <a:r>
-              <a:rPr lang="en-GB" baseline="0" dirty="0"/>
-              <a:t> difference between WHILE loops and DO loops – what happens if the expression is false at the beginning?</a:t>
-            </a:r>
+              <a:t>Examples, showing assignment operator vs equals in the </a:t>
+            </a:r>
+            <a:r>
+              <a:rPr lang="en-GB" dirty="0" err="1"/>
+              <a:t>booleanExpression</a:t>
+            </a:r>
+            <a:endParaRPr lang="en-GB" dirty="0"/>
+          </a:p>
+          <a:p>
+            <a:endParaRPr lang="en-GB" dirty="0"/>
+          </a:p>
+          <a:p>
+            <a:r>
+              <a:rPr lang="en-GB" dirty="0"/>
+              <a:t>Discuss breaking in the switch</a:t>
+            </a:r>
+          </a:p>
+          <a:p>
             <a:endParaRPr lang="en-GB" dirty="0"/>
           </a:p>
         </p:txBody>
@@ -861,7 +872,7 @@
           <a:p>
             <a:fld id="{79489300-499A-49F6-966F-835A77FC147A}" type="slidenum">
               <a:rPr lang="en-GB" smtClean="0"/>
-              <a:t>17</a:t>
+              <a:t>16</a:t>
             </a:fld>
             <a:endParaRPr lang="en-GB"/>
           </a:p>
@@ -870,7 +881,7 @@
     </p:spTree>
     <p:extLst>
       <p:ext uri="{BB962C8B-B14F-4D97-AF65-F5344CB8AC3E}">
-        <p14:creationId xmlns:p14="http://schemas.microsoft.com/office/powerpoint/2010/main" val="3078796927"/>
+        <p14:creationId xmlns:p14="http://schemas.microsoft.com/office/powerpoint/2010/main" val="1103431544"/>
       </p:ext>
     </p:extLst>
   </p:cSld>
@@ -926,8 +937,13 @@
           <a:p>
             <a:r>
               <a:rPr lang="en-GB" dirty="0"/>
-              <a:t>What does each of these snippets output?</a:t>
-            </a:r>
+              <a:t>Subtle</a:t>
+            </a:r>
+            <a:r>
+              <a:rPr lang="en-GB" baseline="0" dirty="0"/>
+              <a:t> difference between WHILE loops and DO loops – what happens if the expression is false at the beginning?</a:t>
+            </a:r>
+            <a:endParaRPr lang="en-GB" dirty="0"/>
           </a:p>
         </p:txBody>
       </p:sp>
@@ -948,7 +964,7 @@
           <a:p>
             <a:fld id="{79489300-499A-49F6-966F-835A77FC147A}" type="slidenum">
               <a:rPr lang="en-GB" smtClean="0"/>
-              <a:t>18</a:t>
+              <a:t>17</a:t>
             </a:fld>
             <a:endParaRPr lang="en-GB"/>
           </a:p>
@@ -957,7 +973,7 @@
     </p:spTree>
     <p:extLst>
       <p:ext uri="{BB962C8B-B14F-4D97-AF65-F5344CB8AC3E}">
-        <p14:creationId xmlns:p14="http://schemas.microsoft.com/office/powerpoint/2010/main" val="3034094952"/>
+        <p14:creationId xmlns:p14="http://schemas.microsoft.com/office/powerpoint/2010/main" val="3078796927"/>
       </p:ext>
     </p:extLst>
   </p:cSld>
@@ -1013,13 +1029,8 @@
           <a:p>
             <a:r>
               <a:rPr lang="en-GB" dirty="0"/>
-              <a:t>Examine the method signature.</a:t>
-            </a:r>
-            <a:r>
-              <a:rPr lang="en-GB" baseline="0" dirty="0"/>
-              <a:t>  What is and is not included in the definition of the signature?  Demonstrate different variations of the above, and method overloading.</a:t>
-            </a:r>
-            <a:endParaRPr lang="en-GB" dirty="0"/>
+              <a:t>What does each of these snippets output?</a:t>
+            </a:r>
           </a:p>
         </p:txBody>
       </p:sp>
@@ -1040,7 +1051,7 @@
           <a:p>
             <a:fld id="{79489300-499A-49F6-966F-835A77FC147A}" type="slidenum">
               <a:rPr lang="en-GB" smtClean="0"/>
-              <a:t>19</a:t>
+              <a:t>18</a:t>
             </a:fld>
             <a:endParaRPr lang="en-GB"/>
           </a:p>
@@ -1049,7 +1060,7 @@
     </p:spTree>
     <p:extLst>
       <p:ext uri="{BB962C8B-B14F-4D97-AF65-F5344CB8AC3E}">
-        <p14:creationId xmlns:p14="http://schemas.microsoft.com/office/powerpoint/2010/main" val="1606290686"/>
+        <p14:creationId xmlns:p14="http://schemas.microsoft.com/office/powerpoint/2010/main" val="3034094952"/>
       </p:ext>
     </p:extLst>
   </p:cSld>
@@ -1103,56 +1114,15 @@
           <a:bodyPr/>
           <a:lstStyle/>
           <a:p>
-            <a:pPr marL="0" marR="0" lvl="0" indent="0" algn="l" defTabSz="914400" rtl="0" eaLnBrk="1" fontAlgn="auto" latinLnBrk="0" hangingPunct="1">
-              <a:lnSpc>
-                <a:spcPct val="100000"/>
-              </a:lnSpc>
-              <a:spcBef>
-                <a:spcPts val="0"/>
-              </a:spcBef>
-              <a:spcAft>
-                <a:spcPts val="0"/>
-              </a:spcAft>
-              <a:buClrTx/>
-              <a:buSzTx/>
-              <a:buFontTx/>
-              <a:buNone/>
-              <a:tabLst/>
-              <a:defRPr/>
-            </a:pPr>
+            <a:r>
+              <a:rPr lang="en-GB" dirty="0"/>
+              <a:t>Examine the method signature.</a:t>
+            </a:r>
             <a:r>
               <a:rPr lang="en-GB" baseline="0" dirty="0"/>
-              <a:t>sending variables as parameters</a:t>
-            </a:r>
-          </a:p>
-          <a:p>
-            <a:pPr marL="0" marR="0" lvl="0" indent="0" algn="l" defTabSz="914400" rtl="0" eaLnBrk="1" fontAlgn="auto" latinLnBrk="0" hangingPunct="1">
-              <a:lnSpc>
-                <a:spcPct val="100000"/>
-              </a:lnSpc>
-              <a:spcBef>
-                <a:spcPts val="0"/>
-              </a:spcBef>
-              <a:spcAft>
-                <a:spcPts val="0"/>
-              </a:spcAft>
-              <a:buClrTx/>
-              <a:buSzTx/>
-              <a:buFontTx/>
-              <a:buNone/>
-              <a:tabLst/>
-              <a:defRPr/>
-            </a:pPr>
-            <a:r>
-              <a:rPr lang="en-GB" baseline="0" dirty="0"/>
-              <a:t>Order of parameters</a:t>
-            </a:r>
-          </a:p>
-          <a:p>
-            <a:r>
-              <a:rPr lang="en-GB" baseline="0" dirty="0"/>
-              <a:t>default parameter values</a:t>
-            </a:r>
+              <a:t>  What is and is not included in the definition of the signature?  Demonstrate different variations of the above, and method overloading.</a:t>
+            </a:r>
+            <a:endParaRPr lang="en-GB" dirty="0"/>
           </a:p>
         </p:txBody>
       </p:sp>
@@ -1173,7 +1143,7 @@
           <a:p>
             <a:fld id="{79489300-499A-49F6-966F-835A77FC147A}" type="slidenum">
               <a:rPr lang="en-GB" smtClean="0"/>
-              <a:t>20</a:t>
+              <a:t>19</a:t>
             </a:fld>
             <a:endParaRPr lang="en-GB"/>
           </a:p>
@@ -1182,7 +1152,7 @@
     </p:spTree>
     <p:extLst>
       <p:ext uri="{BB962C8B-B14F-4D97-AF65-F5344CB8AC3E}">
-        <p14:creationId xmlns:p14="http://schemas.microsoft.com/office/powerpoint/2010/main" val="1037212299"/>
+        <p14:creationId xmlns:p14="http://schemas.microsoft.com/office/powerpoint/2010/main" val="1606290686"/>
       </p:ext>
     </p:extLst>
   </p:cSld>
@@ -1236,7 +1206,56 @@
           <a:bodyPr/>
           <a:lstStyle/>
           <a:p>
-            <a:endParaRPr lang="en-GB" baseline="0" dirty="0"/>
+            <a:pPr marL="0" marR="0" lvl="0" indent="0" algn="l" defTabSz="914400" rtl="0" eaLnBrk="1" fontAlgn="auto" latinLnBrk="0" hangingPunct="1">
+              <a:lnSpc>
+                <a:spcPct val="100000"/>
+              </a:lnSpc>
+              <a:spcBef>
+                <a:spcPts val="0"/>
+              </a:spcBef>
+              <a:spcAft>
+                <a:spcPts val="0"/>
+              </a:spcAft>
+              <a:buClrTx/>
+              <a:buSzTx/>
+              <a:buFontTx/>
+              <a:buNone/>
+              <a:tabLst/>
+              <a:defRPr/>
+            </a:pPr>
+            <a:r>
+              <a:rPr lang="en-GB" baseline="0" dirty="0"/>
+              <a:t>sending variables as parameters</a:t>
+            </a:r>
+          </a:p>
+          <a:p>
+            <a:pPr marL="0" marR="0" lvl="0" indent="0" algn="l" defTabSz="914400" rtl="0" eaLnBrk="1" fontAlgn="auto" latinLnBrk="0" hangingPunct="1">
+              <a:lnSpc>
+                <a:spcPct val="100000"/>
+              </a:lnSpc>
+              <a:spcBef>
+                <a:spcPts val="0"/>
+              </a:spcBef>
+              <a:spcAft>
+                <a:spcPts val="0"/>
+              </a:spcAft>
+              <a:buClrTx/>
+              <a:buSzTx/>
+              <a:buFontTx/>
+              <a:buNone/>
+              <a:tabLst/>
+              <a:defRPr/>
+            </a:pPr>
+            <a:r>
+              <a:rPr lang="en-GB" baseline="0" dirty="0"/>
+              <a:t>Order of parameters</a:t>
+            </a:r>
+          </a:p>
+          <a:p>
+            <a:r>
+              <a:rPr lang="en-GB" baseline="0" dirty="0"/>
+              <a:t>default parameter values</a:t>
+            </a:r>
           </a:p>
         </p:txBody>
       </p:sp>
@@ -1257,7 +1276,7 @@
           <a:p>
             <a:fld id="{79489300-499A-49F6-966F-835A77FC147A}" type="slidenum">
               <a:rPr lang="en-GB" smtClean="0"/>
-              <a:t>21</a:t>
+              <a:t>20</a:t>
             </a:fld>
             <a:endParaRPr lang="en-GB"/>
           </a:p>
@@ -1266,7 +1285,7 @@
     </p:spTree>
     <p:extLst>
       <p:ext uri="{BB962C8B-B14F-4D97-AF65-F5344CB8AC3E}">
-        <p14:creationId xmlns:p14="http://schemas.microsoft.com/office/powerpoint/2010/main" val="71603138"/>
+        <p14:creationId xmlns:p14="http://schemas.microsoft.com/office/powerpoint/2010/main" val="1037212299"/>
       </p:ext>
     </p:extLst>
   </p:cSld>
@@ -1320,7 +1339,7 @@
           <a:bodyPr/>
           <a:lstStyle/>
           <a:p>
-            <a:endParaRPr lang="en-GB" dirty="0"/>
+            <a:endParaRPr lang="en-GB" baseline="0" dirty="0"/>
           </a:p>
         </p:txBody>
       </p:sp>
@@ -1341,7 +1360,7 @@
           <a:p>
             <a:fld id="{79489300-499A-49F6-966F-835A77FC147A}" type="slidenum">
               <a:rPr lang="en-GB" smtClean="0"/>
-              <a:t>23</a:t>
+              <a:t>21</a:t>
             </a:fld>
             <a:endParaRPr lang="en-GB"/>
           </a:p>
@@ -1350,7 +1369,7 @@
     </p:spTree>
     <p:extLst>
       <p:ext uri="{BB962C8B-B14F-4D97-AF65-F5344CB8AC3E}">
-        <p14:creationId xmlns:p14="http://schemas.microsoft.com/office/powerpoint/2010/main" val="768075465"/>
+        <p14:creationId xmlns:p14="http://schemas.microsoft.com/office/powerpoint/2010/main" val="71603138"/>
       </p:ext>
     </p:extLst>
   </p:cSld>
@@ -1425,7 +1444,7 @@
           <a:p>
             <a:fld id="{79489300-499A-49F6-966F-835A77FC147A}" type="slidenum">
               <a:rPr lang="en-GB" smtClean="0"/>
-              <a:t>26</a:t>
+              <a:t>23</a:t>
             </a:fld>
             <a:endParaRPr lang="en-GB"/>
           </a:p>
@@ -1434,7 +1453,7 @@
     </p:spTree>
     <p:extLst>
       <p:ext uri="{BB962C8B-B14F-4D97-AF65-F5344CB8AC3E}">
-        <p14:creationId xmlns:p14="http://schemas.microsoft.com/office/powerpoint/2010/main" val="1521033871"/>
+        <p14:creationId xmlns:p14="http://schemas.microsoft.com/office/powerpoint/2010/main" val="768075465"/>
       </p:ext>
     </p:extLst>
   </p:cSld>
@@ -1488,53 +1507,6 @@
           <a:bodyPr/>
           <a:lstStyle/>
           <a:p>
-            <a:r>
-              <a:rPr lang="en-GB" dirty="0"/>
-              <a:t>Click</a:t>
-            </a:r>
-            <a:r>
-              <a:rPr lang="en-GB" baseline="0" dirty="0"/>
-              <a:t> through, </a:t>
-            </a:r>
-            <a:r>
-              <a:rPr lang="en-GB" baseline="0" dirty="0" err="1"/>
-              <a:t>examing</a:t>
-            </a:r>
-            <a:r>
-              <a:rPr lang="en-GB" baseline="0" dirty="0"/>
-              <a:t> the code about to execute, and imagining (in terms of buckets) what is going to happen</a:t>
-            </a:r>
-          </a:p>
-          <a:p>
-            <a:endParaRPr lang="en-GB" baseline="0" dirty="0"/>
-          </a:p>
-          <a:p>
-            <a:r>
-              <a:rPr lang="en-GB" baseline="0" dirty="0"/>
-              <a:t>Discuss the new </a:t>
-            </a:r>
-            <a:r>
-              <a:rPr lang="en-GB" baseline="0" dirty="0" err="1"/>
-              <a:t>keyworkd</a:t>
-            </a:r>
-            <a:r>
-              <a:rPr lang="en-GB" baseline="0" dirty="0"/>
-              <a:t>, and constructors</a:t>
-            </a:r>
-          </a:p>
-          <a:p>
-            <a:endParaRPr lang="en-GB" baseline="0" dirty="0"/>
-          </a:p>
-          <a:p>
-            <a:r>
-              <a:rPr lang="en-GB" baseline="0" dirty="0"/>
-              <a:t>demo passing data into a constructor, and setting properties when creating objects</a:t>
-            </a:r>
-          </a:p>
-          <a:p>
-            <a:endParaRPr lang="en-GB" baseline="0" dirty="0"/>
-          </a:p>
-          <a:p>
             <a:endParaRPr lang="en-GB" dirty="0"/>
           </a:p>
         </p:txBody>
@@ -1556,7 +1528,7 @@
           <a:p>
             <a:fld id="{79489300-499A-49F6-966F-835A77FC147A}" type="slidenum">
               <a:rPr lang="en-GB" smtClean="0"/>
-              <a:t>27</a:t>
+              <a:t>26</a:t>
             </a:fld>
             <a:endParaRPr lang="en-GB"/>
           </a:p>
@@ -1565,7 +1537,7 @@
     </p:spTree>
     <p:extLst>
       <p:ext uri="{BB962C8B-B14F-4D97-AF65-F5344CB8AC3E}">
-        <p14:creationId xmlns:p14="http://schemas.microsoft.com/office/powerpoint/2010/main" val="438898805"/>
+        <p14:creationId xmlns:p14="http://schemas.microsoft.com/office/powerpoint/2010/main" val="1521033871"/>
       </p:ext>
     </p:extLst>
   </p:cSld>
@@ -1621,8 +1593,52 @@
           <a:p>
             <a:r>
               <a:rPr lang="en-GB" dirty="0"/>
-              <a:t>Go through properties, fields and methods.</a:t>
-            </a:r>
+              <a:t>Click</a:t>
+            </a:r>
+            <a:r>
+              <a:rPr lang="en-GB" baseline="0" dirty="0"/>
+              <a:t> through, </a:t>
+            </a:r>
+            <a:r>
+              <a:rPr lang="en-GB" baseline="0" dirty="0" err="1"/>
+              <a:t>examing</a:t>
+            </a:r>
+            <a:r>
+              <a:rPr lang="en-GB" baseline="0" dirty="0"/>
+              <a:t> the code about to execute, and imagining (in terms of buckets) what is going to happen</a:t>
+            </a:r>
+          </a:p>
+          <a:p>
+            <a:endParaRPr lang="en-GB" baseline="0" dirty="0"/>
+          </a:p>
+          <a:p>
+            <a:r>
+              <a:rPr lang="en-GB" baseline="0" dirty="0"/>
+              <a:t>Discuss the new </a:t>
+            </a:r>
+            <a:r>
+              <a:rPr lang="en-GB" baseline="0" dirty="0" err="1"/>
+              <a:t>keyworkd</a:t>
+            </a:r>
+            <a:r>
+              <a:rPr lang="en-GB" baseline="0" dirty="0"/>
+              <a:t>, and constructors</a:t>
+            </a:r>
+          </a:p>
+          <a:p>
+            <a:endParaRPr lang="en-GB" baseline="0" dirty="0"/>
+          </a:p>
+          <a:p>
+            <a:r>
+              <a:rPr lang="en-GB" baseline="0" dirty="0"/>
+              <a:t>demo passing data into a constructor, and setting properties when creating objects</a:t>
+            </a:r>
+          </a:p>
+          <a:p>
+            <a:endParaRPr lang="en-GB" baseline="0" dirty="0"/>
+          </a:p>
+          <a:p>
+            <a:endParaRPr lang="en-GB" dirty="0"/>
           </a:p>
         </p:txBody>
       </p:sp>
@@ -1643,7 +1659,7 @@
           <a:p>
             <a:fld id="{79489300-499A-49F6-966F-835A77FC147A}" type="slidenum">
               <a:rPr lang="en-GB" smtClean="0"/>
-              <a:t>28</a:t>
+              <a:t>27</a:t>
             </a:fld>
             <a:endParaRPr lang="en-GB"/>
           </a:p>
@@ -1652,7 +1668,7 @@
     </p:spTree>
     <p:extLst>
       <p:ext uri="{BB962C8B-B14F-4D97-AF65-F5344CB8AC3E}">
-        <p14:creationId xmlns:p14="http://schemas.microsoft.com/office/powerpoint/2010/main" val="2705081190"/>
+        <p14:creationId xmlns:p14="http://schemas.microsoft.com/office/powerpoint/2010/main" val="438898805"/>
       </p:ext>
     </p:extLst>
   </p:cSld>
@@ -1812,83 +1828,8 @@
           <a:p>
             <a:r>
               <a:rPr lang="en-GB" dirty="0"/>
-              <a:t>Go through</a:t>
-            </a:r>
-            <a:r>
-              <a:rPr lang="en-GB" baseline="0" dirty="0"/>
-              <a:t> the terms Base / Super class.. Subclass/child class.  Use Dog as an example.</a:t>
-            </a:r>
-          </a:p>
-          <a:p>
-            <a:endParaRPr lang="en-GB" baseline="0" dirty="0"/>
-          </a:p>
-          <a:p>
-            <a:r>
-              <a:rPr lang="en-GB" baseline="0" dirty="0"/>
-              <a:t>Discuss </a:t>
-            </a:r>
-          </a:p>
-          <a:p>
-            <a:pPr marL="171450" indent="-171450">
-              <a:buFont typeface="Arial" panose="020B0604020202020204" pitchFamily="34" charset="0"/>
-              <a:buChar char="•"/>
-            </a:pPr>
-            <a:r>
-              <a:rPr lang="en-GB" baseline="0" dirty="0" err="1"/>
-              <a:t>Mammal.Breathe</a:t>
-            </a:r>
-            <a:r>
-              <a:rPr lang="en-GB" baseline="0" dirty="0"/>
-              <a:t>()</a:t>
-            </a:r>
-          </a:p>
-          <a:p>
-            <a:pPr marL="171450" indent="-171450">
-              <a:buFont typeface="Arial" panose="020B0604020202020204" pitchFamily="34" charset="0"/>
-              <a:buChar char="•"/>
-            </a:pPr>
-            <a:r>
-              <a:rPr lang="en-GB" baseline="0" dirty="0" err="1"/>
-              <a:t>Mammal.SoundOff</a:t>
-            </a:r>
-            <a:r>
-              <a:rPr lang="en-GB" baseline="0" dirty="0"/>
-              <a:t>();</a:t>
-            </a:r>
-          </a:p>
-          <a:p>
-            <a:pPr marL="171450" indent="-171450">
-              <a:buFont typeface="Arial" panose="020B0604020202020204" pitchFamily="34" charset="0"/>
-              <a:buChar char="•"/>
-            </a:pPr>
-            <a:r>
-              <a:rPr lang="en-GB" baseline="0" dirty="0" err="1"/>
-              <a:t>Dog.IsHypoallergenic</a:t>
-            </a:r>
-            <a:r>
-              <a:rPr lang="en-GB" baseline="0" dirty="0"/>
-              <a:t>()</a:t>
-            </a:r>
-          </a:p>
-          <a:p>
-            <a:pPr marL="171450" indent="-171450">
-              <a:buFont typeface="Arial" panose="020B0604020202020204" pitchFamily="34" charset="0"/>
-              <a:buChar char="•"/>
-            </a:pPr>
-            <a:r>
-              <a:rPr lang="en-GB" baseline="0" dirty="0" err="1"/>
-              <a:t>LabradorRetriever.Retrieve</a:t>
-            </a:r>
-            <a:r>
-              <a:rPr lang="en-GB" baseline="0" dirty="0"/>
-              <a:t>()</a:t>
-            </a:r>
-          </a:p>
-          <a:p>
-            <a:endParaRPr lang="en-GB" baseline="0" dirty="0"/>
-          </a:p>
-          <a:p>
-            <a:endParaRPr lang="en-GB" dirty="0"/>
+              <a:t>Go through properties, fields and methods.</a:t>
+            </a:r>
           </a:p>
         </p:txBody>
       </p:sp>
@@ -1909,7 +1850,7 @@
           <a:p>
             <a:fld id="{79489300-499A-49F6-966F-835A77FC147A}" type="slidenum">
               <a:rPr lang="en-GB" smtClean="0"/>
-              <a:t>30</a:t>
+              <a:t>28</a:t>
             </a:fld>
             <a:endParaRPr lang="en-GB"/>
           </a:p>
@@ -1918,7 +1859,7 @@
     </p:spTree>
     <p:extLst>
       <p:ext uri="{BB962C8B-B14F-4D97-AF65-F5344CB8AC3E}">
-        <p14:creationId xmlns:p14="http://schemas.microsoft.com/office/powerpoint/2010/main" val="3775186546"/>
+        <p14:creationId xmlns:p14="http://schemas.microsoft.com/office/powerpoint/2010/main" val="2705081190"/>
       </p:ext>
     </p:extLst>
   </p:cSld>
@@ -1972,43 +1913,82 @@
           <a:bodyPr/>
           <a:lstStyle/>
           <a:p>
-            <a:pPr marL="0" marR="0" lvl="0" indent="0" algn="l" defTabSz="914400" rtl="0" eaLnBrk="1" fontAlgn="auto" latinLnBrk="0" hangingPunct="1">
-              <a:lnSpc>
-                <a:spcPct val="100000"/>
-              </a:lnSpc>
-              <a:spcBef>
-                <a:spcPts val="0"/>
-              </a:spcBef>
-              <a:spcAft>
-                <a:spcPts val="0"/>
-              </a:spcAft>
-              <a:buClrTx/>
-              <a:buSzTx/>
-              <a:buFontTx/>
-              <a:buNone/>
-              <a:tabLst/>
-              <a:defRPr/>
+            <a:r>
+              <a:rPr lang="en-GB" dirty="0"/>
+              <a:t>Go through</a:t>
+            </a:r>
+            <a:r>
+              <a:rPr lang="en-GB" baseline="0" dirty="0"/>
+              <a:t> the terms Base / Super class.. Subclass/child class.  Use Dog as an example.</a:t>
+            </a:r>
+          </a:p>
+          <a:p>
+            <a:endParaRPr lang="en-GB" baseline="0" dirty="0"/>
+          </a:p>
+          <a:p>
+            <a:r>
+              <a:rPr lang="en-GB" baseline="0" dirty="0"/>
+              <a:t>Discuss </a:t>
+            </a:r>
+          </a:p>
+          <a:p>
+            <a:pPr marL="171450" indent="-171450">
+              <a:buFont typeface="Arial" panose="020B0604020202020204" pitchFamily="34" charset="0"/>
+              <a:buChar char="•"/>
             </a:pPr>
             <a:r>
+              <a:rPr lang="en-GB" baseline="0" dirty="0" err="1"/>
+              <a:t>Mammal.Breathe</a:t>
+            </a:r>
+            <a:r>
               <a:rPr lang="en-GB" baseline="0" dirty="0"/>
-              <a:t>Do </a:t>
-            </a:r>
+              <a:t>()</a:t>
+            </a:r>
+          </a:p>
+          <a:p>
+            <a:pPr marL="171450" indent="-171450">
+              <a:buFont typeface="Arial" panose="020B0604020202020204" pitchFamily="34" charset="0"/>
+              <a:buChar char="•"/>
+            </a:pPr>
             <a:r>
               <a:rPr lang="en-GB" baseline="0" dirty="0" err="1"/>
-              <a:t>AboutInheritance</a:t>
+              <a:t>Mammal.SoundOff</a:t>
             </a:r>
             <a:r>
               <a:rPr lang="en-GB" baseline="0" dirty="0"/>
-              <a:t> </a:t>
-            </a:r>
+              <a:t>();</a:t>
+            </a:r>
+          </a:p>
+          <a:p>
+            <a:pPr marL="171450" indent="-171450">
+              <a:buFont typeface="Arial" panose="020B0604020202020204" pitchFamily="34" charset="0"/>
+              <a:buChar char="•"/>
+            </a:pPr>
             <a:r>
               <a:rPr lang="en-GB" baseline="0" dirty="0" err="1"/>
-              <a:t>Koan</a:t>
+              <a:t>Dog.IsHypoallergenic</a:t>
             </a:r>
             <a:r>
               <a:rPr lang="en-GB" baseline="0" dirty="0"/>
-              <a:t> after this.</a:t>
-            </a:r>
+              <a:t>()</a:t>
+            </a:r>
+          </a:p>
+          <a:p>
+            <a:pPr marL="171450" indent="-171450">
+              <a:buFont typeface="Arial" panose="020B0604020202020204" pitchFamily="34" charset="0"/>
+              <a:buChar char="•"/>
+            </a:pPr>
+            <a:r>
+              <a:rPr lang="en-GB" baseline="0" dirty="0" err="1"/>
+              <a:t>LabradorRetriever.Retrieve</a:t>
+            </a:r>
+            <a:r>
+              <a:rPr lang="en-GB" baseline="0" dirty="0"/>
+              <a:t>()</a:t>
+            </a:r>
+          </a:p>
+          <a:p>
+            <a:endParaRPr lang="en-GB" baseline="0" dirty="0"/>
           </a:p>
           <a:p>
             <a:endParaRPr lang="en-GB" dirty="0"/>
@@ -2032,7 +2012,7 @@
           <a:p>
             <a:fld id="{79489300-499A-49F6-966F-835A77FC147A}" type="slidenum">
               <a:rPr lang="en-GB" smtClean="0"/>
-              <a:t>31</a:t>
+              <a:t>30</a:t>
             </a:fld>
             <a:endParaRPr lang="en-GB"/>
           </a:p>
@@ -2041,7 +2021,7 @@
     </p:spTree>
     <p:extLst>
       <p:ext uri="{BB962C8B-B14F-4D97-AF65-F5344CB8AC3E}">
-        <p14:creationId xmlns:p14="http://schemas.microsoft.com/office/powerpoint/2010/main" val="3174019969"/>
+        <p14:creationId xmlns:p14="http://schemas.microsoft.com/office/powerpoint/2010/main" val="3775186546"/>
       </p:ext>
     </p:extLst>
   </p:cSld>
@@ -2113,57 +2093,25 @@
               <a:defRPr/>
             </a:pPr>
             <a:r>
-              <a:rPr lang="en-GB" sz="1200" dirty="0"/>
-              <a:t>Slight shift back to procedural programming, but with organisation in place.</a:t>
-            </a:r>
-          </a:p>
-          <a:p>
-            <a:pPr marL="0" marR="0" lvl="0" indent="0" algn="l" defTabSz="914400" rtl="0" eaLnBrk="1" fontAlgn="auto" latinLnBrk="0" hangingPunct="1">
-              <a:lnSpc>
-                <a:spcPct val="100000"/>
-              </a:lnSpc>
-              <a:spcBef>
-                <a:spcPts val="0"/>
-              </a:spcBef>
-              <a:spcAft>
-                <a:spcPts val="0"/>
-              </a:spcAft>
-              <a:buClrTx/>
-              <a:buSzTx/>
-              <a:buFontTx/>
-              <a:buNone/>
-              <a:tabLst/>
-              <a:defRPr/>
-            </a:pPr>
-            <a:endParaRPr lang="en-GB" sz="1200" dirty="0"/>
-          </a:p>
-          <a:p>
-            <a:pPr marL="0" marR="0" lvl="0" indent="0" algn="l" defTabSz="914400" rtl="0" eaLnBrk="1" fontAlgn="auto" latinLnBrk="0" hangingPunct="1">
-              <a:lnSpc>
-                <a:spcPct val="100000"/>
-              </a:lnSpc>
-              <a:spcBef>
-                <a:spcPts val="0"/>
-              </a:spcBef>
-              <a:spcAft>
-                <a:spcPts val="0"/>
-              </a:spcAft>
-              <a:buClrTx/>
-              <a:buSzTx/>
-              <a:buFontTx/>
-              <a:buNone/>
-              <a:tabLst/>
-              <a:defRPr/>
-            </a:pPr>
-            <a:r>
-              <a:rPr lang="en-GB" sz="1200" dirty="0"/>
-              <a:t>Mention</a:t>
-            </a:r>
-            <a:r>
-              <a:rPr lang="en-GB" sz="1200" baseline="0" dirty="0"/>
-              <a:t> that classes can also be static.</a:t>
-            </a:r>
-            <a:endParaRPr lang="en-GB" sz="1200" dirty="0"/>
+              <a:rPr lang="en-GB" baseline="0" dirty="0"/>
+              <a:t>Do </a:t>
+            </a:r>
+            <a:r>
+              <a:rPr lang="en-GB" baseline="0" dirty="0" err="1"/>
+              <a:t>AboutInheritance</a:t>
+            </a:r>
+            <a:r>
+              <a:rPr lang="en-GB" baseline="0" dirty="0"/>
+              <a:t> </a:t>
+            </a:r>
+            <a:r>
+              <a:rPr lang="en-GB" baseline="0" dirty="0" err="1"/>
+              <a:t>Koan</a:t>
+            </a:r>
+            <a:r>
+              <a:rPr lang="en-GB" baseline="0" dirty="0"/>
+              <a:t> after this.</a:t>
+            </a:r>
           </a:p>
           <a:p>
             <a:endParaRPr lang="en-GB" dirty="0"/>
@@ -2187,7 +2135,7 @@
           <a:p>
             <a:fld id="{79489300-499A-49F6-966F-835A77FC147A}" type="slidenum">
               <a:rPr lang="en-GB" smtClean="0"/>
-              <a:t>32</a:t>
+              <a:t>31</a:t>
             </a:fld>
             <a:endParaRPr lang="en-GB"/>
           </a:p>
@@ -2196,7 +2144,7 @@
     </p:spTree>
     <p:extLst>
       <p:ext uri="{BB962C8B-B14F-4D97-AF65-F5344CB8AC3E}">
-        <p14:creationId xmlns:p14="http://schemas.microsoft.com/office/powerpoint/2010/main" val="1243120348"/>
+        <p14:creationId xmlns:p14="http://schemas.microsoft.com/office/powerpoint/2010/main" val="3174019969"/>
       </p:ext>
     </p:extLst>
   </p:cSld>
@@ -2250,6 +2198,77 @@
           <a:bodyPr/>
           <a:lstStyle/>
           <a:p>
+            <a:pPr marL="0" marR="0" lvl="0" indent="0" algn="l" defTabSz="914400" rtl="0" eaLnBrk="1" fontAlgn="auto" latinLnBrk="0" hangingPunct="1">
+              <a:lnSpc>
+                <a:spcPct val="100000"/>
+              </a:lnSpc>
+              <a:spcBef>
+                <a:spcPts val="0"/>
+              </a:spcBef>
+              <a:spcAft>
+                <a:spcPts val="0"/>
+              </a:spcAft>
+              <a:buClrTx/>
+              <a:buSzTx/>
+              <a:buFontTx/>
+              <a:buNone/>
+              <a:tabLst/>
+              <a:defRPr/>
+            </a:pPr>
+            <a:r>
+              <a:rPr lang="en-GB" sz="1200" dirty="0"/>
+              <a:t>Slight shift back to procedural programming, but with organisation in place.</a:t>
+            </a:r>
+          </a:p>
+          <a:p>
+            <a:pPr marL="0" marR="0" lvl="0" indent="0" algn="l" defTabSz="914400" rtl="0" eaLnBrk="1" fontAlgn="auto" latinLnBrk="0" hangingPunct="1">
+              <a:lnSpc>
+                <a:spcPct val="100000"/>
+              </a:lnSpc>
+              <a:spcBef>
+                <a:spcPts val="0"/>
+              </a:spcBef>
+              <a:spcAft>
+                <a:spcPts val="0"/>
+              </a:spcAft>
+              <a:buClrTx/>
+              <a:buSzTx/>
+              <a:buFontTx/>
+              <a:buNone/>
+              <a:tabLst/>
+              <a:defRPr/>
+            </a:pPr>
+            <a:endParaRPr lang="en-GB" sz="1200" dirty="0"/>
+          </a:p>
+          <a:p>
+            <a:pPr marL="0" marR="0" lvl="0" indent="0" algn="l" defTabSz="914400" rtl="0" eaLnBrk="1" fontAlgn="auto" latinLnBrk="0" hangingPunct="1">
+              <a:lnSpc>
+                <a:spcPct val="100000"/>
+              </a:lnSpc>
+              <a:spcBef>
+                <a:spcPts val="0"/>
+              </a:spcBef>
+              <a:spcAft>
+                <a:spcPts val="0"/>
+              </a:spcAft>
+              <a:buClrTx/>
+              <a:buSzTx/>
+              <a:buFontTx/>
+              <a:buNone/>
+              <a:tabLst/>
+              <a:defRPr/>
+            </a:pPr>
+            <a:r>
+              <a:rPr lang="en-GB" sz="1200" dirty="0"/>
+              <a:t>Mention</a:t>
+            </a:r>
+            <a:r>
+              <a:rPr lang="en-GB" sz="1200" baseline="0" dirty="0"/>
+              <a:t> that classes can also be static.</a:t>
+            </a:r>
+            <a:endParaRPr lang="en-GB" sz="1200" dirty="0"/>
+          </a:p>
+          <a:p>
             <a:endParaRPr lang="en-GB" dirty="0"/>
           </a:p>
         </p:txBody>
@@ -2271,7 +2290,7 @@
           <a:p>
             <a:fld id="{79489300-499A-49F6-966F-835A77FC147A}" type="slidenum">
               <a:rPr lang="en-GB" smtClean="0"/>
-              <a:t>33</a:t>
+              <a:t>32</a:t>
             </a:fld>
             <a:endParaRPr lang="en-GB"/>
           </a:p>
@@ -2280,7 +2299,7 @@
     </p:spTree>
     <p:extLst>
       <p:ext uri="{BB962C8B-B14F-4D97-AF65-F5344CB8AC3E}">
-        <p14:creationId xmlns:p14="http://schemas.microsoft.com/office/powerpoint/2010/main" val="421040964"/>
+        <p14:creationId xmlns:p14="http://schemas.microsoft.com/office/powerpoint/2010/main" val="1243120348"/>
       </p:ext>
     </p:extLst>
   </p:cSld>
@@ -2336,151 +2355,6 @@
           <a:p>
             <a:endParaRPr lang="en-GB" dirty="0"/>
           </a:p>
-          <a:p>
-            <a:r>
-              <a:rPr lang="en-GB" dirty="0"/>
-              <a:t>Choos</a:t>
-            </a:r>
-            <a:r>
-              <a:rPr lang="en-GB" baseline="0" dirty="0"/>
-              <a:t>e Scribe</a:t>
-            </a:r>
-          </a:p>
-          <a:p>
-            <a:endParaRPr lang="en-GB" baseline="0" dirty="0"/>
-          </a:p>
-          <a:p>
-            <a:r>
-              <a:rPr lang="en-GB" dirty="0"/>
-              <a:t>Write down somethings</a:t>
-            </a:r>
-            <a:r>
-              <a:rPr lang="en-GB" baseline="0" dirty="0"/>
-              <a:t> that have an interface.  Prefer odd things (other than phone, music player, TV etc)</a:t>
-            </a:r>
-          </a:p>
-          <a:p>
-            <a:endParaRPr lang="en-GB" baseline="0" dirty="0"/>
-          </a:p>
-          <a:p>
-            <a:r>
-              <a:rPr lang="en-GB" baseline="0" dirty="0"/>
-              <a:t>(</a:t>
-            </a:r>
-          </a:p>
-          <a:p>
-            <a:r>
-              <a:rPr lang="en-GB" baseline="0" dirty="0"/>
-              <a:t>Or use this list, and draw one out of a hat?</a:t>
-            </a:r>
-          </a:p>
-          <a:p>
-            <a:r>
-              <a:rPr lang="en-GB" baseline="0" dirty="0"/>
-              <a:t>ATM</a:t>
-            </a:r>
-          </a:p>
-          <a:p>
-            <a:r>
-              <a:rPr lang="en-GB" baseline="0" dirty="0"/>
-              <a:t>Car,</a:t>
-            </a:r>
-          </a:p>
-          <a:p>
-            <a:r>
-              <a:rPr lang="en-GB" baseline="0" dirty="0"/>
-              <a:t>Bank Account,</a:t>
-            </a:r>
-          </a:p>
-          <a:p>
-            <a:r>
-              <a:rPr lang="en-GB" baseline="0" dirty="0"/>
-              <a:t>Power Socket</a:t>
-            </a:r>
-          </a:p>
-          <a:p>
-            <a:endParaRPr lang="en-GB" baseline="0" dirty="0"/>
-          </a:p>
-          <a:p>
-            <a:r>
-              <a:rPr lang="en-GB" baseline="0" dirty="0"/>
-              <a:t>)</a:t>
-            </a:r>
-          </a:p>
-          <a:p>
-            <a:endParaRPr lang="en-GB" baseline="0" dirty="0"/>
-          </a:p>
-          <a:p>
-            <a:r>
-              <a:rPr lang="en-GB" baseline="0" dirty="0"/>
-              <a:t>Ask them to thing about what you can </a:t>
-            </a:r>
-          </a:p>
-          <a:p>
-            <a:pPr marL="171450" indent="-171450">
-              <a:buFont typeface="Arial" panose="020B0604020202020204" pitchFamily="34" charset="0"/>
-              <a:buChar char="•"/>
-            </a:pPr>
-            <a:r>
-              <a:rPr lang="en-GB" baseline="0" dirty="0"/>
-              <a:t>tell the object to do</a:t>
-            </a:r>
-          </a:p>
-          <a:p>
-            <a:pPr marL="171450" indent="-171450">
-              <a:buFont typeface="Arial" panose="020B0604020202020204" pitchFamily="34" charset="0"/>
-              <a:buChar char="•"/>
-            </a:pPr>
-            <a:r>
-              <a:rPr lang="en-GB" baseline="0" dirty="0"/>
-              <a:t>And what state it can has (that can maybe be modified?)</a:t>
-            </a:r>
-          </a:p>
-          <a:p>
-            <a:endParaRPr lang="en-GB" baseline="0" dirty="0"/>
-          </a:p>
-          <a:p>
-            <a:endParaRPr lang="en-GB" baseline="0" dirty="0"/>
-          </a:p>
-          <a:p>
-            <a:r>
-              <a:rPr lang="en-GB" baseline="0" dirty="0"/>
-              <a:t>Break into 4 teams, give each one an object that was defined</a:t>
-            </a:r>
-          </a:p>
-          <a:p>
-            <a:r>
-              <a:rPr lang="en-GB" baseline="0" dirty="0"/>
-              <a:t>* They need to present back with the definition of the interface for that thing.</a:t>
-            </a:r>
-          </a:p>
-          <a:p>
-            <a:endParaRPr lang="en-GB" baseline="0" dirty="0"/>
-          </a:p>
-          <a:p>
-            <a:pPr marL="171450" indent="-171450">
-              <a:buFont typeface="Arial" panose="020B0604020202020204" pitchFamily="34" charset="0"/>
-              <a:buChar char="•"/>
-            </a:pPr>
-            <a:r>
-              <a:rPr lang="en-GB" baseline="0" dirty="0"/>
-              <a:t>Ask other teams to ask them questions about their interface (can the other teams  understand their interface)</a:t>
-            </a:r>
-          </a:p>
-          <a:p>
-            <a:pPr marL="171450" indent="-171450">
-              <a:buFont typeface="Arial" panose="020B0604020202020204" pitchFamily="34" charset="0"/>
-              <a:buChar char="•"/>
-            </a:pPr>
-            <a:endParaRPr lang="en-GB" baseline="0" dirty="0"/>
-          </a:p>
-          <a:p>
-            <a:pPr marL="171450" indent="-171450">
-              <a:buFont typeface="Arial" panose="020B0604020202020204" pitchFamily="34" charset="0"/>
-              <a:buChar char="•"/>
-            </a:pPr>
-            <a:endParaRPr lang="en-GB" baseline="0" dirty="0"/>
-          </a:p>
         </p:txBody>
       </p:sp>
       <p:sp>
@@ -2500,7 +2374,7 @@
           <a:p>
             <a:fld id="{79489300-499A-49F6-966F-835A77FC147A}" type="slidenum">
               <a:rPr lang="en-GB" smtClean="0"/>
-              <a:t>36</a:t>
+              <a:t>33</a:t>
             </a:fld>
             <a:endParaRPr lang="en-GB"/>
           </a:p>
@@ -2509,7 +2383,7 @@
     </p:spTree>
     <p:extLst>
       <p:ext uri="{BB962C8B-B14F-4D97-AF65-F5344CB8AC3E}">
-        <p14:creationId xmlns:p14="http://schemas.microsoft.com/office/powerpoint/2010/main" val="796371511"/>
+        <p14:creationId xmlns:p14="http://schemas.microsoft.com/office/powerpoint/2010/main" val="421040964"/>
       </p:ext>
     </p:extLst>
   </p:cSld>
@@ -2563,13 +2437,16 @@
           <a:bodyPr/>
           <a:lstStyle/>
           <a:p>
+            <a:endParaRPr lang="en-GB" dirty="0"/>
+          </a:p>
+          <a:p>
             <a:r>
               <a:rPr lang="en-GB" dirty="0"/>
-              <a:t>Demo a</a:t>
+              <a:t>Choos</a:t>
             </a:r>
             <a:r>
               <a:rPr lang="en-GB" baseline="0" dirty="0"/>
-              <a:t> simple interface (choose one from the previous exercise)</a:t>
+              <a:t>e Scribe</a:t>
             </a:r>
           </a:p>
           <a:p>
@@ -2577,8 +2454,12 @@
           </a:p>
           <a:p>
             <a:r>
+              <a:rPr lang="en-GB" dirty="0"/>
+              <a:t>Write down somethings</a:t>
+            </a:r>
+            <a:r>
               <a:rPr lang="en-GB" baseline="0" dirty="0"/>
-              <a:t>Create a class that implements it, and auto generate methods</a:t>
+              <a:t> that have an interface.  Prefer odd things (other than phone, music player, TV etc)</a:t>
             </a:r>
           </a:p>
           <a:p>
@@ -2587,9 +2468,121 @@
           <a:p>
             <a:r>
               <a:rPr lang="en-GB" baseline="0" dirty="0"/>
-              <a:t>Create something that expects that interface </a:t>
-            </a:r>
-            <a:endParaRPr lang="en-GB" dirty="0"/>
+              <a:t>(</a:t>
+            </a:r>
+          </a:p>
+          <a:p>
+            <a:r>
+              <a:rPr lang="en-GB" baseline="0" dirty="0"/>
+              <a:t>Or use this list, and draw one out of a hat?</a:t>
+            </a:r>
+          </a:p>
+          <a:p>
+            <a:r>
+              <a:rPr lang="en-GB" baseline="0" dirty="0"/>
+              <a:t>ATM</a:t>
+            </a:r>
+          </a:p>
+          <a:p>
+            <a:r>
+              <a:rPr lang="en-GB" baseline="0" dirty="0"/>
+              <a:t>Car,</a:t>
+            </a:r>
+          </a:p>
+          <a:p>
+            <a:r>
+              <a:rPr lang="en-GB" baseline="0" dirty="0"/>
+              <a:t>Bank Account,</a:t>
+            </a:r>
+          </a:p>
+          <a:p>
+            <a:r>
+              <a:rPr lang="en-GB" baseline="0" dirty="0"/>
+              <a:t>Power Socket</a:t>
+            </a:r>
+          </a:p>
+          <a:p>
+            <a:endParaRPr lang="en-GB" baseline="0" dirty="0"/>
+          </a:p>
+          <a:p>
+            <a:r>
+              <a:rPr lang="en-GB" baseline="0" dirty="0"/>
+              <a:t>)</a:t>
+            </a:r>
+          </a:p>
+          <a:p>
+            <a:endParaRPr lang="en-GB" baseline="0" dirty="0"/>
+          </a:p>
+          <a:p>
+            <a:r>
+              <a:rPr lang="en-GB" baseline="0" dirty="0"/>
+              <a:t>Ask them to thing about what you can </a:t>
+            </a:r>
+          </a:p>
+          <a:p>
+            <a:pPr marL="171450" indent="-171450">
+              <a:buFont typeface="Arial" panose="020B0604020202020204" pitchFamily="34" charset="0"/>
+              <a:buChar char="•"/>
+            </a:pPr>
+            <a:r>
+              <a:rPr lang="en-GB" baseline="0" dirty="0"/>
+              <a:t>tell the object to do</a:t>
+            </a:r>
+          </a:p>
+          <a:p>
+            <a:pPr marL="171450" indent="-171450">
+              <a:buFont typeface="Arial" panose="020B0604020202020204" pitchFamily="34" charset="0"/>
+              <a:buChar char="•"/>
+            </a:pPr>
+            <a:r>
+              <a:rPr lang="en-GB" baseline="0" dirty="0"/>
+              <a:t>And what state it can has (that can maybe be modified?)</a:t>
+            </a:r>
+          </a:p>
+          <a:p>
+            <a:endParaRPr lang="en-GB" baseline="0" dirty="0"/>
+          </a:p>
+          <a:p>
+            <a:endParaRPr lang="en-GB" baseline="0" dirty="0"/>
+          </a:p>
+          <a:p>
+            <a:r>
+              <a:rPr lang="en-GB" baseline="0" dirty="0"/>
+              <a:t>Break into 4 teams, give each one an object that was defined</a:t>
+            </a:r>
+          </a:p>
+          <a:p>
+            <a:r>
+              <a:rPr lang="en-GB" baseline="0" dirty="0"/>
+              <a:t>* They need to present back with the definition of the interface for that thing.</a:t>
+            </a:r>
+          </a:p>
+          <a:p>
+            <a:endParaRPr lang="en-GB" baseline="0" dirty="0"/>
+          </a:p>
+          <a:p>
+            <a:pPr marL="171450" indent="-171450">
+              <a:buFont typeface="Arial" panose="020B0604020202020204" pitchFamily="34" charset="0"/>
+              <a:buChar char="•"/>
+            </a:pPr>
+            <a:r>
+              <a:rPr lang="en-GB" baseline="0" dirty="0"/>
+              <a:t>Ask other teams to ask them questions about their interface (can the other teams  understand their interface)</a:t>
+            </a:r>
+          </a:p>
+          <a:p>
+            <a:pPr marL="171450" indent="-171450">
+              <a:buFont typeface="Arial" panose="020B0604020202020204" pitchFamily="34" charset="0"/>
+              <a:buChar char="•"/>
+            </a:pPr>
+            <a:endParaRPr lang="en-GB" baseline="0" dirty="0"/>
+          </a:p>
+          <a:p>
+            <a:pPr marL="171450" indent="-171450">
+              <a:buFont typeface="Arial" panose="020B0604020202020204" pitchFamily="34" charset="0"/>
+              <a:buChar char="•"/>
+            </a:pPr>
+            <a:endParaRPr lang="en-GB" baseline="0" dirty="0"/>
           </a:p>
         </p:txBody>
       </p:sp>
@@ -2610,7 +2603,7 @@
           <a:p>
             <a:fld id="{79489300-499A-49F6-966F-835A77FC147A}" type="slidenum">
               <a:rPr lang="en-GB" smtClean="0"/>
-              <a:t>37</a:t>
+              <a:t>36</a:t>
             </a:fld>
             <a:endParaRPr lang="en-GB"/>
           </a:p>
@@ -2619,7 +2612,7 @@
     </p:spTree>
     <p:extLst>
       <p:ext uri="{BB962C8B-B14F-4D97-AF65-F5344CB8AC3E}">
-        <p14:creationId xmlns:p14="http://schemas.microsoft.com/office/powerpoint/2010/main" val="3969000384"/>
+        <p14:creationId xmlns:p14="http://schemas.microsoft.com/office/powerpoint/2010/main" val="796371511"/>
       </p:ext>
     </p:extLst>
   </p:cSld>
@@ -2675,41 +2668,30 @@
           <a:p>
             <a:r>
               <a:rPr lang="en-GB" dirty="0"/>
-              <a:t>Talk about catching different types of exceptions</a:t>
-            </a:r>
-          </a:p>
-          <a:p>
-            <a:r>
-              <a:rPr lang="en-GB" dirty="0"/>
-              <a:t>Talk about the call</a:t>
+              <a:t>Demo a</a:t>
             </a:r>
             <a:r>
               <a:rPr lang="en-GB" baseline="0" dirty="0"/>
-              <a:t> stack</a:t>
-            </a:r>
+              <a:t> simple interface (choose one from the previous exercise)</a:t>
+            </a:r>
+          </a:p>
+          <a:p>
+            <a:endParaRPr lang="en-GB" baseline="0" dirty="0"/>
           </a:p>
           <a:p>
             <a:r>
               <a:rPr lang="en-GB" baseline="0" dirty="0"/>
-              <a:t>Ask what happens with the throw in the example, and why would we re-throw an exception we have caught?</a:t>
-            </a:r>
-            <a:endParaRPr lang="en-GB" dirty="0"/>
-          </a:p>
-          <a:p>
-            <a:r>
-              <a:rPr lang="en-GB" dirty="0"/>
-              <a:t>Show </a:t>
-            </a:r>
-            <a:r>
-              <a:rPr lang="en-GB" dirty="0" err="1"/>
-              <a:t>innerException</a:t>
-            </a:r>
-            <a:r>
-              <a:rPr lang="en-GB" dirty="0"/>
-              <a:t> property</a:t>
-            </a:r>
-          </a:p>
-          <a:p>
+              <a:t>Create a class that implements it, and auto generate methods</a:t>
+            </a:r>
+          </a:p>
+          <a:p>
+            <a:endParaRPr lang="en-GB" baseline="0" dirty="0"/>
+          </a:p>
+          <a:p>
+            <a:r>
+              <a:rPr lang="en-GB" baseline="0" dirty="0"/>
+              <a:t>Create something that expects that interface </a:t>
+            </a:r>
             <a:endParaRPr lang="en-GB" dirty="0"/>
           </a:p>
         </p:txBody>
@@ -2731,7 +2713,7 @@
           <a:p>
             <a:fld id="{79489300-499A-49F6-966F-835A77FC147A}" type="slidenum">
               <a:rPr lang="en-GB" smtClean="0"/>
-              <a:t>39</a:t>
+              <a:t>37</a:t>
             </a:fld>
             <a:endParaRPr lang="en-GB"/>
           </a:p>
@@ -2740,7 +2722,7 @@
     </p:spTree>
     <p:extLst>
       <p:ext uri="{BB962C8B-B14F-4D97-AF65-F5344CB8AC3E}">
-        <p14:creationId xmlns:p14="http://schemas.microsoft.com/office/powerpoint/2010/main" val="2456305787"/>
+        <p14:creationId xmlns:p14="http://schemas.microsoft.com/office/powerpoint/2010/main" val="3969000384"/>
       </p:ext>
     </p:extLst>
   </p:cSld>
@@ -2794,6 +2776,43 @@
           <a:bodyPr/>
           <a:lstStyle/>
           <a:p>
+            <a:r>
+              <a:rPr lang="en-GB" dirty="0"/>
+              <a:t>Talk about catching different types of exceptions</a:t>
+            </a:r>
+          </a:p>
+          <a:p>
+            <a:r>
+              <a:rPr lang="en-GB" dirty="0"/>
+              <a:t>Talk about the call</a:t>
+            </a:r>
+            <a:r>
+              <a:rPr lang="en-GB" baseline="0" dirty="0"/>
+              <a:t> stack</a:t>
+            </a:r>
+          </a:p>
+          <a:p>
+            <a:r>
+              <a:rPr lang="en-GB" baseline="0" dirty="0"/>
+              <a:t>Ask what happens with the throw in the example, and why would we re-throw an exception we have caught?</a:t>
+            </a:r>
+            <a:endParaRPr lang="en-GB" dirty="0"/>
+          </a:p>
+          <a:p>
+            <a:r>
+              <a:rPr lang="en-GB" dirty="0"/>
+              <a:t>Show </a:t>
+            </a:r>
+            <a:r>
+              <a:rPr lang="en-GB" dirty="0" err="1"/>
+              <a:t>innerException</a:t>
+            </a:r>
+            <a:r>
+              <a:rPr lang="en-GB" dirty="0"/>
+              <a:t> property</a:t>
+            </a:r>
+          </a:p>
+          <a:p>
             <a:endParaRPr lang="en-GB" dirty="0"/>
           </a:p>
         </p:txBody>
@@ -2815,7 +2834,7 @@
           <a:p>
             <a:fld id="{79489300-499A-49F6-966F-835A77FC147A}" type="slidenum">
               <a:rPr lang="en-GB" smtClean="0"/>
-              <a:t>40</a:t>
+              <a:t>39</a:t>
             </a:fld>
             <a:endParaRPr lang="en-GB"/>
           </a:p>
@@ -2824,7 +2843,7 @@
     </p:spTree>
     <p:extLst>
       <p:ext uri="{BB962C8B-B14F-4D97-AF65-F5344CB8AC3E}">
-        <p14:creationId xmlns:p14="http://schemas.microsoft.com/office/powerpoint/2010/main" val="4191440112"/>
+        <p14:creationId xmlns:p14="http://schemas.microsoft.com/office/powerpoint/2010/main" val="2456305787"/>
       </p:ext>
     </p:extLst>
   </p:cSld>
@@ -2878,1564 +2897,7 @@
           <a:bodyPr/>
           <a:lstStyle/>
           <a:p>
-            <a:r>
-              <a:rPr lang="en-GB" dirty="0"/>
-              <a:t>VHS Controller</a:t>
-            </a:r>
-          </a:p>
-          <a:p>
             <a:endParaRPr lang="en-GB" dirty="0"/>
-          </a:p>
-          <a:p>
-            <a:r>
-              <a:rPr lang="en-GB" dirty="0"/>
-              <a:t>Employee</a:t>
-            </a:r>
-            <a:r>
-              <a:rPr lang="en-GB" baseline="0" dirty="0"/>
-              <a:t> at Blockbuster </a:t>
-            </a:r>
-          </a:p>
-          <a:p>
-            <a:pPr marL="171450" indent="-171450">
-              <a:buFont typeface="Arial" panose="020B0604020202020204" pitchFamily="34" charset="0"/>
-              <a:buChar char="•"/>
-            </a:pPr>
-            <a:r>
-              <a:rPr lang="en-GB" baseline="0" dirty="0"/>
-              <a:t>didn’t like rewinding the taps, then fast forwarding them to find a good spot to have them ready for the next customer (after the warnings and other logos </a:t>
-            </a:r>
-            <a:r>
-              <a:rPr lang="en-GB" baseline="0" dirty="0" err="1"/>
-              <a:t>etc</a:t>
-            </a:r>
-            <a:r>
-              <a:rPr lang="en-GB" baseline="0" dirty="0"/>
-              <a:t>), but on the </a:t>
-            </a:r>
-            <a:r>
-              <a:rPr lang="en-GB" baseline="0" dirty="0" err="1"/>
-              <a:t>BlockBuster</a:t>
-            </a:r>
-            <a:r>
-              <a:rPr lang="en-GB" baseline="0" dirty="0"/>
-              <a:t> logo </a:t>
-            </a:r>
-            <a:endParaRPr lang="en-GB" baseline="0" dirty="0">
-              <a:sym typeface="Wingdings" panose="05000000000000000000" pitchFamily="2" charset="2"/>
-            </a:endParaRPr>
-          </a:p>
-          <a:p>
-            <a:pPr marL="171450" indent="-171450">
-              <a:buFont typeface="Arial" panose="020B0604020202020204" pitchFamily="34" charset="0"/>
-              <a:buChar char="•"/>
-            </a:pPr>
-            <a:r>
-              <a:rPr lang="en-GB" baseline="0" dirty="0">
-                <a:sym typeface="Wingdings" panose="05000000000000000000" pitchFamily="2" charset="2"/>
-              </a:rPr>
-              <a:t>#</a:t>
-            </a:r>
-          </a:p>
-          <a:p>
-            <a:pPr marL="171450" indent="-171450">
-              <a:buFont typeface="Arial" panose="020B0604020202020204" pitchFamily="34" charset="0"/>
-              <a:buChar char="•"/>
-            </a:pPr>
-            <a:endParaRPr lang="en-GB" baseline="0" dirty="0">
-              <a:sym typeface="Wingdings" panose="05000000000000000000" pitchFamily="2" charset="2"/>
-            </a:endParaRPr>
-          </a:p>
-          <a:p>
-            <a:pPr marL="171450" indent="-171450">
-              <a:buFont typeface="Arial" panose="020B0604020202020204" pitchFamily="34" charset="0"/>
-              <a:buChar char="•"/>
-            </a:pPr>
-            <a:r>
-              <a:rPr lang="en-GB" baseline="0" dirty="0">
-                <a:sym typeface="Wingdings" panose="05000000000000000000" pitchFamily="2" charset="2"/>
-              </a:rPr>
-              <a:t>Show them the code, that handles VHS machines.</a:t>
-            </a:r>
-          </a:p>
-          <a:p>
-            <a:pPr marL="171450" indent="-171450">
-              <a:buFont typeface="Arial" panose="020B0604020202020204" pitchFamily="34" charset="0"/>
-              <a:buChar char="•"/>
-            </a:pPr>
-            <a:endParaRPr lang="en-GB" baseline="0" dirty="0">
-              <a:sym typeface="Wingdings" panose="05000000000000000000" pitchFamily="2" charset="2"/>
-            </a:endParaRPr>
-          </a:p>
-          <a:p>
-            <a:pPr marL="171450" indent="-171450">
-              <a:buFont typeface="Arial" panose="020B0604020202020204" pitchFamily="34" charset="0"/>
-              <a:buChar char="•"/>
-            </a:pPr>
-            <a:r>
-              <a:rPr lang="en-GB" baseline="0" dirty="0">
-                <a:sym typeface="Wingdings" panose="05000000000000000000" pitchFamily="2" charset="2"/>
-              </a:rPr>
-              <a:t>Tell them that the boss wants to expand, and also handle the beta market.</a:t>
-            </a:r>
-          </a:p>
-          <a:p>
-            <a:pPr marL="171450" indent="-171450">
-              <a:buFont typeface="Arial" panose="020B0604020202020204" pitchFamily="34" charset="0"/>
-              <a:buChar char="•"/>
-            </a:pPr>
-            <a:endParaRPr lang="en-GB" baseline="0" dirty="0">
-              <a:sym typeface="Wingdings" panose="05000000000000000000" pitchFamily="2" charset="2"/>
-            </a:endParaRPr>
-          </a:p>
-          <a:p>
-            <a:pPr marL="171450" indent="-171450">
-              <a:buFont typeface="Arial" panose="020B0604020202020204" pitchFamily="34" charset="0"/>
-              <a:buChar char="•"/>
-            </a:pPr>
-            <a:r>
-              <a:rPr lang="en-GB" baseline="0" dirty="0">
-                <a:sym typeface="Wingdings" panose="05000000000000000000" pitchFamily="2" charset="2"/>
-              </a:rPr>
-              <a:t>And unlike the real blockbuster, he had some vision and wanted this work to be able to handle more types of machines (like maybe streaming devices!)</a:t>
-            </a:r>
-          </a:p>
-          <a:p>
-            <a:pPr marL="0" indent="0">
-              <a:buFont typeface="Arial" panose="020B0604020202020204" pitchFamily="34" charset="0"/>
-              <a:buNone/>
-            </a:pPr>
-            <a:endParaRPr lang="en-GB" sz="1200" kern="1200" baseline="0" dirty="0">
-              <a:solidFill>
-                <a:schemeClr val="tx1"/>
-              </a:solidFill>
-              <a:effectLst/>
-              <a:latin typeface="+mn-lt"/>
-              <a:ea typeface="+mn-ea"/>
-              <a:cs typeface="+mn-cs"/>
-              <a:sym typeface="Wingdings" panose="05000000000000000000" pitchFamily="2" charset="2"/>
-            </a:endParaRPr>
-          </a:p>
-          <a:p>
-            <a:pPr marL="0" indent="0">
-              <a:buFont typeface="Arial" panose="020B0604020202020204" pitchFamily="34" charset="0"/>
-              <a:buNone/>
-            </a:pPr>
-            <a:r>
-              <a:rPr lang="en-GB" sz="1200" kern="1200" dirty="0">
-                <a:solidFill>
-                  <a:schemeClr val="tx1"/>
-                </a:solidFill>
-                <a:effectLst/>
-                <a:latin typeface="+mn-lt"/>
-                <a:ea typeface="+mn-ea"/>
-                <a:cs typeface="+mn-cs"/>
-              </a:rPr>
-              <a:t>using System</a:t>
-            </a:r>
-            <a:r>
-              <a:rPr lang="en-GB" dirty="0"/>
-              <a:t>;</a:t>
-            </a:r>
-            <a:br>
-              <a:rPr lang="en-GB" dirty="0"/>
-            </a:br>
-            <a:br>
-              <a:rPr lang="en-GB" dirty="0"/>
-            </a:br>
-            <a:r>
-              <a:rPr lang="en-GB" sz="1200" kern="1200" dirty="0">
-                <a:solidFill>
-                  <a:schemeClr val="tx1"/>
-                </a:solidFill>
-                <a:effectLst/>
-                <a:latin typeface="+mn-lt"/>
-                <a:ea typeface="+mn-ea"/>
-                <a:cs typeface="+mn-cs"/>
-              </a:rPr>
-              <a:t>namespace Bootcamp2017Demos</a:t>
-            </a:r>
-            <a:r>
-              <a:rPr lang="en-GB" dirty="0"/>
-              <a:t>.</a:t>
-            </a:r>
-            <a:r>
-              <a:rPr lang="en-GB" sz="1200" kern="1200" dirty="0">
-                <a:solidFill>
-                  <a:schemeClr val="tx1"/>
-                </a:solidFill>
-                <a:effectLst/>
-                <a:latin typeface="+mn-lt"/>
-                <a:ea typeface="+mn-ea"/>
-                <a:cs typeface="+mn-cs"/>
-              </a:rPr>
-              <a:t>GenericsDemo</a:t>
-            </a:r>
-            <a:br>
-              <a:rPr lang="en-GB" dirty="0"/>
-            </a:br>
-            <a:r>
-              <a:rPr lang="en-GB" dirty="0">
-                <a:effectLst/>
-              </a:rPr>
-              <a:t>{</a:t>
-            </a:r>
-            <a:br>
-              <a:rPr lang="en-GB" dirty="0"/>
-            </a:br>
-            <a:r>
-              <a:rPr lang="en-GB" dirty="0"/>
-              <a:t>    </a:t>
-            </a:r>
-            <a:r>
-              <a:rPr lang="en-GB" sz="1200" kern="1200" dirty="0">
-                <a:solidFill>
-                  <a:schemeClr val="tx1"/>
-                </a:solidFill>
-                <a:effectLst/>
-                <a:latin typeface="+mn-lt"/>
-                <a:ea typeface="+mn-ea"/>
-                <a:cs typeface="+mn-cs"/>
-              </a:rPr>
-              <a:t>public class </a:t>
-            </a:r>
-            <a:r>
-              <a:rPr lang="en-GB" sz="1200" kern="1200" dirty="0" err="1">
-                <a:solidFill>
-                  <a:schemeClr val="tx1"/>
-                </a:solidFill>
-                <a:effectLst/>
-                <a:latin typeface="+mn-lt"/>
-                <a:ea typeface="+mn-ea"/>
-                <a:cs typeface="+mn-cs"/>
-              </a:rPr>
-              <a:t>PrepareVideo</a:t>
-            </a:r>
-            <a:r>
-              <a:rPr lang="en-GB" sz="1200" kern="1200" dirty="0">
-                <a:solidFill>
-                  <a:schemeClr val="tx1"/>
-                </a:solidFill>
-                <a:effectLst/>
-                <a:latin typeface="+mn-lt"/>
-                <a:ea typeface="+mn-ea"/>
-                <a:cs typeface="+mn-cs"/>
-              </a:rPr>
-              <a:t> </a:t>
-            </a:r>
-            <a:r>
-              <a:rPr lang="en-GB" dirty="0"/>
-              <a:t>{</a:t>
-            </a:r>
-            <a:br>
-              <a:rPr lang="en-GB" dirty="0"/>
-            </a:br>
-            <a:br>
-              <a:rPr lang="en-GB" dirty="0"/>
-            </a:br>
-            <a:r>
-              <a:rPr lang="en-GB" dirty="0"/>
-              <a:t>        </a:t>
-            </a:r>
-            <a:r>
-              <a:rPr lang="en-GB" sz="1200" kern="1200" dirty="0">
-                <a:solidFill>
-                  <a:schemeClr val="tx1"/>
-                </a:solidFill>
-                <a:effectLst/>
-                <a:latin typeface="+mn-lt"/>
-                <a:ea typeface="+mn-ea"/>
-                <a:cs typeface="+mn-cs"/>
-              </a:rPr>
-              <a:t>public void </a:t>
-            </a:r>
-            <a:r>
-              <a:rPr lang="en-GB" sz="1200" kern="1200" dirty="0" err="1">
-                <a:solidFill>
-                  <a:schemeClr val="tx1"/>
-                </a:solidFill>
-                <a:effectLst/>
-                <a:latin typeface="+mn-lt"/>
-                <a:ea typeface="+mn-ea"/>
-                <a:cs typeface="+mn-cs"/>
-              </a:rPr>
-              <a:t>SeekMovieStart</a:t>
-            </a:r>
-            <a:r>
-              <a:rPr lang="en-GB" dirty="0"/>
-              <a:t>(</a:t>
-            </a:r>
-            <a:r>
-              <a:rPr lang="en-GB" sz="1200" kern="1200" dirty="0" err="1">
-                <a:solidFill>
-                  <a:schemeClr val="tx1"/>
-                </a:solidFill>
-                <a:effectLst/>
-                <a:latin typeface="+mn-lt"/>
-                <a:ea typeface="+mn-ea"/>
-                <a:cs typeface="+mn-cs"/>
-              </a:rPr>
-              <a:t>VHSMachine</a:t>
-            </a:r>
-            <a:r>
-              <a:rPr lang="en-GB" sz="1200" kern="1200" dirty="0">
-                <a:solidFill>
-                  <a:schemeClr val="tx1"/>
-                </a:solidFill>
-                <a:effectLst/>
-                <a:latin typeface="+mn-lt"/>
-                <a:ea typeface="+mn-ea"/>
-                <a:cs typeface="+mn-cs"/>
-              </a:rPr>
-              <a:t> </a:t>
-            </a:r>
-            <a:r>
-              <a:rPr lang="en-GB" dirty="0" err="1"/>
-              <a:t>vhsMachine</a:t>
-            </a:r>
-            <a:r>
-              <a:rPr lang="en-GB" dirty="0"/>
-              <a:t>)</a:t>
-            </a:r>
-            <a:br>
-              <a:rPr lang="en-GB" dirty="0"/>
-            </a:br>
-            <a:r>
-              <a:rPr lang="en-GB" dirty="0"/>
-              <a:t>        {</a:t>
-            </a:r>
-            <a:br>
-              <a:rPr lang="en-GB" dirty="0"/>
-            </a:br>
-            <a:r>
-              <a:rPr lang="en-GB" dirty="0"/>
-              <a:t>            </a:t>
-            </a:r>
-            <a:r>
-              <a:rPr lang="en-GB" sz="1200" kern="1200" dirty="0">
-                <a:solidFill>
-                  <a:schemeClr val="tx1"/>
-                </a:solidFill>
-                <a:effectLst/>
-                <a:latin typeface="+mn-lt"/>
-                <a:ea typeface="+mn-ea"/>
-                <a:cs typeface="+mn-cs"/>
-              </a:rPr>
-              <a:t>// rewind to the beginning</a:t>
-            </a:r>
-            <a:br>
-              <a:rPr lang="en-GB" dirty="0"/>
-            </a:br>
-            <a:r>
-              <a:rPr lang="en-GB" dirty="0"/>
-              <a:t>            </a:t>
-            </a:r>
-            <a:r>
-              <a:rPr lang="en-GB" sz="1200" kern="1200" dirty="0" err="1">
-                <a:solidFill>
-                  <a:schemeClr val="tx1"/>
-                </a:solidFill>
-                <a:effectLst/>
-                <a:latin typeface="+mn-lt"/>
-                <a:ea typeface="+mn-ea"/>
-                <a:cs typeface="+mn-cs"/>
-              </a:rPr>
-              <a:t>var</a:t>
-            </a:r>
-            <a:r>
-              <a:rPr lang="en-GB" sz="1200" kern="1200" dirty="0">
-                <a:solidFill>
-                  <a:schemeClr val="tx1"/>
-                </a:solidFill>
-                <a:effectLst/>
-                <a:latin typeface="+mn-lt"/>
-                <a:ea typeface="+mn-ea"/>
-                <a:cs typeface="+mn-cs"/>
-              </a:rPr>
-              <a:t> </a:t>
-            </a:r>
-            <a:r>
-              <a:rPr lang="en-GB" b="1" dirty="0" err="1">
-                <a:effectLst/>
-              </a:rPr>
-              <a:t>hasRewoundToBeginning</a:t>
-            </a:r>
-            <a:r>
-              <a:rPr lang="en-GB" b="1" dirty="0">
-                <a:effectLst/>
-              </a:rPr>
-              <a:t> </a:t>
-            </a:r>
-            <a:r>
-              <a:rPr lang="en-GB" dirty="0"/>
-              <a:t>= </a:t>
-            </a:r>
-            <a:r>
-              <a:rPr lang="en-GB" sz="1200" kern="1200" dirty="0">
-                <a:solidFill>
-                  <a:schemeClr val="tx1"/>
-                </a:solidFill>
-                <a:effectLst/>
-                <a:latin typeface="+mn-lt"/>
-                <a:ea typeface="+mn-ea"/>
-                <a:cs typeface="+mn-cs"/>
-              </a:rPr>
-              <a:t>false</a:t>
-            </a:r>
-            <a:r>
-              <a:rPr lang="en-GB" dirty="0"/>
-              <a:t>;</a:t>
-            </a:r>
-            <a:br>
-              <a:rPr lang="en-GB" dirty="0"/>
-            </a:br>
-            <a:r>
-              <a:rPr lang="en-GB" dirty="0"/>
-              <a:t>            </a:t>
-            </a:r>
-            <a:r>
-              <a:rPr lang="en-GB" sz="1200" kern="1200" dirty="0">
-                <a:solidFill>
-                  <a:schemeClr val="tx1"/>
-                </a:solidFill>
-                <a:effectLst/>
-                <a:latin typeface="+mn-lt"/>
-                <a:ea typeface="+mn-ea"/>
-                <a:cs typeface="+mn-cs"/>
-              </a:rPr>
-              <a:t>do</a:t>
-            </a:r>
-            <a:br>
-              <a:rPr lang="en-GB" dirty="0"/>
-            </a:br>
-            <a:r>
-              <a:rPr lang="en-GB" dirty="0"/>
-              <a:t>            {</a:t>
-            </a:r>
-            <a:br>
-              <a:rPr lang="en-GB" dirty="0"/>
-            </a:br>
-            <a:r>
-              <a:rPr lang="en-GB" dirty="0"/>
-              <a:t>                </a:t>
-            </a:r>
-            <a:r>
-              <a:rPr lang="en-GB" b="1" dirty="0" err="1">
-                <a:effectLst/>
-              </a:rPr>
-              <a:t>hasRewoundToBeginning</a:t>
-            </a:r>
-            <a:r>
-              <a:rPr lang="en-GB" b="1" dirty="0">
-                <a:effectLst/>
-              </a:rPr>
-              <a:t> </a:t>
-            </a:r>
-            <a:r>
-              <a:rPr lang="en-GB" dirty="0"/>
-              <a:t>= </a:t>
-            </a:r>
-            <a:r>
-              <a:rPr lang="en-GB" dirty="0" err="1"/>
-              <a:t>vhsMachine.</a:t>
-            </a:r>
-            <a:r>
-              <a:rPr lang="en-GB" sz="1200" kern="1200" dirty="0" err="1">
-                <a:solidFill>
-                  <a:schemeClr val="tx1"/>
-                </a:solidFill>
-                <a:effectLst/>
-                <a:latin typeface="+mn-lt"/>
-                <a:ea typeface="+mn-ea"/>
-                <a:cs typeface="+mn-cs"/>
-              </a:rPr>
-              <a:t>Rewind</a:t>
-            </a:r>
-            <a:r>
-              <a:rPr lang="en-GB" dirty="0"/>
-              <a:t>(</a:t>
-            </a:r>
-            <a:r>
-              <a:rPr lang="en-GB" sz="1200" kern="1200" dirty="0" err="1">
-                <a:solidFill>
-                  <a:schemeClr val="tx1"/>
-                </a:solidFill>
-                <a:effectLst/>
-                <a:latin typeface="+mn-lt"/>
-                <a:ea typeface="+mn-ea"/>
-                <a:cs typeface="+mn-cs"/>
-              </a:rPr>
-              <a:t>TimeSpan</a:t>
-            </a:r>
-            <a:r>
-              <a:rPr lang="en-GB" dirty="0" err="1"/>
-              <a:t>.</a:t>
-            </a:r>
-            <a:r>
-              <a:rPr lang="en-GB" sz="1200" kern="1200" dirty="0" err="1">
-                <a:solidFill>
-                  <a:schemeClr val="tx1"/>
-                </a:solidFill>
-                <a:effectLst/>
-                <a:latin typeface="+mn-lt"/>
-                <a:ea typeface="+mn-ea"/>
-                <a:cs typeface="+mn-cs"/>
-              </a:rPr>
-              <a:t>FromMinutes</a:t>
-            </a:r>
-            <a:r>
-              <a:rPr lang="en-GB" dirty="0"/>
-              <a:t>(1));</a:t>
-            </a:r>
-            <a:br>
-              <a:rPr lang="en-GB" dirty="0"/>
-            </a:br>
-            <a:r>
-              <a:rPr lang="en-GB" dirty="0"/>
-              <a:t>            } </a:t>
-            </a:r>
-            <a:r>
-              <a:rPr lang="en-GB" sz="1200" kern="1200" dirty="0">
-                <a:solidFill>
-                  <a:schemeClr val="tx1"/>
-                </a:solidFill>
-                <a:effectLst/>
-                <a:latin typeface="+mn-lt"/>
-                <a:ea typeface="+mn-ea"/>
-                <a:cs typeface="+mn-cs"/>
-              </a:rPr>
-              <a:t>while </a:t>
-            </a:r>
-            <a:r>
-              <a:rPr lang="en-GB" dirty="0"/>
-              <a:t>(!</a:t>
-            </a:r>
-            <a:r>
-              <a:rPr lang="en-GB" b="1" dirty="0" err="1">
-                <a:effectLst/>
-              </a:rPr>
-              <a:t>hasRewoundToBeginning</a:t>
-            </a:r>
-            <a:r>
-              <a:rPr lang="en-GB" dirty="0"/>
-              <a:t>);</a:t>
-            </a:r>
-            <a:br>
-              <a:rPr lang="en-GB" dirty="0"/>
-            </a:br>
-            <a:br>
-              <a:rPr lang="en-GB" dirty="0"/>
-            </a:br>
-            <a:r>
-              <a:rPr lang="en-GB" dirty="0"/>
-              <a:t>            </a:t>
-            </a:r>
-            <a:r>
-              <a:rPr lang="en-GB" sz="1200" kern="1200" dirty="0">
-                <a:solidFill>
-                  <a:schemeClr val="tx1"/>
-                </a:solidFill>
-                <a:effectLst/>
-                <a:latin typeface="+mn-lt"/>
-                <a:ea typeface="+mn-ea"/>
-                <a:cs typeface="+mn-cs"/>
-              </a:rPr>
-              <a:t>// start playing the video</a:t>
-            </a:r>
-            <a:br>
-              <a:rPr lang="en-GB" dirty="0"/>
-            </a:br>
-            <a:r>
-              <a:rPr lang="en-GB" dirty="0"/>
-              <a:t>            </a:t>
-            </a:r>
-            <a:r>
-              <a:rPr lang="en-GB" dirty="0" err="1"/>
-              <a:t>vhsMachine.</a:t>
-            </a:r>
-            <a:r>
-              <a:rPr lang="en-GB" sz="1200" kern="1200" dirty="0" err="1">
-                <a:solidFill>
-                  <a:schemeClr val="tx1"/>
-                </a:solidFill>
-                <a:effectLst/>
-                <a:latin typeface="+mn-lt"/>
-                <a:ea typeface="+mn-ea"/>
-                <a:cs typeface="+mn-cs"/>
-              </a:rPr>
-              <a:t>Play</a:t>
-            </a:r>
-            <a:r>
-              <a:rPr lang="en-GB" dirty="0"/>
-              <a:t>();</a:t>
-            </a:r>
-            <a:br>
-              <a:rPr lang="en-GB" dirty="0"/>
-            </a:br>
-            <a:r>
-              <a:rPr lang="en-GB" dirty="0"/>
-              <a:t>            </a:t>
-            </a:r>
-            <a:br>
-              <a:rPr lang="en-GB" dirty="0"/>
-            </a:br>
-            <a:r>
-              <a:rPr lang="en-GB" dirty="0"/>
-              <a:t>            </a:t>
-            </a:r>
-            <a:r>
-              <a:rPr lang="en-GB" sz="1200" kern="1200" dirty="0">
-                <a:solidFill>
-                  <a:schemeClr val="tx1"/>
-                </a:solidFill>
-                <a:effectLst/>
-                <a:latin typeface="+mn-lt"/>
-                <a:ea typeface="+mn-ea"/>
-                <a:cs typeface="+mn-cs"/>
-              </a:rPr>
-              <a:t>// </a:t>
-            </a:r>
-            <a:r>
-              <a:rPr lang="en-GB" sz="1200" kern="1200" dirty="0" err="1">
-                <a:solidFill>
-                  <a:schemeClr val="tx1"/>
-                </a:solidFill>
-                <a:effectLst/>
-                <a:latin typeface="+mn-lt"/>
-                <a:ea typeface="+mn-ea"/>
-                <a:cs typeface="+mn-cs"/>
-              </a:rPr>
-              <a:t>fastforward</a:t>
-            </a:r>
-            <a:r>
-              <a:rPr lang="en-GB" sz="1200" kern="1200" dirty="0">
-                <a:solidFill>
-                  <a:schemeClr val="tx1"/>
-                </a:solidFill>
-                <a:effectLst/>
-                <a:latin typeface="+mn-lt"/>
-                <a:ea typeface="+mn-ea"/>
-                <a:cs typeface="+mn-cs"/>
-              </a:rPr>
-              <a:t> bit by bit to find blockbusters logo</a:t>
-            </a:r>
-            <a:br>
-              <a:rPr lang="en-GB" dirty="0"/>
-            </a:br>
-            <a:r>
-              <a:rPr lang="en-GB" dirty="0"/>
-              <a:t>            </a:t>
-            </a:r>
-            <a:r>
-              <a:rPr lang="en-GB" sz="1200" kern="1200" dirty="0">
-                <a:solidFill>
-                  <a:schemeClr val="tx1"/>
-                </a:solidFill>
-                <a:effectLst/>
-                <a:latin typeface="+mn-lt"/>
-                <a:ea typeface="+mn-ea"/>
-                <a:cs typeface="+mn-cs"/>
-              </a:rPr>
-              <a:t>while </a:t>
-            </a:r>
-            <a:r>
-              <a:rPr lang="en-GB" dirty="0"/>
-              <a:t>(!</a:t>
-            </a:r>
-            <a:r>
-              <a:rPr lang="en-GB" sz="1200" kern="1200" dirty="0" err="1">
-                <a:solidFill>
-                  <a:schemeClr val="tx1"/>
-                </a:solidFill>
-                <a:effectLst/>
-                <a:latin typeface="+mn-lt"/>
-                <a:ea typeface="+mn-ea"/>
-                <a:cs typeface="+mn-cs"/>
-              </a:rPr>
-              <a:t>NotAtBlockbusterLogo</a:t>
-            </a:r>
-            <a:r>
-              <a:rPr lang="en-GB" dirty="0"/>
-              <a:t>(</a:t>
-            </a:r>
-            <a:r>
-              <a:rPr lang="en-GB" dirty="0" err="1"/>
-              <a:t>vhsMachine</a:t>
-            </a:r>
-            <a:r>
-              <a:rPr lang="en-GB" dirty="0"/>
-              <a:t>))</a:t>
-            </a:r>
-            <a:br>
-              <a:rPr lang="en-GB" dirty="0"/>
-            </a:br>
-            <a:r>
-              <a:rPr lang="en-GB" dirty="0"/>
-              <a:t>            {</a:t>
-            </a:r>
-            <a:br>
-              <a:rPr lang="en-GB" dirty="0"/>
-            </a:br>
-            <a:r>
-              <a:rPr lang="en-GB" dirty="0"/>
-              <a:t>                </a:t>
-            </a:r>
-            <a:r>
-              <a:rPr lang="en-GB" dirty="0" err="1"/>
-              <a:t>vhsMachine.</a:t>
-            </a:r>
-            <a:r>
-              <a:rPr lang="en-GB" sz="1200" kern="1200" dirty="0" err="1">
-                <a:solidFill>
-                  <a:schemeClr val="tx1"/>
-                </a:solidFill>
-                <a:effectLst/>
-                <a:latin typeface="+mn-lt"/>
-                <a:ea typeface="+mn-ea"/>
-                <a:cs typeface="+mn-cs"/>
-              </a:rPr>
-              <a:t>FastForward</a:t>
-            </a:r>
-            <a:r>
-              <a:rPr lang="en-GB" dirty="0"/>
-              <a:t>(</a:t>
-            </a:r>
-            <a:r>
-              <a:rPr lang="en-GB" sz="1200" kern="1200" dirty="0" err="1">
-                <a:solidFill>
-                  <a:schemeClr val="tx1"/>
-                </a:solidFill>
-                <a:effectLst/>
-                <a:latin typeface="+mn-lt"/>
-                <a:ea typeface="+mn-ea"/>
-                <a:cs typeface="+mn-cs"/>
-              </a:rPr>
-              <a:t>TimeSpan</a:t>
-            </a:r>
-            <a:r>
-              <a:rPr lang="en-GB" dirty="0" err="1"/>
-              <a:t>.</a:t>
-            </a:r>
-            <a:r>
-              <a:rPr lang="en-GB" sz="1200" kern="1200" dirty="0" err="1">
-                <a:solidFill>
-                  <a:schemeClr val="tx1"/>
-                </a:solidFill>
-                <a:effectLst/>
-                <a:latin typeface="+mn-lt"/>
-                <a:ea typeface="+mn-ea"/>
-                <a:cs typeface="+mn-cs"/>
-              </a:rPr>
-              <a:t>FromSeconds</a:t>
-            </a:r>
-            <a:r>
-              <a:rPr lang="en-GB" dirty="0"/>
-              <a:t>(5));</a:t>
-            </a:r>
-            <a:br>
-              <a:rPr lang="en-GB" dirty="0"/>
-            </a:br>
-            <a:r>
-              <a:rPr lang="en-GB" dirty="0"/>
-              <a:t>            }</a:t>
-            </a:r>
-            <a:br>
-              <a:rPr lang="en-GB" dirty="0"/>
-            </a:br>
-            <a:r>
-              <a:rPr lang="en-GB" dirty="0"/>
-              <a:t>            </a:t>
-            </a:r>
-            <a:br>
-              <a:rPr lang="en-GB" dirty="0"/>
-            </a:br>
-            <a:r>
-              <a:rPr lang="en-GB" dirty="0"/>
-              <a:t>            </a:t>
-            </a:r>
-            <a:r>
-              <a:rPr lang="en-GB" sz="1200" kern="1200" dirty="0">
-                <a:solidFill>
-                  <a:schemeClr val="tx1"/>
-                </a:solidFill>
-                <a:effectLst/>
-                <a:latin typeface="+mn-lt"/>
-                <a:ea typeface="+mn-ea"/>
-                <a:cs typeface="+mn-cs"/>
-              </a:rPr>
-              <a:t>// Stop the machine!</a:t>
-            </a:r>
-            <a:br>
-              <a:rPr lang="en-GB" dirty="0"/>
-            </a:br>
-            <a:r>
-              <a:rPr lang="en-GB" dirty="0"/>
-              <a:t>            </a:t>
-            </a:r>
-            <a:r>
-              <a:rPr lang="en-GB" dirty="0" err="1"/>
-              <a:t>vhsMachine.</a:t>
-            </a:r>
-            <a:r>
-              <a:rPr lang="en-GB" sz="1200" kern="1200" dirty="0" err="1">
-                <a:solidFill>
-                  <a:schemeClr val="tx1"/>
-                </a:solidFill>
-                <a:effectLst/>
-                <a:latin typeface="+mn-lt"/>
-                <a:ea typeface="+mn-ea"/>
-                <a:cs typeface="+mn-cs"/>
-              </a:rPr>
-              <a:t>Stop</a:t>
-            </a:r>
-            <a:r>
-              <a:rPr lang="en-GB" dirty="0"/>
-              <a:t>();</a:t>
-            </a:r>
-            <a:br>
-              <a:rPr lang="en-GB" dirty="0"/>
-            </a:br>
-            <a:r>
-              <a:rPr lang="en-GB" dirty="0"/>
-              <a:t>        }</a:t>
-            </a:r>
-            <a:br>
-              <a:rPr lang="en-GB" dirty="0"/>
-            </a:br>
-            <a:br>
-              <a:rPr lang="en-GB" dirty="0"/>
-            </a:br>
-            <a:r>
-              <a:rPr lang="en-GB" dirty="0"/>
-              <a:t>        </a:t>
-            </a:r>
-            <a:r>
-              <a:rPr lang="en-GB" sz="1200" kern="1200" dirty="0">
-                <a:solidFill>
-                  <a:schemeClr val="tx1"/>
-                </a:solidFill>
-                <a:effectLst/>
-                <a:latin typeface="+mn-lt"/>
-                <a:ea typeface="+mn-ea"/>
-                <a:cs typeface="+mn-cs"/>
-              </a:rPr>
-              <a:t>private bool </a:t>
-            </a:r>
-            <a:r>
-              <a:rPr lang="en-GB" sz="1200" kern="1200" dirty="0" err="1">
-                <a:solidFill>
-                  <a:schemeClr val="tx1"/>
-                </a:solidFill>
-                <a:effectLst/>
-                <a:latin typeface="+mn-lt"/>
-                <a:ea typeface="+mn-ea"/>
-                <a:cs typeface="+mn-cs"/>
-              </a:rPr>
-              <a:t>NotAtBlockbusterLogo</a:t>
-            </a:r>
-            <a:r>
-              <a:rPr lang="en-GB" dirty="0"/>
-              <a:t>(</a:t>
-            </a:r>
-            <a:r>
-              <a:rPr lang="en-GB" sz="1200" kern="1200" dirty="0" err="1">
-                <a:solidFill>
-                  <a:schemeClr val="tx1"/>
-                </a:solidFill>
-                <a:effectLst/>
-                <a:latin typeface="+mn-lt"/>
-                <a:ea typeface="+mn-ea"/>
-                <a:cs typeface="+mn-cs"/>
-              </a:rPr>
-              <a:t>VHSMachine</a:t>
-            </a:r>
-            <a:r>
-              <a:rPr lang="en-GB" sz="1200" kern="1200" dirty="0">
-                <a:solidFill>
-                  <a:schemeClr val="tx1"/>
-                </a:solidFill>
-                <a:effectLst/>
-                <a:latin typeface="+mn-lt"/>
-                <a:ea typeface="+mn-ea"/>
-                <a:cs typeface="+mn-cs"/>
-              </a:rPr>
-              <a:t> </a:t>
-            </a:r>
-            <a:r>
-              <a:rPr lang="en-GB" dirty="0" err="1"/>
-              <a:t>vhsMachine</a:t>
-            </a:r>
-            <a:r>
-              <a:rPr lang="en-GB" dirty="0"/>
-              <a:t>)</a:t>
-            </a:r>
-            <a:br>
-              <a:rPr lang="en-GB" dirty="0"/>
-            </a:br>
-            <a:r>
-              <a:rPr lang="en-GB" dirty="0"/>
-              <a:t>        {</a:t>
-            </a:r>
-            <a:br>
-              <a:rPr lang="en-GB" dirty="0"/>
-            </a:br>
-            <a:r>
-              <a:rPr lang="en-GB" dirty="0"/>
-              <a:t>            </a:t>
-            </a:r>
-            <a:r>
-              <a:rPr lang="en-GB" sz="1200" kern="1200" dirty="0" err="1">
-                <a:solidFill>
-                  <a:schemeClr val="tx1"/>
-                </a:solidFill>
-                <a:effectLst/>
-                <a:latin typeface="+mn-lt"/>
-                <a:ea typeface="+mn-ea"/>
-                <a:cs typeface="+mn-cs"/>
-              </a:rPr>
-              <a:t>var</a:t>
-            </a:r>
-            <a:r>
-              <a:rPr lang="en-GB" sz="1200" kern="1200" dirty="0">
-                <a:solidFill>
-                  <a:schemeClr val="tx1"/>
-                </a:solidFill>
-                <a:effectLst/>
-                <a:latin typeface="+mn-lt"/>
-                <a:ea typeface="+mn-ea"/>
-                <a:cs typeface="+mn-cs"/>
-              </a:rPr>
-              <a:t> </a:t>
-            </a:r>
-            <a:r>
-              <a:rPr lang="en-GB" dirty="0" err="1"/>
-              <a:t>currentPic</a:t>
-            </a:r>
-            <a:r>
-              <a:rPr lang="en-GB" dirty="0"/>
-              <a:t> = </a:t>
-            </a:r>
-            <a:r>
-              <a:rPr lang="en-GB" dirty="0" err="1"/>
-              <a:t>vhsMachine.</a:t>
-            </a:r>
-            <a:r>
-              <a:rPr lang="en-GB" sz="1200" kern="1200" dirty="0" err="1">
-                <a:solidFill>
-                  <a:schemeClr val="tx1"/>
-                </a:solidFill>
-                <a:effectLst/>
-                <a:latin typeface="+mn-lt"/>
-                <a:ea typeface="+mn-ea"/>
-                <a:cs typeface="+mn-cs"/>
-              </a:rPr>
-              <a:t>CurrentImage</a:t>
-            </a:r>
-            <a:r>
-              <a:rPr lang="en-GB" dirty="0"/>
-              <a:t>;</a:t>
-            </a:r>
-            <a:br>
-              <a:rPr lang="en-GB" dirty="0"/>
-            </a:br>
-            <a:r>
-              <a:rPr lang="en-GB" dirty="0"/>
-              <a:t>            </a:t>
-            </a:r>
-            <a:br>
-              <a:rPr lang="en-GB" dirty="0"/>
-            </a:br>
-            <a:r>
-              <a:rPr lang="en-GB" dirty="0"/>
-              <a:t>            </a:t>
-            </a:r>
-            <a:r>
-              <a:rPr lang="en-GB" sz="1200" kern="1200" dirty="0">
-                <a:solidFill>
-                  <a:schemeClr val="tx1"/>
-                </a:solidFill>
-                <a:effectLst/>
-                <a:latin typeface="+mn-lt"/>
-                <a:ea typeface="+mn-ea"/>
-                <a:cs typeface="+mn-cs"/>
-              </a:rPr>
-              <a:t>// examine the current pic to see if it is the blockbuster logo</a:t>
-            </a:r>
-            <a:br>
-              <a:rPr lang="en-GB" dirty="0"/>
-            </a:br>
-            <a:br>
-              <a:rPr lang="en-GB" dirty="0"/>
-            </a:br>
-            <a:r>
-              <a:rPr lang="en-GB" dirty="0"/>
-              <a:t>            </a:t>
-            </a:r>
-            <a:r>
-              <a:rPr lang="en-GB" sz="1200" kern="1200" dirty="0">
-                <a:solidFill>
-                  <a:schemeClr val="tx1"/>
-                </a:solidFill>
-                <a:effectLst/>
-                <a:latin typeface="+mn-lt"/>
-                <a:ea typeface="+mn-ea"/>
-                <a:cs typeface="+mn-cs"/>
-              </a:rPr>
-              <a:t>return true</a:t>
-            </a:r>
-            <a:r>
-              <a:rPr lang="en-GB" dirty="0"/>
-              <a:t>;</a:t>
-            </a:r>
-            <a:br>
-              <a:rPr lang="en-GB" dirty="0"/>
-            </a:br>
-            <a:r>
-              <a:rPr lang="en-GB" dirty="0"/>
-              <a:t>        }</a:t>
-            </a:r>
-            <a:br>
-              <a:rPr lang="en-GB" dirty="0"/>
-            </a:br>
-            <a:r>
-              <a:rPr lang="en-GB" dirty="0"/>
-              <a:t>    }</a:t>
-            </a:r>
-            <a:br>
-              <a:rPr lang="en-GB" dirty="0"/>
-            </a:br>
-            <a:r>
-              <a:rPr lang="en-GB" dirty="0"/>
-              <a:t>    </a:t>
-            </a:r>
-            <a:br>
-              <a:rPr lang="en-GB" dirty="0"/>
-            </a:br>
-            <a:r>
-              <a:rPr lang="en-GB" dirty="0"/>
-              <a:t>    </a:t>
-            </a:r>
-            <a:r>
-              <a:rPr lang="en-GB" sz="1200" kern="1200" dirty="0">
-                <a:solidFill>
-                  <a:schemeClr val="tx1"/>
-                </a:solidFill>
-                <a:effectLst/>
-                <a:latin typeface="+mn-lt"/>
-                <a:ea typeface="+mn-ea"/>
-                <a:cs typeface="+mn-cs"/>
-              </a:rPr>
-              <a:t>public class </a:t>
-            </a:r>
-            <a:r>
-              <a:rPr lang="en-GB" sz="1200" kern="1200" dirty="0" err="1">
-                <a:solidFill>
-                  <a:schemeClr val="tx1"/>
-                </a:solidFill>
-                <a:effectLst/>
-                <a:latin typeface="+mn-lt"/>
-                <a:ea typeface="+mn-ea"/>
-                <a:cs typeface="+mn-cs"/>
-              </a:rPr>
-              <a:t>VHSMachine</a:t>
-            </a:r>
-            <a:br>
-              <a:rPr lang="en-GB" dirty="0"/>
-            </a:br>
-            <a:r>
-              <a:rPr lang="en-GB" dirty="0"/>
-              <a:t>    {</a:t>
-            </a:r>
-            <a:br>
-              <a:rPr lang="en-GB" dirty="0"/>
-            </a:br>
-            <a:r>
-              <a:rPr lang="en-GB" dirty="0"/>
-              <a:t>        </a:t>
-            </a:r>
-            <a:r>
-              <a:rPr lang="en-GB" sz="1200" kern="1200" dirty="0">
-                <a:solidFill>
-                  <a:schemeClr val="tx1"/>
-                </a:solidFill>
-                <a:effectLst/>
-                <a:latin typeface="+mn-lt"/>
-                <a:ea typeface="+mn-ea"/>
-                <a:cs typeface="+mn-cs"/>
-              </a:rPr>
-              <a:t>public </a:t>
-            </a:r>
-            <a:r>
-              <a:rPr lang="en-GB" sz="1200" kern="1200" dirty="0" err="1">
-                <a:solidFill>
-                  <a:schemeClr val="tx1"/>
-                </a:solidFill>
-                <a:effectLst/>
-                <a:latin typeface="+mn-lt"/>
-                <a:ea typeface="+mn-ea"/>
-                <a:cs typeface="+mn-cs"/>
-              </a:rPr>
-              <a:t>VHSTape</a:t>
-            </a:r>
-            <a:r>
-              <a:rPr lang="en-GB" sz="1200" kern="1200" dirty="0">
-                <a:solidFill>
-                  <a:schemeClr val="tx1"/>
-                </a:solidFill>
-                <a:effectLst/>
-                <a:latin typeface="+mn-lt"/>
-                <a:ea typeface="+mn-ea"/>
-                <a:cs typeface="+mn-cs"/>
-              </a:rPr>
-              <a:t> </a:t>
-            </a:r>
-            <a:r>
-              <a:rPr lang="en-GB" sz="1200" kern="1200" dirty="0" err="1">
-                <a:solidFill>
-                  <a:schemeClr val="tx1"/>
-                </a:solidFill>
-                <a:effectLst/>
-                <a:latin typeface="+mn-lt"/>
-                <a:ea typeface="+mn-ea"/>
-                <a:cs typeface="+mn-cs"/>
-              </a:rPr>
-              <a:t>CurrentVhsTape</a:t>
-            </a:r>
-            <a:r>
-              <a:rPr lang="en-GB" sz="1200" kern="1200" dirty="0">
-                <a:solidFill>
-                  <a:schemeClr val="tx1"/>
-                </a:solidFill>
-                <a:effectLst/>
-                <a:latin typeface="+mn-lt"/>
-                <a:ea typeface="+mn-ea"/>
-                <a:cs typeface="+mn-cs"/>
-              </a:rPr>
-              <a:t> </a:t>
-            </a:r>
-            <a:r>
-              <a:rPr lang="en-GB" dirty="0"/>
-              <a:t>{ </a:t>
-            </a:r>
-            <a:r>
-              <a:rPr lang="en-GB" sz="1200" kern="1200" dirty="0">
-                <a:solidFill>
-                  <a:schemeClr val="tx1"/>
-                </a:solidFill>
-                <a:effectLst/>
-                <a:latin typeface="+mn-lt"/>
-                <a:ea typeface="+mn-ea"/>
-                <a:cs typeface="+mn-cs"/>
-              </a:rPr>
-              <a:t>get</a:t>
-            </a:r>
-            <a:r>
-              <a:rPr lang="en-GB" dirty="0"/>
-              <a:t>; }</a:t>
-            </a:r>
-            <a:br>
-              <a:rPr lang="en-GB" dirty="0"/>
-            </a:br>
-            <a:r>
-              <a:rPr lang="en-GB" dirty="0"/>
-              <a:t>        </a:t>
-            </a:r>
-            <a:r>
-              <a:rPr lang="en-GB" sz="1200" kern="1200" dirty="0">
-                <a:solidFill>
-                  <a:schemeClr val="tx1"/>
-                </a:solidFill>
-                <a:effectLst/>
-                <a:latin typeface="+mn-lt"/>
-                <a:ea typeface="+mn-ea"/>
-                <a:cs typeface="+mn-cs"/>
-              </a:rPr>
-              <a:t>public Image </a:t>
-            </a:r>
-            <a:r>
-              <a:rPr lang="en-GB" sz="1200" kern="1200" dirty="0" err="1">
-                <a:solidFill>
-                  <a:schemeClr val="tx1"/>
-                </a:solidFill>
-                <a:effectLst/>
-                <a:latin typeface="+mn-lt"/>
-                <a:ea typeface="+mn-ea"/>
-                <a:cs typeface="+mn-cs"/>
-              </a:rPr>
-              <a:t>CurrentImage</a:t>
-            </a:r>
-            <a:r>
-              <a:rPr lang="en-GB" sz="1200" kern="1200" dirty="0">
-                <a:solidFill>
-                  <a:schemeClr val="tx1"/>
-                </a:solidFill>
-                <a:effectLst/>
-                <a:latin typeface="+mn-lt"/>
-                <a:ea typeface="+mn-ea"/>
-                <a:cs typeface="+mn-cs"/>
-              </a:rPr>
-              <a:t> </a:t>
-            </a:r>
-            <a:r>
-              <a:rPr lang="en-GB" dirty="0"/>
-              <a:t>{ </a:t>
-            </a:r>
-            <a:r>
-              <a:rPr lang="en-GB" sz="1200" kern="1200" dirty="0">
-                <a:solidFill>
-                  <a:schemeClr val="tx1"/>
-                </a:solidFill>
-                <a:effectLst/>
-                <a:latin typeface="+mn-lt"/>
-                <a:ea typeface="+mn-ea"/>
-                <a:cs typeface="+mn-cs"/>
-              </a:rPr>
-              <a:t>get</a:t>
-            </a:r>
-            <a:r>
-              <a:rPr lang="en-GB" dirty="0"/>
-              <a:t>; }  </a:t>
-            </a:r>
-            <a:br>
-              <a:rPr lang="en-GB" dirty="0"/>
-            </a:br>
-            <a:r>
-              <a:rPr lang="en-GB" dirty="0"/>
-              <a:t>            </a:t>
-            </a:r>
-            <a:br>
-              <a:rPr lang="en-GB" dirty="0"/>
-            </a:br>
-            <a:r>
-              <a:rPr lang="en-GB" dirty="0"/>
-              <a:t>        </a:t>
-            </a:r>
-            <a:r>
-              <a:rPr lang="en-GB" sz="1200" kern="1200" dirty="0">
-                <a:solidFill>
-                  <a:schemeClr val="tx1"/>
-                </a:solidFill>
-                <a:effectLst/>
-                <a:latin typeface="+mn-lt"/>
-                <a:ea typeface="+mn-ea"/>
-                <a:cs typeface="+mn-cs"/>
-              </a:rPr>
-              <a:t>public bool Rewind</a:t>
-            </a:r>
-            <a:r>
-              <a:rPr lang="en-GB" dirty="0"/>
-              <a:t>(</a:t>
-            </a:r>
-            <a:r>
-              <a:rPr lang="en-GB" sz="1200" kern="1200" dirty="0" err="1">
-                <a:solidFill>
-                  <a:schemeClr val="tx1"/>
-                </a:solidFill>
-                <a:effectLst/>
-                <a:latin typeface="+mn-lt"/>
-                <a:ea typeface="+mn-ea"/>
-                <a:cs typeface="+mn-cs"/>
-              </a:rPr>
-              <a:t>TimeSpan</a:t>
-            </a:r>
-            <a:r>
-              <a:rPr lang="en-GB" sz="1200" kern="1200" dirty="0">
-                <a:solidFill>
-                  <a:schemeClr val="tx1"/>
-                </a:solidFill>
-                <a:effectLst/>
-                <a:latin typeface="+mn-lt"/>
-                <a:ea typeface="+mn-ea"/>
-                <a:cs typeface="+mn-cs"/>
-              </a:rPr>
-              <a:t> </a:t>
-            </a:r>
-            <a:r>
-              <a:rPr lang="en-GB" dirty="0"/>
-              <a:t>distance) { </a:t>
-            </a:r>
-            <a:r>
-              <a:rPr lang="en-GB" sz="1200" kern="1200" dirty="0">
-                <a:solidFill>
-                  <a:schemeClr val="tx1"/>
-                </a:solidFill>
-                <a:effectLst/>
-                <a:latin typeface="+mn-lt"/>
-                <a:ea typeface="+mn-ea"/>
-                <a:cs typeface="+mn-cs"/>
-              </a:rPr>
-              <a:t>return true</a:t>
-            </a:r>
-            <a:r>
-              <a:rPr lang="en-GB" dirty="0"/>
-              <a:t>; }</a:t>
-            </a:r>
-            <a:br>
-              <a:rPr lang="en-GB" dirty="0"/>
-            </a:br>
-            <a:r>
-              <a:rPr lang="en-GB" dirty="0"/>
-              <a:t>        </a:t>
-            </a:r>
-            <a:r>
-              <a:rPr lang="en-GB" sz="1200" kern="1200" dirty="0">
-                <a:solidFill>
-                  <a:schemeClr val="tx1"/>
-                </a:solidFill>
-                <a:effectLst/>
-                <a:latin typeface="+mn-lt"/>
-                <a:ea typeface="+mn-ea"/>
-                <a:cs typeface="+mn-cs"/>
-              </a:rPr>
-              <a:t>public bool </a:t>
-            </a:r>
-            <a:r>
-              <a:rPr lang="en-GB" sz="1200" kern="1200" dirty="0" err="1">
-                <a:solidFill>
-                  <a:schemeClr val="tx1"/>
-                </a:solidFill>
-                <a:effectLst/>
-                <a:latin typeface="+mn-lt"/>
-                <a:ea typeface="+mn-ea"/>
-                <a:cs typeface="+mn-cs"/>
-              </a:rPr>
-              <a:t>FastForward</a:t>
-            </a:r>
-            <a:r>
-              <a:rPr lang="en-GB" dirty="0"/>
-              <a:t>(</a:t>
-            </a:r>
-            <a:r>
-              <a:rPr lang="en-GB" sz="1200" kern="1200" dirty="0" err="1">
-                <a:solidFill>
-                  <a:schemeClr val="tx1"/>
-                </a:solidFill>
-                <a:effectLst/>
-                <a:latin typeface="+mn-lt"/>
-                <a:ea typeface="+mn-ea"/>
-                <a:cs typeface="+mn-cs"/>
-              </a:rPr>
-              <a:t>TimeSpan</a:t>
-            </a:r>
-            <a:r>
-              <a:rPr lang="en-GB" sz="1200" kern="1200" dirty="0">
-                <a:solidFill>
-                  <a:schemeClr val="tx1"/>
-                </a:solidFill>
-                <a:effectLst/>
-                <a:latin typeface="+mn-lt"/>
-                <a:ea typeface="+mn-ea"/>
-                <a:cs typeface="+mn-cs"/>
-              </a:rPr>
-              <a:t> </a:t>
-            </a:r>
-            <a:r>
-              <a:rPr lang="en-GB" dirty="0" err="1"/>
-              <a:t>distacSpan</a:t>
-            </a:r>
-            <a:r>
-              <a:rPr lang="en-GB" dirty="0"/>
-              <a:t>) { </a:t>
-            </a:r>
-            <a:r>
-              <a:rPr lang="en-GB" sz="1200" kern="1200" dirty="0">
-                <a:solidFill>
-                  <a:schemeClr val="tx1"/>
-                </a:solidFill>
-                <a:effectLst/>
-                <a:latin typeface="+mn-lt"/>
-                <a:ea typeface="+mn-ea"/>
-                <a:cs typeface="+mn-cs"/>
-              </a:rPr>
-              <a:t>return true</a:t>
-            </a:r>
-            <a:r>
-              <a:rPr lang="en-GB" dirty="0"/>
-              <a:t>; }</a:t>
-            </a:r>
-            <a:br>
-              <a:rPr lang="en-GB" dirty="0"/>
-            </a:br>
-            <a:r>
-              <a:rPr lang="en-GB" dirty="0"/>
-              <a:t>        </a:t>
-            </a:r>
-            <a:r>
-              <a:rPr lang="en-GB" sz="1200" kern="1200" dirty="0">
-                <a:solidFill>
-                  <a:schemeClr val="tx1"/>
-                </a:solidFill>
-                <a:effectLst/>
-                <a:latin typeface="+mn-lt"/>
-                <a:ea typeface="+mn-ea"/>
-                <a:cs typeface="+mn-cs"/>
-              </a:rPr>
-              <a:t>public void Play</a:t>
-            </a:r>
-            <a:r>
-              <a:rPr lang="en-GB" dirty="0"/>
-              <a:t>() {}</a:t>
-            </a:r>
-            <a:br>
-              <a:rPr lang="en-GB" dirty="0"/>
-            </a:br>
-            <a:r>
-              <a:rPr lang="en-GB" dirty="0"/>
-              <a:t>        </a:t>
-            </a:r>
-            <a:r>
-              <a:rPr lang="en-GB" sz="1200" kern="1200" dirty="0">
-                <a:solidFill>
-                  <a:schemeClr val="tx1"/>
-                </a:solidFill>
-                <a:effectLst/>
-                <a:latin typeface="+mn-lt"/>
-                <a:ea typeface="+mn-ea"/>
-                <a:cs typeface="+mn-cs"/>
-              </a:rPr>
-              <a:t>public void Stop</a:t>
-            </a:r>
-            <a:r>
-              <a:rPr lang="en-GB" dirty="0"/>
-              <a:t>() {}</a:t>
-            </a:r>
-            <a:br>
-              <a:rPr lang="en-GB" dirty="0"/>
-            </a:br>
-            <a:r>
-              <a:rPr lang="en-GB" dirty="0"/>
-              <a:t>    }</a:t>
-            </a:r>
-            <a:br>
-              <a:rPr lang="en-GB" dirty="0"/>
-            </a:br>
-            <a:r>
-              <a:rPr lang="en-GB" dirty="0"/>
-              <a:t>    </a:t>
-            </a:r>
-            <a:br>
-              <a:rPr lang="en-GB" dirty="0"/>
-            </a:br>
-            <a:r>
-              <a:rPr lang="en-GB" dirty="0"/>
-              <a:t>    </a:t>
-            </a:r>
-            <a:r>
-              <a:rPr lang="en-GB" sz="1200" kern="1200" dirty="0">
-                <a:solidFill>
-                  <a:schemeClr val="tx1"/>
-                </a:solidFill>
-                <a:effectLst/>
-                <a:latin typeface="+mn-lt"/>
-                <a:ea typeface="+mn-ea"/>
-                <a:cs typeface="+mn-cs"/>
-              </a:rPr>
-              <a:t>public class Image</a:t>
-            </a:r>
-            <a:br>
-              <a:rPr lang="en-GB" dirty="0"/>
-            </a:br>
-            <a:r>
-              <a:rPr lang="en-GB" dirty="0"/>
-              <a:t>    {</a:t>
-            </a:r>
-            <a:br>
-              <a:rPr lang="en-GB" dirty="0"/>
-            </a:br>
-            <a:r>
-              <a:rPr lang="en-GB" dirty="0"/>
-              <a:t>        </a:t>
-            </a:r>
-            <a:br>
-              <a:rPr lang="en-GB" dirty="0"/>
-            </a:br>
-            <a:r>
-              <a:rPr lang="en-GB" dirty="0"/>
-              <a:t>    }</a:t>
-            </a:r>
-            <a:br>
-              <a:rPr lang="en-GB" dirty="0"/>
-            </a:br>
-            <a:br>
-              <a:rPr lang="en-GB" dirty="0"/>
-            </a:br>
-            <a:r>
-              <a:rPr lang="en-GB" dirty="0"/>
-              <a:t>    </a:t>
-            </a:r>
-            <a:r>
-              <a:rPr lang="en-GB" sz="1200" kern="1200" dirty="0">
-                <a:solidFill>
-                  <a:schemeClr val="tx1"/>
-                </a:solidFill>
-                <a:effectLst/>
-                <a:latin typeface="+mn-lt"/>
-                <a:ea typeface="+mn-ea"/>
-                <a:cs typeface="+mn-cs"/>
-              </a:rPr>
-              <a:t>public class </a:t>
-            </a:r>
-            <a:r>
-              <a:rPr lang="en-GB" sz="1200" kern="1200" dirty="0" err="1">
-                <a:solidFill>
-                  <a:schemeClr val="tx1"/>
-                </a:solidFill>
-                <a:effectLst/>
-                <a:latin typeface="+mn-lt"/>
-                <a:ea typeface="+mn-ea"/>
-                <a:cs typeface="+mn-cs"/>
-              </a:rPr>
-              <a:t>VHSTape</a:t>
-            </a:r>
-            <a:br>
-              <a:rPr lang="en-GB" dirty="0"/>
-            </a:br>
-            <a:r>
-              <a:rPr lang="en-GB" dirty="0"/>
-              <a:t>    {</a:t>
-            </a:r>
-            <a:br>
-              <a:rPr lang="en-GB" dirty="0"/>
-            </a:br>
-            <a:r>
-              <a:rPr lang="en-GB" dirty="0"/>
-              <a:t>        </a:t>
-            </a:r>
-            <a:br>
-              <a:rPr lang="en-GB" dirty="0"/>
-            </a:br>
-            <a:r>
-              <a:rPr lang="en-GB" dirty="0"/>
-              <a:t>    }</a:t>
-            </a:r>
-            <a:br>
-              <a:rPr lang="en-GB" dirty="0"/>
-            </a:br>
-            <a:r>
-              <a:rPr lang="en-GB" dirty="0">
-                <a:effectLst/>
-              </a:rPr>
-              <a:t>}</a:t>
-            </a:r>
-            <a:endParaRPr lang="en-GB" baseline="0" dirty="0">
-              <a:sym typeface="Wingdings" panose="05000000000000000000" pitchFamily="2" charset="2"/>
-            </a:endParaRPr>
-          </a:p>
-          <a:p>
-            <a:pPr marL="171450" indent="-171450">
-              <a:buFont typeface="Arial" panose="020B0604020202020204" pitchFamily="34" charset="0"/>
-              <a:buChar char="•"/>
-            </a:pPr>
-            <a:endParaRPr lang="en-GB" baseline="0" dirty="0">
-              <a:sym typeface="Wingdings" panose="05000000000000000000" pitchFamily="2" charset="2"/>
-            </a:endParaRPr>
-          </a:p>
-          <a:p>
-            <a:pPr marL="171450" indent="-171450">
-              <a:buFont typeface="Arial" panose="020B0604020202020204" pitchFamily="34" charset="0"/>
-              <a:buChar char="•"/>
-            </a:pPr>
-            <a:endParaRPr lang="en-GB" baseline="0" dirty="0"/>
           </a:p>
         </p:txBody>
       </p:sp>
@@ -4456,7 +2918,7 @@
           <a:p>
             <a:fld id="{79489300-499A-49F6-966F-835A77FC147A}" type="slidenum">
               <a:rPr lang="en-GB" smtClean="0"/>
-              <a:t>44</a:t>
+              <a:t>40</a:t>
             </a:fld>
             <a:endParaRPr lang="en-GB"/>
           </a:p>
@@ -4465,7 +2927,7 @@
     </p:spTree>
     <p:extLst>
       <p:ext uri="{BB962C8B-B14F-4D97-AF65-F5344CB8AC3E}">
-        <p14:creationId xmlns:p14="http://schemas.microsoft.com/office/powerpoint/2010/main" val="4021223722"/>
+        <p14:creationId xmlns:p14="http://schemas.microsoft.com/office/powerpoint/2010/main" val="4191440112"/>
       </p:ext>
     </p:extLst>
   </p:cSld>
@@ -4521,8 +2983,1562 @@
           <a:p>
             <a:r>
               <a:rPr lang="en-GB" dirty="0"/>
-              <a:t>This is a long one, so probably they should do by themselves</a:t>
-            </a:r>
+              <a:t>VHS Controller</a:t>
+            </a:r>
+          </a:p>
+          <a:p>
+            <a:endParaRPr lang="en-GB" dirty="0"/>
+          </a:p>
+          <a:p>
+            <a:r>
+              <a:rPr lang="en-GB" dirty="0"/>
+              <a:t>Employee</a:t>
+            </a:r>
+            <a:r>
+              <a:rPr lang="en-GB" baseline="0" dirty="0"/>
+              <a:t> at Blockbuster </a:t>
+            </a:r>
+          </a:p>
+          <a:p>
+            <a:pPr marL="171450" indent="-171450">
+              <a:buFont typeface="Arial" panose="020B0604020202020204" pitchFamily="34" charset="0"/>
+              <a:buChar char="•"/>
+            </a:pPr>
+            <a:r>
+              <a:rPr lang="en-GB" baseline="0" dirty="0"/>
+              <a:t>didn’t like rewinding the taps, then fast forwarding them to find a good spot to have them ready for the next customer (after the warnings and other logos </a:t>
+            </a:r>
+            <a:r>
+              <a:rPr lang="en-GB" baseline="0" dirty="0" err="1"/>
+              <a:t>etc</a:t>
+            </a:r>
+            <a:r>
+              <a:rPr lang="en-GB" baseline="0" dirty="0"/>
+              <a:t>), but on the </a:t>
+            </a:r>
+            <a:r>
+              <a:rPr lang="en-GB" baseline="0" dirty="0" err="1"/>
+              <a:t>BlockBuster</a:t>
+            </a:r>
+            <a:r>
+              <a:rPr lang="en-GB" baseline="0" dirty="0"/>
+              <a:t> logo </a:t>
+            </a:r>
+            <a:endParaRPr lang="en-GB" baseline="0" dirty="0">
+              <a:sym typeface="Wingdings" panose="05000000000000000000" pitchFamily="2" charset="2"/>
+            </a:endParaRPr>
+          </a:p>
+          <a:p>
+            <a:pPr marL="171450" indent="-171450">
+              <a:buFont typeface="Arial" panose="020B0604020202020204" pitchFamily="34" charset="0"/>
+              <a:buChar char="•"/>
+            </a:pPr>
+            <a:r>
+              <a:rPr lang="en-GB" baseline="0" dirty="0">
+                <a:sym typeface="Wingdings" panose="05000000000000000000" pitchFamily="2" charset="2"/>
+              </a:rPr>
+              <a:t>#</a:t>
+            </a:r>
+          </a:p>
+          <a:p>
+            <a:pPr marL="171450" indent="-171450">
+              <a:buFont typeface="Arial" panose="020B0604020202020204" pitchFamily="34" charset="0"/>
+              <a:buChar char="•"/>
+            </a:pPr>
+            <a:endParaRPr lang="en-GB" baseline="0" dirty="0">
+              <a:sym typeface="Wingdings" panose="05000000000000000000" pitchFamily="2" charset="2"/>
+            </a:endParaRPr>
+          </a:p>
+          <a:p>
+            <a:pPr marL="171450" indent="-171450">
+              <a:buFont typeface="Arial" panose="020B0604020202020204" pitchFamily="34" charset="0"/>
+              <a:buChar char="•"/>
+            </a:pPr>
+            <a:r>
+              <a:rPr lang="en-GB" baseline="0" dirty="0">
+                <a:sym typeface="Wingdings" panose="05000000000000000000" pitchFamily="2" charset="2"/>
+              </a:rPr>
+              <a:t>Show them the code, that handles VHS machines.</a:t>
+            </a:r>
+          </a:p>
+          <a:p>
+            <a:pPr marL="171450" indent="-171450">
+              <a:buFont typeface="Arial" panose="020B0604020202020204" pitchFamily="34" charset="0"/>
+              <a:buChar char="•"/>
+            </a:pPr>
+            <a:endParaRPr lang="en-GB" baseline="0" dirty="0">
+              <a:sym typeface="Wingdings" panose="05000000000000000000" pitchFamily="2" charset="2"/>
+            </a:endParaRPr>
+          </a:p>
+          <a:p>
+            <a:pPr marL="171450" indent="-171450">
+              <a:buFont typeface="Arial" panose="020B0604020202020204" pitchFamily="34" charset="0"/>
+              <a:buChar char="•"/>
+            </a:pPr>
+            <a:r>
+              <a:rPr lang="en-GB" baseline="0" dirty="0">
+                <a:sym typeface="Wingdings" panose="05000000000000000000" pitchFamily="2" charset="2"/>
+              </a:rPr>
+              <a:t>Tell them that the boss wants to expand, and also handle the beta market.</a:t>
+            </a:r>
+          </a:p>
+          <a:p>
+            <a:pPr marL="171450" indent="-171450">
+              <a:buFont typeface="Arial" panose="020B0604020202020204" pitchFamily="34" charset="0"/>
+              <a:buChar char="•"/>
+            </a:pPr>
+            <a:endParaRPr lang="en-GB" baseline="0" dirty="0">
+              <a:sym typeface="Wingdings" panose="05000000000000000000" pitchFamily="2" charset="2"/>
+            </a:endParaRPr>
+          </a:p>
+          <a:p>
+            <a:pPr marL="171450" indent="-171450">
+              <a:buFont typeface="Arial" panose="020B0604020202020204" pitchFamily="34" charset="0"/>
+              <a:buChar char="•"/>
+            </a:pPr>
+            <a:r>
+              <a:rPr lang="en-GB" baseline="0" dirty="0">
+                <a:sym typeface="Wingdings" panose="05000000000000000000" pitchFamily="2" charset="2"/>
+              </a:rPr>
+              <a:t>And unlike the real blockbuster, he had some vision and wanted this work to be able to handle more types of machines (like maybe streaming devices!)</a:t>
+            </a:r>
+          </a:p>
+          <a:p>
+            <a:pPr marL="0" indent="0">
+              <a:buFont typeface="Arial" panose="020B0604020202020204" pitchFamily="34" charset="0"/>
+              <a:buNone/>
+            </a:pPr>
+            <a:endParaRPr lang="en-GB" sz="1200" kern="1200" baseline="0" dirty="0">
+              <a:solidFill>
+                <a:schemeClr val="tx1"/>
+              </a:solidFill>
+              <a:effectLst/>
+              <a:latin typeface="+mn-lt"/>
+              <a:ea typeface="+mn-ea"/>
+              <a:cs typeface="+mn-cs"/>
+              <a:sym typeface="Wingdings" panose="05000000000000000000" pitchFamily="2" charset="2"/>
+            </a:endParaRPr>
+          </a:p>
+          <a:p>
+            <a:pPr marL="0" indent="0">
+              <a:buFont typeface="Arial" panose="020B0604020202020204" pitchFamily="34" charset="0"/>
+              <a:buNone/>
+            </a:pPr>
+            <a:r>
+              <a:rPr lang="en-GB" sz="1200" kern="1200" dirty="0">
+                <a:solidFill>
+                  <a:schemeClr val="tx1"/>
+                </a:solidFill>
+                <a:effectLst/>
+                <a:latin typeface="+mn-lt"/>
+                <a:ea typeface="+mn-ea"/>
+                <a:cs typeface="+mn-cs"/>
+              </a:rPr>
+              <a:t>using System</a:t>
+            </a:r>
+            <a:r>
+              <a:rPr lang="en-GB" dirty="0"/>
+              <a:t>;</a:t>
+            </a:r>
+            <a:br>
+              <a:rPr lang="en-GB" dirty="0"/>
+            </a:br>
+            <a:br>
+              <a:rPr lang="en-GB" dirty="0"/>
+            </a:br>
+            <a:r>
+              <a:rPr lang="en-GB" sz="1200" kern="1200" dirty="0">
+                <a:solidFill>
+                  <a:schemeClr val="tx1"/>
+                </a:solidFill>
+                <a:effectLst/>
+                <a:latin typeface="+mn-lt"/>
+                <a:ea typeface="+mn-ea"/>
+                <a:cs typeface="+mn-cs"/>
+              </a:rPr>
+              <a:t>namespace Bootcamp2017Demos</a:t>
+            </a:r>
+            <a:r>
+              <a:rPr lang="en-GB" dirty="0"/>
+              <a:t>.</a:t>
+            </a:r>
+            <a:r>
+              <a:rPr lang="en-GB" sz="1200" kern="1200" dirty="0">
+                <a:solidFill>
+                  <a:schemeClr val="tx1"/>
+                </a:solidFill>
+                <a:effectLst/>
+                <a:latin typeface="+mn-lt"/>
+                <a:ea typeface="+mn-ea"/>
+                <a:cs typeface="+mn-cs"/>
+              </a:rPr>
+              <a:t>GenericsDemo</a:t>
+            </a:r>
+            <a:br>
+              <a:rPr lang="en-GB" dirty="0"/>
+            </a:br>
+            <a:r>
+              <a:rPr lang="en-GB" dirty="0">
+                <a:effectLst/>
+              </a:rPr>
+              <a:t>{</a:t>
+            </a:r>
+            <a:br>
+              <a:rPr lang="en-GB" dirty="0"/>
+            </a:br>
+            <a:r>
+              <a:rPr lang="en-GB" dirty="0"/>
+              <a:t>    </a:t>
+            </a:r>
+            <a:r>
+              <a:rPr lang="en-GB" sz="1200" kern="1200" dirty="0">
+                <a:solidFill>
+                  <a:schemeClr val="tx1"/>
+                </a:solidFill>
+                <a:effectLst/>
+                <a:latin typeface="+mn-lt"/>
+                <a:ea typeface="+mn-ea"/>
+                <a:cs typeface="+mn-cs"/>
+              </a:rPr>
+              <a:t>public class </a:t>
+            </a:r>
+            <a:r>
+              <a:rPr lang="en-GB" sz="1200" kern="1200" dirty="0" err="1">
+                <a:solidFill>
+                  <a:schemeClr val="tx1"/>
+                </a:solidFill>
+                <a:effectLst/>
+                <a:latin typeface="+mn-lt"/>
+                <a:ea typeface="+mn-ea"/>
+                <a:cs typeface="+mn-cs"/>
+              </a:rPr>
+              <a:t>PrepareVideo</a:t>
+            </a:r>
+            <a:r>
+              <a:rPr lang="en-GB" sz="1200" kern="1200" dirty="0">
+                <a:solidFill>
+                  <a:schemeClr val="tx1"/>
+                </a:solidFill>
+                <a:effectLst/>
+                <a:latin typeface="+mn-lt"/>
+                <a:ea typeface="+mn-ea"/>
+                <a:cs typeface="+mn-cs"/>
+              </a:rPr>
+              <a:t> </a:t>
+            </a:r>
+            <a:r>
+              <a:rPr lang="en-GB" dirty="0"/>
+              <a:t>{</a:t>
+            </a:r>
+            <a:br>
+              <a:rPr lang="en-GB" dirty="0"/>
+            </a:br>
+            <a:br>
+              <a:rPr lang="en-GB" dirty="0"/>
+            </a:br>
+            <a:r>
+              <a:rPr lang="en-GB" dirty="0"/>
+              <a:t>        </a:t>
+            </a:r>
+            <a:r>
+              <a:rPr lang="en-GB" sz="1200" kern="1200" dirty="0">
+                <a:solidFill>
+                  <a:schemeClr val="tx1"/>
+                </a:solidFill>
+                <a:effectLst/>
+                <a:latin typeface="+mn-lt"/>
+                <a:ea typeface="+mn-ea"/>
+                <a:cs typeface="+mn-cs"/>
+              </a:rPr>
+              <a:t>public void </a:t>
+            </a:r>
+            <a:r>
+              <a:rPr lang="en-GB" sz="1200" kern="1200" dirty="0" err="1">
+                <a:solidFill>
+                  <a:schemeClr val="tx1"/>
+                </a:solidFill>
+                <a:effectLst/>
+                <a:latin typeface="+mn-lt"/>
+                <a:ea typeface="+mn-ea"/>
+                <a:cs typeface="+mn-cs"/>
+              </a:rPr>
+              <a:t>SeekMovieStart</a:t>
+            </a:r>
+            <a:r>
+              <a:rPr lang="en-GB" dirty="0"/>
+              <a:t>(</a:t>
+            </a:r>
+            <a:r>
+              <a:rPr lang="en-GB" sz="1200" kern="1200" dirty="0" err="1">
+                <a:solidFill>
+                  <a:schemeClr val="tx1"/>
+                </a:solidFill>
+                <a:effectLst/>
+                <a:latin typeface="+mn-lt"/>
+                <a:ea typeface="+mn-ea"/>
+                <a:cs typeface="+mn-cs"/>
+              </a:rPr>
+              <a:t>VHSMachine</a:t>
+            </a:r>
+            <a:r>
+              <a:rPr lang="en-GB" sz="1200" kern="1200" dirty="0">
+                <a:solidFill>
+                  <a:schemeClr val="tx1"/>
+                </a:solidFill>
+                <a:effectLst/>
+                <a:latin typeface="+mn-lt"/>
+                <a:ea typeface="+mn-ea"/>
+                <a:cs typeface="+mn-cs"/>
+              </a:rPr>
+              <a:t> </a:t>
+            </a:r>
+            <a:r>
+              <a:rPr lang="en-GB" dirty="0" err="1"/>
+              <a:t>vhsMachine</a:t>
+            </a:r>
+            <a:r>
+              <a:rPr lang="en-GB" dirty="0"/>
+              <a:t>)</a:t>
+            </a:r>
+            <a:br>
+              <a:rPr lang="en-GB" dirty="0"/>
+            </a:br>
+            <a:r>
+              <a:rPr lang="en-GB" dirty="0"/>
+              <a:t>        {</a:t>
+            </a:r>
+            <a:br>
+              <a:rPr lang="en-GB" dirty="0"/>
+            </a:br>
+            <a:r>
+              <a:rPr lang="en-GB" dirty="0"/>
+              <a:t>            </a:t>
+            </a:r>
+            <a:r>
+              <a:rPr lang="en-GB" sz="1200" kern="1200" dirty="0">
+                <a:solidFill>
+                  <a:schemeClr val="tx1"/>
+                </a:solidFill>
+                <a:effectLst/>
+                <a:latin typeface="+mn-lt"/>
+                <a:ea typeface="+mn-ea"/>
+                <a:cs typeface="+mn-cs"/>
+              </a:rPr>
+              <a:t>// rewind to the beginning</a:t>
+            </a:r>
+            <a:br>
+              <a:rPr lang="en-GB" dirty="0"/>
+            </a:br>
+            <a:r>
+              <a:rPr lang="en-GB" dirty="0"/>
+              <a:t>            </a:t>
+            </a:r>
+            <a:r>
+              <a:rPr lang="en-GB" sz="1200" kern="1200" dirty="0" err="1">
+                <a:solidFill>
+                  <a:schemeClr val="tx1"/>
+                </a:solidFill>
+                <a:effectLst/>
+                <a:latin typeface="+mn-lt"/>
+                <a:ea typeface="+mn-ea"/>
+                <a:cs typeface="+mn-cs"/>
+              </a:rPr>
+              <a:t>var</a:t>
+            </a:r>
+            <a:r>
+              <a:rPr lang="en-GB" sz="1200" kern="1200" dirty="0">
+                <a:solidFill>
+                  <a:schemeClr val="tx1"/>
+                </a:solidFill>
+                <a:effectLst/>
+                <a:latin typeface="+mn-lt"/>
+                <a:ea typeface="+mn-ea"/>
+                <a:cs typeface="+mn-cs"/>
+              </a:rPr>
+              <a:t> </a:t>
+            </a:r>
+            <a:r>
+              <a:rPr lang="en-GB" b="1" dirty="0" err="1">
+                <a:effectLst/>
+              </a:rPr>
+              <a:t>hasRewoundToBeginning</a:t>
+            </a:r>
+            <a:r>
+              <a:rPr lang="en-GB" b="1" dirty="0">
+                <a:effectLst/>
+              </a:rPr>
+              <a:t> </a:t>
+            </a:r>
+            <a:r>
+              <a:rPr lang="en-GB" dirty="0"/>
+              <a:t>= </a:t>
+            </a:r>
+            <a:r>
+              <a:rPr lang="en-GB" sz="1200" kern="1200" dirty="0">
+                <a:solidFill>
+                  <a:schemeClr val="tx1"/>
+                </a:solidFill>
+                <a:effectLst/>
+                <a:latin typeface="+mn-lt"/>
+                <a:ea typeface="+mn-ea"/>
+                <a:cs typeface="+mn-cs"/>
+              </a:rPr>
+              <a:t>false</a:t>
+            </a:r>
+            <a:r>
+              <a:rPr lang="en-GB" dirty="0"/>
+              <a:t>;</a:t>
+            </a:r>
+            <a:br>
+              <a:rPr lang="en-GB" dirty="0"/>
+            </a:br>
+            <a:r>
+              <a:rPr lang="en-GB" dirty="0"/>
+              <a:t>            </a:t>
+            </a:r>
+            <a:r>
+              <a:rPr lang="en-GB" sz="1200" kern="1200" dirty="0">
+                <a:solidFill>
+                  <a:schemeClr val="tx1"/>
+                </a:solidFill>
+                <a:effectLst/>
+                <a:latin typeface="+mn-lt"/>
+                <a:ea typeface="+mn-ea"/>
+                <a:cs typeface="+mn-cs"/>
+              </a:rPr>
+              <a:t>do</a:t>
+            </a:r>
+            <a:br>
+              <a:rPr lang="en-GB" dirty="0"/>
+            </a:br>
+            <a:r>
+              <a:rPr lang="en-GB" dirty="0"/>
+              <a:t>            {</a:t>
+            </a:r>
+            <a:br>
+              <a:rPr lang="en-GB" dirty="0"/>
+            </a:br>
+            <a:r>
+              <a:rPr lang="en-GB" dirty="0"/>
+              <a:t>                </a:t>
+            </a:r>
+            <a:r>
+              <a:rPr lang="en-GB" b="1" dirty="0" err="1">
+                <a:effectLst/>
+              </a:rPr>
+              <a:t>hasRewoundToBeginning</a:t>
+            </a:r>
+            <a:r>
+              <a:rPr lang="en-GB" b="1" dirty="0">
+                <a:effectLst/>
+              </a:rPr>
+              <a:t> </a:t>
+            </a:r>
+            <a:r>
+              <a:rPr lang="en-GB" dirty="0"/>
+              <a:t>= </a:t>
+            </a:r>
+            <a:r>
+              <a:rPr lang="en-GB" dirty="0" err="1"/>
+              <a:t>vhsMachine.</a:t>
+            </a:r>
+            <a:r>
+              <a:rPr lang="en-GB" sz="1200" kern="1200" dirty="0" err="1">
+                <a:solidFill>
+                  <a:schemeClr val="tx1"/>
+                </a:solidFill>
+                <a:effectLst/>
+                <a:latin typeface="+mn-lt"/>
+                <a:ea typeface="+mn-ea"/>
+                <a:cs typeface="+mn-cs"/>
+              </a:rPr>
+              <a:t>Rewind</a:t>
+            </a:r>
+            <a:r>
+              <a:rPr lang="en-GB" dirty="0"/>
+              <a:t>(</a:t>
+            </a:r>
+            <a:r>
+              <a:rPr lang="en-GB" sz="1200" kern="1200" dirty="0" err="1">
+                <a:solidFill>
+                  <a:schemeClr val="tx1"/>
+                </a:solidFill>
+                <a:effectLst/>
+                <a:latin typeface="+mn-lt"/>
+                <a:ea typeface="+mn-ea"/>
+                <a:cs typeface="+mn-cs"/>
+              </a:rPr>
+              <a:t>TimeSpan</a:t>
+            </a:r>
+            <a:r>
+              <a:rPr lang="en-GB" dirty="0" err="1"/>
+              <a:t>.</a:t>
+            </a:r>
+            <a:r>
+              <a:rPr lang="en-GB" sz="1200" kern="1200" dirty="0" err="1">
+                <a:solidFill>
+                  <a:schemeClr val="tx1"/>
+                </a:solidFill>
+                <a:effectLst/>
+                <a:latin typeface="+mn-lt"/>
+                <a:ea typeface="+mn-ea"/>
+                <a:cs typeface="+mn-cs"/>
+              </a:rPr>
+              <a:t>FromMinutes</a:t>
+            </a:r>
+            <a:r>
+              <a:rPr lang="en-GB" dirty="0"/>
+              <a:t>(1));</a:t>
+            </a:r>
+            <a:br>
+              <a:rPr lang="en-GB" dirty="0"/>
+            </a:br>
+            <a:r>
+              <a:rPr lang="en-GB" dirty="0"/>
+              <a:t>            } </a:t>
+            </a:r>
+            <a:r>
+              <a:rPr lang="en-GB" sz="1200" kern="1200" dirty="0">
+                <a:solidFill>
+                  <a:schemeClr val="tx1"/>
+                </a:solidFill>
+                <a:effectLst/>
+                <a:latin typeface="+mn-lt"/>
+                <a:ea typeface="+mn-ea"/>
+                <a:cs typeface="+mn-cs"/>
+              </a:rPr>
+              <a:t>while </a:t>
+            </a:r>
+            <a:r>
+              <a:rPr lang="en-GB" dirty="0"/>
+              <a:t>(!</a:t>
+            </a:r>
+            <a:r>
+              <a:rPr lang="en-GB" b="1" dirty="0" err="1">
+                <a:effectLst/>
+              </a:rPr>
+              <a:t>hasRewoundToBeginning</a:t>
+            </a:r>
+            <a:r>
+              <a:rPr lang="en-GB" dirty="0"/>
+              <a:t>);</a:t>
+            </a:r>
+            <a:br>
+              <a:rPr lang="en-GB" dirty="0"/>
+            </a:br>
+            <a:br>
+              <a:rPr lang="en-GB" dirty="0"/>
+            </a:br>
+            <a:r>
+              <a:rPr lang="en-GB" dirty="0"/>
+              <a:t>            </a:t>
+            </a:r>
+            <a:r>
+              <a:rPr lang="en-GB" sz="1200" kern="1200" dirty="0">
+                <a:solidFill>
+                  <a:schemeClr val="tx1"/>
+                </a:solidFill>
+                <a:effectLst/>
+                <a:latin typeface="+mn-lt"/>
+                <a:ea typeface="+mn-ea"/>
+                <a:cs typeface="+mn-cs"/>
+              </a:rPr>
+              <a:t>// start playing the video</a:t>
+            </a:r>
+            <a:br>
+              <a:rPr lang="en-GB" dirty="0"/>
+            </a:br>
+            <a:r>
+              <a:rPr lang="en-GB" dirty="0"/>
+              <a:t>            </a:t>
+            </a:r>
+            <a:r>
+              <a:rPr lang="en-GB" dirty="0" err="1"/>
+              <a:t>vhsMachine.</a:t>
+            </a:r>
+            <a:r>
+              <a:rPr lang="en-GB" sz="1200" kern="1200" dirty="0" err="1">
+                <a:solidFill>
+                  <a:schemeClr val="tx1"/>
+                </a:solidFill>
+                <a:effectLst/>
+                <a:latin typeface="+mn-lt"/>
+                <a:ea typeface="+mn-ea"/>
+                <a:cs typeface="+mn-cs"/>
+              </a:rPr>
+              <a:t>Play</a:t>
+            </a:r>
+            <a:r>
+              <a:rPr lang="en-GB" dirty="0"/>
+              <a:t>();</a:t>
+            </a:r>
+            <a:br>
+              <a:rPr lang="en-GB" dirty="0"/>
+            </a:br>
+            <a:r>
+              <a:rPr lang="en-GB" dirty="0"/>
+              <a:t>            </a:t>
+            </a:r>
+            <a:br>
+              <a:rPr lang="en-GB" dirty="0"/>
+            </a:br>
+            <a:r>
+              <a:rPr lang="en-GB" dirty="0"/>
+              <a:t>            </a:t>
+            </a:r>
+            <a:r>
+              <a:rPr lang="en-GB" sz="1200" kern="1200" dirty="0">
+                <a:solidFill>
+                  <a:schemeClr val="tx1"/>
+                </a:solidFill>
+                <a:effectLst/>
+                <a:latin typeface="+mn-lt"/>
+                <a:ea typeface="+mn-ea"/>
+                <a:cs typeface="+mn-cs"/>
+              </a:rPr>
+              <a:t>// </a:t>
+            </a:r>
+            <a:r>
+              <a:rPr lang="en-GB" sz="1200" kern="1200" dirty="0" err="1">
+                <a:solidFill>
+                  <a:schemeClr val="tx1"/>
+                </a:solidFill>
+                <a:effectLst/>
+                <a:latin typeface="+mn-lt"/>
+                <a:ea typeface="+mn-ea"/>
+                <a:cs typeface="+mn-cs"/>
+              </a:rPr>
+              <a:t>fastforward</a:t>
+            </a:r>
+            <a:r>
+              <a:rPr lang="en-GB" sz="1200" kern="1200" dirty="0">
+                <a:solidFill>
+                  <a:schemeClr val="tx1"/>
+                </a:solidFill>
+                <a:effectLst/>
+                <a:latin typeface="+mn-lt"/>
+                <a:ea typeface="+mn-ea"/>
+                <a:cs typeface="+mn-cs"/>
+              </a:rPr>
+              <a:t> bit by bit to find blockbusters logo</a:t>
+            </a:r>
+            <a:br>
+              <a:rPr lang="en-GB" dirty="0"/>
+            </a:br>
+            <a:r>
+              <a:rPr lang="en-GB" dirty="0"/>
+              <a:t>            </a:t>
+            </a:r>
+            <a:r>
+              <a:rPr lang="en-GB" sz="1200" kern="1200" dirty="0">
+                <a:solidFill>
+                  <a:schemeClr val="tx1"/>
+                </a:solidFill>
+                <a:effectLst/>
+                <a:latin typeface="+mn-lt"/>
+                <a:ea typeface="+mn-ea"/>
+                <a:cs typeface="+mn-cs"/>
+              </a:rPr>
+              <a:t>while </a:t>
+            </a:r>
+            <a:r>
+              <a:rPr lang="en-GB" dirty="0"/>
+              <a:t>(!</a:t>
+            </a:r>
+            <a:r>
+              <a:rPr lang="en-GB" sz="1200" kern="1200" dirty="0" err="1">
+                <a:solidFill>
+                  <a:schemeClr val="tx1"/>
+                </a:solidFill>
+                <a:effectLst/>
+                <a:latin typeface="+mn-lt"/>
+                <a:ea typeface="+mn-ea"/>
+                <a:cs typeface="+mn-cs"/>
+              </a:rPr>
+              <a:t>NotAtBlockbusterLogo</a:t>
+            </a:r>
+            <a:r>
+              <a:rPr lang="en-GB" dirty="0"/>
+              <a:t>(</a:t>
+            </a:r>
+            <a:r>
+              <a:rPr lang="en-GB" dirty="0" err="1"/>
+              <a:t>vhsMachine</a:t>
+            </a:r>
+            <a:r>
+              <a:rPr lang="en-GB" dirty="0"/>
+              <a:t>))</a:t>
+            </a:r>
+            <a:br>
+              <a:rPr lang="en-GB" dirty="0"/>
+            </a:br>
+            <a:r>
+              <a:rPr lang="en-GB" dirty="0"/>
+              <a:t>            {</a:t>
+            </a:r>
+            <a:br>
+              <a:rPr lang="en-GB" dirty="0"/>
+            </a:br>
+            <a:r>
+              <a:rPr lang="en-GB" dirty="0"/>
+              <a:t>                </a:t>
+            </a:r>
+            <a:r>
+              <a:rPr lang="en-GB" dirty="0" err="1"/>
+              <a:t>vhsMachine.</a:t>
+            </a:r>
+            <a:r>
+              <a:rPr lang="en-GB" sz="1200" kern="1200" dirty="0" err="1">
+                <a:solidFill>
+                  <a:schemeClr val="tx1"/>
+                </a:solidFill>
+                <a:effectLst/>
+                <a:latin typeface="+mn-lt"/>
+                <a:ea typeface="+mn-ea"/>
+                <a:cs typeface="+mn-cs"/>
+              </a:rPr>
+              <a:t>FastForward</a:t>
+            </a:r>
+            <a:r>
+              <a:rPr lang="en-GB" dirty="0"/>
+              <a:t>(</a:t>
+            </a:r>
+            <a:r>
+              <a:rPr lang="en-GB" sz="1200" kern="1200" dirty="0" err="1">
+                <a:solidFill>
+                  <a:schemeClr val="tx1"/>
+                </a:solidFill>
+                <a:effectLst/>
+                <a:latin typeface="+mn-lt"/>
+                <a:ea typeface="+mn-ea"/>
+                <a:cs typeface="+mn-cs"/>
+              </a:rPr>
+              <a:t>TimeSpan</a:t>
+            </a:r>
+            <a:r>
+              <a:rPr lang="en-GB" dirty="0" err="1"/>
+              <a:t>.</a:t>
+            </a:r>
+            <a:r>
+              <a:rPr lang="en-GB" sz="1200" kern="1200" dirty="0" err="1">
+                <a:solidFill>
+                  <a:schemeClr val="tx1"/>
+                </a:solidFill>
+                <a:effectLst/>
+                <a:latin typeface="+mn-lt"/>
+                <a:ea typeface="+mn-ea"/>
+                <a:cs typeface="+mn-cs"/>
+              </a:rPr>
+              <a:t>FromSeconds</a:t>
+            </a:r>
+            <a:r>
+              <a:rPr lang="en-GB" dirty="0"/>
+              <a:t>(5));</a:t>
+            </a:r>
+            <a:br>
+              <a:rPr lang="en-GB" dirty="0"/>
+            </a:br>
+            <a:r>
+              <a:rPr lang="en-GB" dirty="0"/>
+              <a:t>            }</a:t>
+            </a:r>
+            <a:br>
+              <a:rPr lang="en-GB" dirty="0"/>
+            </a:br>
+            <a:r>
+              <a:rPr lang="en-GB" dirty="0"/>
+              <a:t>            </a:t>
+            </a:r>
+            <a:br>
+              <a:rPr lang="en-GB" dirty="0"/>
+            </a:br>
+            <a:r>
+              <a:rPr lang="en-GB" dirty="0"/>
+              <a:t>            </a:t>
+            </a:r>
+            <a:r>
+              <a:rPr lang="en-GB" sz="1200" kern="1200" dirty="0">
+                <a:solidFill>
+                  <a:schemeClr val="tx1"/>
+                </a:solidFill>
+                <a:effectLst/>
+                <a:latin typeface="+mn-lt"/>
+                <a:ea typeface="+mn-ea"/>
+                <a:cs typeface="+mn-cs"/>
+              </a:rPr>
+              <a:t>// Stop the machine!</a:t>
+            </a:r>
+            <a:br>
+              <a:rPr lang="en-GB" dirty="0"/>
+            </a:br>
+            <a:r>
+              <a:rPr lang="en-GB" dirty="0"/>
+              <a:t>            </a:t>
+            </a:r>
+            <a:r>
+              <a:rPr lang="en-GB" dirty="0" err="1"/>
+              <a:t>vhsMachine.</a:t>
+            </a:r>
+            <a:r>
+              <a:rPr lang="en-GB" sz="1200" kern="1200" dirty="0" err="1">
+                <a:solidFill>
+                  <a:schemeClr val="tx1"/>
+                </a:solidFill>
+                <a:effectLst/>
+                <a:latin typeface="+mn-lt"/>
+                <a:ea typeface="+mn-ea"/>
+                <a:cs typeface="+mn-cs"/>
+              </a:rPr>
+              <a:t>Stop</a:t>
+            </a:r>
+            <a:r>
+              <a:rPr lang="en-GB" dirty="0"/>
+              <a:t>();</a:t>
+            </a:r>
+            <a:br>
+              <a:rPr lang="en-GB" dirty="0"/>
+            </a:br>
+            <a:r>
+              <a:rPr lang="en-GB" dirty="0"/>
+              <a:t>        }</a:t>
+            </a:r>
+            <a:br>
+              <a:rPr lang="en-GB" dirty="0"/>
+            </a:br>
+            <a:br>
+              <a:rPr lang="en-GB" dirty="0"/>
+            </a:br>
+            <a:r>
+              <a:rPr lang="en-GB" dirty="0"/>
+              <a:t>        </a:t>
+            </a:r>
+            <a:r>
+              <a:rPr lang="en-GB" sz="1200" kern="1200" dirty="0">
+                <a:solidFill>
+                  <a:schemeClr val="tx1"/>
+                </a:solidFill>
+                <a:effectLst/>
+                <a:latin typeface="+mn-lt"/>
+                <a:ea typeface="+mn-ea"/>
+                <a:cs typeface="+mn-cs"/>
+              </a:rPr>
+              <a:t>private bool </a:t>
+            </a:r>
+            <a:r>
+              <a:rPr lang="en-GB" sz="1200" kern="1200" dirty="0" err="1">
+                <a:solidFill>
+                  <a:schemeClr val="tx1"/>
+                </a:solidFill>
+                <a:effectLst/>
+                <a:latin typeface="+mn-lt"/>
+                <a:ea typeface="+mn-ea"/>
+                <a:cs typeface="+mn-cs"/>
+              </a:rPr>
+              <a:t>NotAtBlockbusterLogo</a:t>
+            </a:r>
+            <a:r>
+              <a:rPr lang="en-GB" dirty="0"/>
+              <a:t>(</a:t>
+            </a:r>
+            <a:r>
+              <a:rPr lang="en-GB" sz="1200" kern="1200" dirty="0" err="1">
+                <a:solidFill>
+                  <a:schemeClr val="tx1"/>
+                </a:solidFill>
+                <a:effectLst/>
+                <a:latin typeface="+mn-lt"/>
+                <a:ea typeface="+mn-ea"/>
+                <a:cs typeface="+mn-cs"/>
+              </a:rPr>
+              <a:t>VHSMachine</a:t>
+            </a:r>
+            <a:r>
+              <a:rPr lang="en-GB" sz="1200" kern="1200" dirty="0">
+                <a:solidFill>
+                  <a:schemeClr val="tx1"/>
+                </a:solidFill>
+                <a:effectLst/>
+                <a:latin typeface="+mn-lt"/>
+                <a:ea typeface="+mn-ea"/>
+                <a:cs typeface="+mn-cs"/>
+              </a:rPr>
+              <a:t> </a:t>
+            </a:r>
+            <a:r>
+              <a:rPr lang="en-GB" dirty="0" err="1"/>
+              <a:t>vhsMachine</a:t>
+            </a:r>
+            <a:r>
+              <a:rPr lang="en-GB" dirty="0"/>
+              <a:t>)</a:t>
+            </a:r>
+            <a:br>
+              <a:rPr lang="en-GB" dirty="0"/>
+            </a:br>
+            <a:r>
+              <a:rPr lang="en-GB" dirty="0"/>
+              <a:t>        {</a:t>
+            </a:r>
+            <a:br>
+              <a:rPr lang="en-GB" dirty="0"/>
+            </a:br>
+            <a:r>
+              <a:rPr lang="en-GB" dirty="0"/>
+              <a:t>            </a:t>
+            </a:r>
+            <a:r>
+              <a:rPr lang="en-GB" sz="1200" kern="1200" dirty="0" err="1">
+                <a:solidFill>
+                  <a:schemeClr val="tx1"/>
+                </a:solidFill>
+                <a:effectLst/>
+                <a:latin typeface="+mn-lt"/>
+                <a:ea typeface="+mn-ea"/>
+                <a:cs typeface="+mn-cs"/>
+              </a:rPr>
+              <a:t>var</a:t>
+            </a:r>
+            <a:r>
+              <a:rPr lang="en-GB" sz="1200" kern="1200" dirty="0">
+                <a:solidFill>
+                  <a:schemeClr val="tx1"/>
+                </a:solidFill>
+                <a:effectLst/>
+                <a:latin typeface="+mn-lt"/>
+                <a:ea typeface="+mn-ea"/>
+                <a:cs typeface="+mn-cs"/>
+              </a:rPr>
+              <a:t> </a:t>
+            </a:r>
+            <a:r>
+              <a:rPr lang="en-GB" dirty="0" err="1"/>
+              <a:t>currentPic</a:t>
+            </a:r>
+            <a:r>
+              <a:rPr lang="en-GB" dirty="0"/>
+              <a:t> = </a:t>
+            </a:r>
+            <a:r>
+              <a:rPr lang="en-GB" dirty="0" err="1"/>
+              <a:t>vhsMachine.</a:t>
+            </a:r>
+            <a:r>
+              <a:rPr lang="en-GB" sz="1200" kern="1200" dirty="0" err="1">
+                <a:solidFill>
+                  <a:schemeClr val="tx1"/>
+                </a:solidFill>
+                <a:effectLst/>
+                <a:latin typeface="+mn-lt"/>
+                <a:ea typeface="+mn-ea"/>
+                <a:cs typeface="+mn-cs"/>
+              </a:rPr>
+              <a:t>CurrentImage</a:t>
+            </a:r>
+            <a:r>
+              <a:rPr lang="en-GB" dirty="0"/>
+              <a:t>;</a:t>
+            </a:r>
+            <a:br>
+              <a:rPr lang="en-GB" dirty="0"/>
+            </a:br>
+            <a:r>
+              <a:rPr lang="en-GB" dirty="0"/>
+              <a:t>            </a:t>
+            </a:r>
+            <a:br>
+              <a:rPr lang="en-GB" dirty="0"/>
+            </a:br>
+            <a:r>
+              <a:rPr lang="en-GB" dirty="0"/>
+              <a:t>            </a:t>
+            </a:r>
+            <a:r>
+              <a:rPr lang="en-GB" sz="1200" kern="1200" dirty="0">
+                <a:solidFill>
+                  <a:schemeClr val="tx1"/>
+                </a:solidFill>
+                <a:effectLst/>
+                <a:latin typeface="+mn-lt"/>
+                <a:ea typeface="+mn-ea"/>
+                <a:cs typeface="+mn-cs"/>
+              </a:rPr>
+              <a:t>// examine the current pic to see if it is the blockbuster logo</a:t>
+            </a:r>
+            <a:br>
+              <a:rPr lang="en-GB" dirty="0"/>
+            </a:br>
+            <a:br>
+              <a:rPr lang="en-GB" dirty="0"/>
+            </a:br>
+            <a:r>
+              <a:rPr lang="en-GB" dirty="0"/>
+              <a:t>            </a:t>
+            </a:r>
+            <a:r>
+              <a:rPr lang="en-GB" sz="1200" kern="1200" dirty="0">
+                <a:solidFill>
+                  <a:schemeClr val="tx1"/>
+                </a:solidFill>
+                <a:effectLst/>
+                <a:latin typeface="+mn-lt"/>
+                <a:ea typeface="+mn-ea"/>
+                <a:cs typeface="+mn-cs"/>
+              </a:rPr>
+              <a:t>return true</a:t>
+            </a:r>
+            <a:r>
+              <a:rPr lang="en-GB" dirty="0"/>
+              <a:t>;</a:t>
+            </a:r>
+            <a:br>
+              <a:rPr lang="en-GB" dirty="0"/>
+            </a:br>
+            <a:r>
+              <a:rPr lang="en-GB" dirty="0"/>
+              <a:t>        }</a:t>
+            </a:r>
+            <a:br>
+              <a:rPr lang="en-GB" dirty="0"/>
+            </a:br>
+            <a:r>
+              <a:rPr lang="en-GB" dirty="0"/>
+              <a:t>    }</a:t>
+            </a:r>
+            <a:br>
+              <a:rPr lang="en-GB" dirty="0"/>
+            </a:br>
+            <a:r>
+              <a:rPr lang="en-GB" dirty="0"/>
+              <a:t>    </a:t>
+            </a:r>
+            <a:br>
+              <a:rPr lang="en-GB" dirty="0"/>
+            </a:br>
+            <a:r>
+              <a:rPr lang="en-GB" dirty="0"/>
+              <a:t>    </a:t>
+            </a:r>
+            <a:r>
+              <a:rPr lang="en-GB" sz="1200" kern="1200" dirty="0">
+                <a:solidFill>
+                  <a:schemeClr val="tx1"/>
+                </a:solidFill>
+                <a:effectLst/>
+                <a:latin typeface="+mn-lt"/>
+                <a:ea typeface="+mn-ea"/>
+                <a:cs typeface="+mn-cs"/>
+              </a:rPr>
+              <a:t>public class </a:t>
+            </a:r>
+            <a:r>
+              <a:rPr lang="en-GB" sz="1200" kern="1200" dirty="0" err="1">
+                <a:solidFill>
+                  <a:schemeClr val="tx1"/>
+                </a:solidFill>
+                <a:effectLst/>
+                <a:latin typeface="+mn-lt"/>
+                <a:ea typeface="+mn-ea"/>
+                <a:cs typeface="+mn-cs"/>
+              </a:rPr>
+              <a:t>VHSMachine</a:t>
+            </a:r>
+            <a:br>
+              <a:rPr lang="en-GB" dirty="0"/>
+            </a:br>
+            <a:r>
+              <a:rPr lang="en-GB" dirty="0"/>
+              <a:t>    {</a:t>
+            </a:r>
+            <a:br>
+              <a:rPr lang="en-GB" dirty="0"/>
+            </a:br>
+            <a:r>
+              <a:rPr lang="en-GB" dirty="0"/>
+              <a:t>        </a:t>
+            </a:r>
+            <a:r>
+              <a:rPr lang="en-GB" sz="1200" kern="1200" dirty="0">
+                <a:solidFill>
+                  <a:schemeClr val="tx1"/>
+                </a:solidFill>
+                <a:effectLst/>
+                <a:latin typeface="+mn-lt"/>
+                <a:ea typeface="+mn-ea"/>
+                <a:cs typeface="+mn-cs"/>
+              </a:rPr>
+              <a:t>public </a:t>
+            </a:r>
+            <a:r>
+              <a:rPr lang="en-GB" sz="1200" kern="1200" dirty="0" err="1">
+                <a:solidFill>
+                  <a:schemeClr val="tx1"/>
+                </a:solidFill>
+                <a:effectLst/>
+                <a:latin typeface="+mn-lt"/>
+                <a:ea typeface="+mn-ea"/>
+                <a:cs typeface="+mn-cs"/>
+              </a:rPr>
+              <a:t>VHSTape</a:t>
+            </a:r>
+            <a:r>
+              <a:rPr lang="en-GB" sz="1200" kern="1200" dirty="0">
+                <a:solidFill>
+                  <a:schemeClr val="tx1"/>
+                </a:solidFill>
+                <a:effectLst/>
+                <a:latin typeface="+mn-lt"/>
+                <a:ea typeface="+mn-ea"/>
+                <a:cs typeface="+mn-cs"/>
+              </a:rPr>
+              <a:t> </a:t>
+            </a:r>
+            <a:r>
+              <a:rPr lang="en-GB" sz="1200" kern="1200" dirty="0" err="1">
+                <a:solidFill>
+                  <a:schemeClr val="tx1"/>
+                </a:solidFill>
+                <a:effectLst/>
+                <a:latin typeface="+mn-lt"/>
+                <a:ea typeface="+mn-ea"/>
+                <a:cs typeface="+mn-cs"/>
+              </a:rPr>
+              <a:t>CurrentVhsTape</a:t>
+            </a:r>
+            <a:r>
+              <a:rPr lang="en-GB" sz="1200" kern="1200" dirty="0">
+                <a:solidFill>
+                  <a:schemeClr val="tx1"/>
+                </a:solidFill>
+                <a:effectLst/>
+                <a:latin typeface="+mn-lt"/>
+                <a:ea typeface="+mn-ea"/>
+                <a:cs typeface="+mn-cs"/>
+              </a:rPr>
+              <a:t> </a:t>
+            </a:r>
+            <a:r>
+              <a:rPr lang="en-GB" dirty="0"/>
+              <a:t>{ </a:t>
+            </a:r>
+            <a:r>
+              <a:rPr lang="en-GB" sz="1200" kern="1200" dirty="0">
+                <a:solidFill>
+                  <a:schemeClr val="tx1"/>
+                </a:solidFill>
+                <a:effectLst/>
+                <a:latin typeface="+mn-lt"/>
+                <a:ea typeface="+mn-ea"/>
+                <a:cs typeface="+mn-cs"/>
+              </a:rPr>
+              <a:t>get</a:t>
+            </a:r>
+            <a:r>
+              <a:rPr lang="en-GB" dirty="0"/>
+              <a:t>; }</a:t>
+            </a:r>
+            <a:br>
+              <a:rPr lang="en-GB" dirty="0"/>
+            </a:br>
+            <a:r>
+              <a:rPr lang="en-GB" dirty="0"/>
+              <a:t>        </a:t>
+            </a:r>
+            <a:r>
+              <a:rPr lang="en-GB" sz="1200" kern="1200" dirty="0">
+                <a:solidFill>
+                  <a:schemeClr val="tx1"/>
+                </a:solidFill>
+                <a:effectLst/>
+                <a:latin typeface="+mn-lt"/>
+                <a:ea typeface="+mn-ea"/>
+                <a:cs typeface="+mn-cs"/>
+              </a:rPr>
+              <a:t>public Image </a:t>
+            </a:r>
+            <a:r>
+              <a:rPr lang="en-GB" sz="1200" kern="1200" dirty="0" err="1">
+                <a:solidFill>
+                  <a:schemeClr val="tx1"/>
+                </a:solidFill>
+                <a:effectLst/>
+                <a:latin typeface="+mn-lt"/>
+                <a:ea typeface="+mn-ea"/>
+                <a:cs typeface="+mn-cs"/>
+              </a:rPr>
+              <a:t>CurrentImage</a:t>
+            </a:r>
+            <a:r>
+              <a:rPr lang="en-GB" sz="1200" kern="1200" dirty="0">
+                <a:solidFill>
+                  <a:schemeClr val="tx1"/>
+                </a:solidFill>
+                <a:effectLst/>
+                <a:latin typeface="+mn-lt"/>
+                <a:ea typeface="+mn-ea"/>
+                <a:cs typeface="+mn-cs"/>
+              </a:rPr>
+              <a:t> </a:t>
+            </a:r>
+            <a:r>
+              <a:rPr lang="en-GB" dirty="0"/>
+              <a:t>{ </a:t>
+            </a:r>
+            <a:r>
+              <a:rPr lang="en-GB" sz="1200" kern="1200" dirty="0">
+                <a:solidFill>
+                  <a:schemeClr val="tx1"/>
+                </a:solidFill>
+                <a:effectLst/>
+                <a:latin typeface="+mn-lt"/>
+                <a:ea typeface="+mn-ea"/>
+                <a:cs typeface="+mn-cs"/>
+              </a:rPr>
+              <a:t>get</a:t>
+            </a:r>
+            <a:r>
+              <a:rPr lang="en-GB" dirty="0"/>
+              <a:t>; }  </a:t>
+            </a:r>
+            <a:br>
+              <a:rPr lang="en-GB" dirty="0"/>
+            </a:br>
+            <a:r>
+              <a:rPr lang="en-GB" dirty="0"/>
+              <a:t>            </a:t>
+            </a:r>
+            <a:br>
+              <a:rPr lang="en-GB" dirty="0"/>
+            </a:br>
+            <a:r>
+              <a:rPr lang="en-GB" dirty="0"/>
+              <a:t>        </a:t>
+            </a:r>
+            <a:r>
+              <a:rPr lang="en-GB" sz="1200" kern="1200" dirty="0">
+                <a:solidFill>
+                  <a:schemeClr val="tx1"/>
+                </a:solidFill>
+                <a:effectLst/>
+                <a:latin typeface="+mn-lt"/>
+                <a:ea typeface="+mn-ea"/>
+                <a:cs typeface="+mn-cs"/>
+              </a:rPr>
+              <a:t>public bool Rewind</a:t>
+            </a:r>
+            <a:r>
+              <a:rPr lang="en-GB" dirty="0"/>
+              <a:t>(</a:t>
+            </a:r>
+            <a:r>
+              <a:rPr lang="en-GB" sz="1200" kern="1200" dirty="0" err="1">
+                <a:solidFill>
+                  <a:schemeClr val="tx1"/>
+                </a:solidFill>
+                <a:effectLst/>
+                <a:latin typeface="+mn-lt"/>
+                <a:ea typeface="+mn-ea"/>
+                <a:cs typeface="+mn-cs"/>
+              </a:rPr>
+              <a:t>TimeSpan</a:t>
+            </a:r>
+            <a:r>
+              <a:rPr lang="en-GB" sz="1200" kern="1200" dirty="0">
+                <a:solidFill>
+                  <a:schemeClr val="tx1"/>
+                </a:solidFill>
+                <a:effectLst/>
+                <a:latin typeface="+mn-lt"/>
+                <a:ea typeface="+mn-ea"/>
+                <a:cs typeface="+mn-cs"/>
+              </a:rPr>
+              <a:t> </a:t>
+            </a:r>
+            <a:r>
+              <a:rPr lang="en-GB" dirty="0"/>
+              <a:t>distance) { </a:t>
+            </a:r>
+            <a:r>
+              <a:rPr lang="en-GB" sz="1200" kern="1200" dirty="0">
+                <a:solidFill>
+                  <a:schemeClr val="tx1"/>
+                </a:solidFill>
+                <a:effectLst/>
+                <a:latin typeface="+mn-lt"/>
+                <a:ea typeface="+mn-ea"/>
+                <a:cs typeface="+mn-cs"/>
+              </a:rPr>
+              <a:t>return true</a:t>
+            </a:r>
+            <a:r>
+              <a:rPr lang="en-GB" dirty="0"/>
+              <a:t>; }</a:t>
+            </a:r>
+            <a:br>
+              <a:rPr lang="en-GB" dirty="0"/>
+            </a:br>
+            <a:r>
+              <a:rPr lang="en-GB" dirty="0"/>
+              <a:t>        </a:t>
+            </a:r>
+            <a:r>
+              <a:rPr lang="en-GB" sz="1200" kern="1200" dirty="0">
+                <a:solidFill>
+                  <a:schemeClr val="tx1"/>
+                </a:solidFill>
+                <a:effectLst/>
+                <a:latin typeface="+mn-lt"/>
+                <a:ea typeface="+mn-ea"/>
+                <a:cs typeface="+mn-cs"/>
+              </a:rPr>
+              <a:t>public bool </a:t>
+            </a:r>
+            <a:r>
+              <a:rPr lang="en-GB" sz="1200" kern="1200" dirty="0" err="1">
+                <a:solidFill>
+                  <a:schemeClr val="tx1"/>
+                </a:solidFill>
+                <a:effectLst/>
+                <a:latin typeface="+mn-lt"/>
+                <a:ea typeface="+mn-ea"/>
+                <a:cs typeface="+mn-cs"/>
+              </a:rPr>
+              <a:t>FastForward</a:t>
+            </a:r>
+            <a:r>
+              <a:rPr lang="en-GB" dirty="0"/>
+              <a:t>(</a:t>
+            </a:r>
+            <a:r>
+              <a:rPr lang="en-GB" sz="1200" kern="1200" dirty="0" err="1">
+                <a:solidFill>
+                  <a:schemeClr val="tx1"/>
+                </a:solidFill>
+                <a:effectLst/>
+                <a:latin typeface="+mn-lt"/>
+                <a:ea typeface="+mn-ea"/>
+                <a:cs typeface="+mn-cs"/>
+              </a:rPr>
+              <a:t>TimeSpan</a:t>
+            </a:r>
+            <a:r>
+              <a:rPr lang="en-GB" sz="1200" kern="1200" dirty="0">
+                <a:solidFill>
+                  <a:schemeClr val="tx1"/>
+                </a:solidFill>
+                <a:effectLst/>
+                <a:latin typeface="+mn-lt"/>
+                <a:ea typeface="+mn-ea"/>
+                <a:cs typeface="+mn-cs"/>
+              </a:rPr>
+              <a:t> </a:t>
+            </a:r>
+            <a:r>
+              <a:rPr lang="en-GB" dirty="0" err="1"/>
+              <a:t>distacSpan</a:t>
+            </a:r>
+            <a:r>
+              <a:rPr lang="en-GB" dirty="0"/>
+              <a:t>) { </a:t>
+            </a:r>
+            <a:r>
+              <a:rPr lang="en-GB" sz="1200" kern="1200" dirty="0">
+                <a:solidFill>
+                  <a:schemeClr val="tx1"/>
+                </a:solidFill>
+                <a:effectLst/>
+                <a:latin typeface="+mn-lt"/>
+                <a:ea typeface="+mn-ea"/>
+                <a:cs typeface="+mn-cs"/>
+              </a:rPr>
+              <a:t>return true</a:t>
+            </a:r>
+            <a:r>
+              <a:rPr lang="en-GB" dirty="0"/>
+              <a:t>; }</a:t>
+            </a:r>
+            <a:br>
+              <a:rPr lang="en-GB" dirty="0"/>
+            </a:br>
+            <a:r>
+              <a:rPr lang="en-GB" dirty="0"/>
+              <a:t>        </a:t>
+            </a:r>
+            <a:r>
+              <a:rPr lang="en-GB" sz="1200" kern="1200" dirty="0">
+                <a:solidFill>
+                  <a:schemeClr val="tx1"/>
+                </a:solidFill>
+                <a:effectLst/>
+                <a:latin typeface="+mn-lt"/>
+                <a:ea typeface="+mn-ea"/>
+                <a:cs typeface="+mn-cs"/>
+              </a:rPr>
+              <a:t>public void Play</a:t>
+            </a:r>
+            <a:r>
+              <a:rPr lang="en-GB" dirty="0"/>
+              <a:t>() {}</a:t>
+            </a:r>
+            <a:br>
+              <a:rPr lang="en-GB" dirty="0"/>
+            </a:br>
+            <a:r>
+              <a:rPr lang="en-GB" dirty="0"/>
+              <a:t>        </a:t>
+            </a:r>
+            <a:r>
+              <a:rPr lang="en-GB" sz="1200" kern="1200" dirty="0">
+                <a:solidFill>
+                  <a:schemeClr val="tx1"/>
+                </a:solidFill>
+                <a:effectLst/>
+                <a:latin typeface="+mn-lt"/>
+                <a:ea typeface="+mn-ea"/>
+                <a:cs typeface="+mn-cs"/>
+              </a:rPr>
+              <a:t>public void Stop</a:t>
+            </a:r>
+            <a:r>
+              <a:rPr lang="en-GB" dirty="0"/>
+              <a:t>() {}</a:t>
+            </a:r>
+            <a:br>
+              <a:rPr lang="en-GB" dirty="0"/>
+            </a:br>
+            <a:r>
+              <a:rPr lang="en-GB" dirty="0"/>
+              <a:t>    }</a:t>
+            </a:r>
+            <a:br>
+              <a:rPr lang="en-GB" dirty="0"/>
+            </a:br>
+            <a:r>
+              <a:rPr lang="en-GB" dirty="0"/>
+              <a:t>    </a:t>
+            </a:r>
+            <a:br>
+              <a:rPr lang="en-GB" dirty="0"/>
+            </a:br>
+            <a:r>
+              <a:rPr lang="en-GB" dirty="0"/>
+              <a:t>    </a:t>
+            </a:r>
+            <a:r>
+              <a:rPr lang="en-GB" sz="1200" kern="1200" dirty="0">
+                <a:solidFill>
+                  <a:schemeClr val="tx1"/>
+                </a:solidFill>
+                <a:effectLst/>
+                <a:latin typeface="+mn-lt"/>
+                <a:ea typeface="+mn-ea"/>
+                <a:cs typeface="+mn-cs"/>
+              </a:rPr>
+              <a:t>public class Image</a:t>
+            </a:r>
+            <a:br>
+              <a:rPr lang="en-GB" dirty="0"/>
+            </a:br>
+            <a:r>
+              <a:rPr lang="en-GB" dirty="0"/>
+              <a:t>    {</a:t>
+            </a:r>
+            <a:br>
+              <a:rPr lang="en-GB" dirty="0"/>
+            </a:br>
+            <a:r>
+              <a:rPr lang="en-GB" dirty="0"/>
+              <a:t>        </a:t>
+            </a:r>
+            <a:br>
+              <a:rPr lang="en-GB" dirty="0"/>
+            </a:br>
+            <a:r>
+              <a:rPr lang="en-GB" dirty="0"/>
+              <a:t>    }</a:t>
+            </a:r>
+            <a:br>
+              <a:rPr lang="en-GB" dirty="0"/>
+            </a:br>
+            <a:br>
+              <a:rPr lang="en-GB" dirty="0"/>
+            </a:br>
+            <a:r>
+              <a:rPr lang="en-GB" dirty="0"/>
+              <a:t>    </a:t>
+            </a:r>
+            <a:r>
+              <a:rPr lang="en-GB" sz="1200" kern="1200" dirty="0">
+                <a:solidFill>
+                  <a:schemeClr val="tx1"/>
+                </a:solidFill>
+                <a:effectLst/>
+                <a:latin typeface="+mn-lt"/>
+                <a:ea typeface="+mn-ea"/>
+                <a:cs typeface="+mn-cs"/>
+              </a:rPr>
+              <a:t>public class </a:t>
+            </a:r>
+            <a:r>
+              <a:rPr lang="en-GB" sz="1200" kern="1200" dirty="0" err="1">
+                <a:solidFill>
+                  <a:schemeClr val="tx1"/>
+                </a:solidFill>
+                <a:effectLst/>
+                <a:latin typeface="+mn-lt"/>
+                <a:ea typeface="+mn-ea"/>
+                <a:cs typeface="+mn-cs"/>
+              </a:rPr>
+              <a:t>VHSTape</a:t>
+            </a:r>
+            <a:br>
+              <a:rPr lang="en-GB" dirty="0"/>
+            </a:br>
+            <a:r>
+              <a:rPr lang="en-GB" dirty="0"/>
+              <a:t>    {</a:t>
+            </a:r>
+            <a:br>
+              <a:rPr lang="en-GB" dirty="0"/>
+            </a:br>
+            <a:r>
+              <a:rPr lang="en-GB" dirty="0"/>
+              <a:t>        </a:t>
+            </a:r>
+            <a:br>
+              <a:rPr lang="en-GB" dirty="0"/>
+            </a:br>
+            <a:r>
+              <a:rPr lang="en-GB" dirty="0"/>
+              <a:t>    }</a:t>
+            </a:r>
+            <a:br>
+              <a:rPr lang="en-GB" dirty="0"/>
+            </a:br>
+            <a:r>
+              <a:rPr lang="en-GB" dirty="0">
+                <a:effectLst/>
+              </a:rPr>
+              <a:t>}</a:t>
+            </a:r>
+            <a:endParaRPr lang="en-GB" baseline="0" dirty="0">
+              <a:sym typeface="Wingdings" panose="05000000000000000000" pitchFamily="2" charset="2"/>
+            </a:endParaRPr>
+          </a:p>
+          <a:p>
+            <a:pPr marL="171450" indent="-171450">
+              <a:buFont typeface="Arial" panose="020B0604020202020204" pitchFamily="34" charset="0"/>
+              <a:buChar char="•"/>
+            </a:pPr>
+            <a:endParaRPr lang="en-GB" baseline="0" dirty="0">
+              <a:sym typeface="Wingdings" panose="05000000000000000000" pitchFamily="2" charset="2"/>
+            </a:endParaRPr>
+          </a:p>
+          <a:p>
+            <a:pPr marL="171450" indent="-171450">
+              <a:buFont typeface="Arial" panose="020B0604020202020204" pitchFamily="34" charset="0"/>
+              <a:buChar char="•"/>
+            </a:pPr>
+            <a:endParaRPr lang="en-GB" baseline="0" dirty="0"/>
           </a:p>
         </p:txBody>
       </p:sp>
@@ -4543,7 +4559,7 @@
           <a:p>
             <a:fld id="{79489300-499A-49F6-966F-835A77FC147A}" type="slidenum">
               <a:rPr lang="en-GB" smtClean="0"/>
-              <a:t>46</a:t>
+              <a:t>44</a:t>
             </a:fld>
             <a:endParaRPr lang="en-GB"/>
           </a:p>
@@ -4552,7 +4568,7 @@
     </p:spTree>
     <p:extLst>
       <p:ext uri="{BB962C8B-B14F-4D97-AF65-F5344CB8AC3E}">
-        <p14:creationId xmlns:p14="http://schemas.microsoft.com/office/powerpoint/2010/main" val="1125734631"/>
+        <p14:creationId xmlns:p14="http://schemas.microsoft.com/office/powerpoint/2010/main" val="4021223722"/>
       </p:ext>
     </p:extLst>
   </p:cSld>
@@ -4606,69 +4622,6 @@
           <a:bodyPr/>
           <a:lstStyle/>
           <a:p>
-            <a:pPr marL="0" indent="0">
-              <a:buFont typeface="Arial" panose="020B0604020202020204" pitchFamily="34" charset="0"/>
-              <a:buNone/>
-            </a:pPr>
-            <a:r>
-              <a:rPr lang="en-GB" sz="1200" dirty="0"/>
-              <a:t>In</a:t>
-            </a:r>
-            <a:r>
-              <a:rPr lang="en-GB" sz="1200" baseline="0" dirty="0"/>
-              <a:t> code, demonstrate</a:t>
-            </a:r>
-            <a:endParaRPr lang="en-GB" sz="1200" dirty="0"/>
-          </a:p>
-          <a:p>
-            <a:pPr marL="285750" indent="-285750">
-              <a:buFont typeface="Arial" panose="020B0604020202020204" pitchFamily="34" charset="0"/>
-              <a:buChar char="•"/>
-            </a:pPr>
-            <a:r>
-              <a:rPr lang="en-GB" sz="1200" dirty="0"/>
-              <a:t>You can access the something in the bucket in your code by using the variable name</a:t>
-            </a:r>
-          </a:p>
-          <a:p>
-            <a:pPr marL="285750" indent="-285750">
-              <a:buFont typeface="Arial" panose="020B0604020202020204" pitchFamily="34" charset="0"/>
-              <a:buChar char="•"/>
-            </a:pPr>
-            <a:r>
-              <a:rPr lang="en-GB" sz="1200" dirty="0"/>
-              <a:t>You can replace the something in your bucket, with another something (of the same type, of course)</a:t>
-            </a:r>
-          </a:p>
-          <a:p>
-            <a:pPr marL="285750" indent="-285750">
-              <a:buFont typeface="Arial" panose="020B0604020202020204" pitchFamily="34" charset="0"/>
-              <a:buChar char="•"/>
-            </a:pPr>
-            <a:r>
-              <a:rPr lang="en-GB" sz="1200" dirty="0"/>
-              <a:t>Cover the assignment</a:t>
-            </a:r>
-            <a:r>
-              <a:rPr lang="en-GB" sz="1200" baseline="0" dirty="0"/>
-              <a:t> operator</a:t>
-            </a:r>
-          </a:p>
-          <a:p>
-            <a:pPr marL="285750" indent="-285750">
-              <a:buFont typeface="Arial" panose="020B0604020202020204" pitchFamily="34" charset="0"/>
-              <a:buChar char="•"/>
-            </a:pPr>
-            <a:endParaRPr lang="en-GB" sz="1200" baseline="0" dirty="0"/>
-          </a:p>
-          <a:p>
-            <a:pPr marL="285750" indent="-285750">
-              <a:buFont typeface="Arial" panose="020B0604020202020204" pitchFamily="34" charset="0"/>
-              <a:buChar char="•"/>
-            </a:pPr>
-            <a:endParaRPr lang="en-GB" sz="1200" dirty="0"/>
-          </a:p>
-          <a:p>
             <a:endParaRPr lang="en-GB" dirty="0"/>
           </a:p>
         </p:txBody>
@@ -4690,7 +4643,7 @@
           <a:p>
             <a:fld id="{79489300-499A-49F6-966F-835A77FC147A}" type="slidenum">
               <a:rPr lang="en-GB" smtClean="0"/>
-              <a:t>5</a:t>
+              <a:t>4</a:t>
             </a:fld>
             <a:endParaRPr lang="en-GB"/>
           </a:p>
@@ -4699,7 +4652,7 @@
     </p:spTree>
     <p:extLst>
       <p:ext uri="{BB962C8B-B14F-4D97-AF65-F5344CB8AC3E}">
-        <p14:creationId xmlns:p14="http://schemas.microsoft.com/office/powerpoint/2010/main" val="3102745768"/>
+        <p14:creationId xmlns:p14="http://schemas.microsoft.com/office/powerpoint/2010/main" val="470808741"/>
       </p:ext>
     </p:extLst>
   </p:cSld>
@@ -4755,144 +4708,8 @@
           <a:p>
             <a:r>
               <a:rPr lang="en-GB" dirty="0"/>
-              <a:t>Demo an </a:t>
-            </a:r>
-            <a:r>
-              <a:rPr lang="en-GB" dirty="0" err="1"/>
-              <a:t>enum</a:t>
-            </a:r>
-            <a:r>
-              <a:rPr lang="en-GB" dirty="0"/>
-              <a:t>, and a flags </a:t>
-            </a:r>
-            <a:r>
-              <a:rPr lang="en-GB" dirty="0" err="1"/>
-              <a:t>enum</a:t>
-            </a:r>
-            <a:endParaRPr lang="en-GB" dirty="0"/>
-          </a:p>
-          <a:p>
-            <a:endParaRPr lang="en-GB" dirty="0"/>
-          </a:p>
-          <a:p>
-            <a:r>
-              <a:rPr lang="en-GB" dirty="0" err="1"/>
-              <a:t>Enum</a:t>
-            </a:r>
-            <a:r>
-              <a:rPr lang="en-GB" dirty="0"/>
-              <a:t> </a:t>
-            </a:r>
-            <a:r>
-              <a:rPr lang="en-GB" dirty="0" err="1"/>
-              <a:t>DaysOfTheWeek</a:t>
-            </a:r>
-            <a:r>
-              <a:rPr lang="en-GB" dirty="0"/>
-              <a:t> {</a:t>
-            </a:r>
-          </a:p>
-          <a:p>
-            <a:r>
-              <a:rPr lang="en-GB" dirty="0"/>
-              <a:t>Monday, through Sunday</a:t>
-            </a:r>
-          </a:p>
-          <a:p>
-            <a:r>
-              <a:rPr lang="en-GB" dirty="0"/>
-              <a:t>}</a:t>
-            </a:r>
-          </a:p>
-          <a:p>
-            <a:endParaRPr lang="en-GB" dirty="0"/>
-          </a:p>
-          <a:p>
-            <a:r>
-              <a:rPr lang="en-GB" dirty="0"/>
-              <a:t>[Flags]</a:t>
-            </a:r>
-          </a:p>
-          <a:p>
-            <a:r>
-              <a:rPr lang="en-GB" dirty="0"/>
-              <a:t>Public </a:t>
-            </a:r>
-            <a:r>
-              <a:rPr lang="en-GB" dirty="0" err="1"/>
-              <a:t>Enum</a:t>
-            </a:r>
-            <a:r>
-              <a:rPr lang="en-GB" dirty="0"/>
-              <a:t> Disposition {</a:t>
-            </a:r>
-          </a:p>
-          <a:p>
-            <a:r>
-              <a:rPr lang="en-GB" dirty="0"/>
-              <a:t>Positive</a:t>
-            </a:r>
-          </a:p>
-          <a:p>
-            <a:r>
-              <a:rPr lang="en-GB" dirty="0"/>
-              <a:t>Sunny</a:t>
-            </a:r>
-          </a:p>
-          <a:p>
-            <a:r>
-              <a:rPr lang="en-GB" dirty="0"/>
-              <a:t>Miserable</a:t>
-            </a:r>
-          </a:p>
-          <a:p>
-            <a:r>
-              <a:rPr lang="en-GB" dirty="0"/>
-              <a:t>Whiney</a:t>
-            </a:r>
-          </a:p>
-          <a:p>
-            <a:r>
-              <a:rPr lang="en-GB" dirty="0"/>
-              <a:t>Lackadaisical</a:t>
-            </a:r>
-          </a:p>
-          <a:p>
-            <a:r>
-              <a:rPr lang="en-GB" dirty="0"/>
-              <a:t>}</a:t>
-            </a:r>
-          </a:p>
-          <a:p>
-            <a:endParaRPr lang="en-GB" dirty="0"/>
-          </a:p>
-          <a:p>
-            <a:r>
-              <a:rPr lang="en-GB" dirty="0" err="1"/>
-              <a:t>CalculateStars</a:t>
-            </a:r>
-            <a:r>
-              <a:rPr lang="en-GB" dirty="0"/>
-              <a:t>(Disposition) {</a:t>
-            </a:r>
-          </a:p>
-          <a:p>
-            <a:endParaRPr lang="en-GB" dirty="0"/>
-          </a:p>
-          <a:p>
-            <a:r>
-              <a:rPr lang="en-GB" dirty="0"/>
-              <a:t>}</a:t>
-            </a:r>
-          </a:p>
-          <a:p>
-            <a:endParaRPr lang="en-GB" dirty="0"/>
-          </a:p>
-          <a:p>
-            <a:endParaRPr lang="en-GB" dirty="0"/>
-          </a:p>
-          <a:p>
-            <a:endParaRPr lang="en-GB" dirty="0"/>
+              <a:t>This is a long one, so probably they should do by themselves</a:t>
+            </a:r>
           </a:p>
         </p:txBody>
       </p:sp>
@@ -4913,7 +4730,7 @@
           <a:p>
             <a:fld id="{79489300-499A-49F6-966F-835A77FC147A}" type="slidenum">
               <a:rPr lang="en-GB" smtClean="0"/>
-              <a:t>47</a:t>
+              <a:t>46</a:t>
             </a:fld>
             <a:endParaRPr lang="en-GB"/>
           </a:p>
@@ -4922,7 +4739,7 @@
     </p:spTree>
     <p:extLst>
       <p:ext uri="{BB962C8B-B14F-4D97-AF65-F5344CB8AC3E}">
-        <p14:creationId xmlns:p14="http://schemas.microsoft.com/office/powerpoint/2010/main" val="1337972766"/>
+        <p14:creationId xmlns:p14="http://schemas.microsoft.com/office/powerpoint/2010/main" val="1125734631"/>
       </p:ext>
     </p:extLst>
   </p:cSld>
@@ -4976,56 +4793,6 @@
           <a:bodyPr/>
           <a:lstStyle/>
           <a:p>
-            <a:r>
-              <a:rPr lang="en-GB" dirty="0" err="1"/>
-              <a:t>Lamda</a:t>
-            </a:r>
-            <a:r>
-              <a:rPr lang="en-GB" dirty="0"/>
-              <a:t> = anonymous function</a:t>
-            </a:r>
-          </a:p>
-          <a:p>
-            <a:endParaRPr lang="en-GB" dirty="0"/>
-          </a:p>
-          <a:p>
-            <a:r>
-              <a:rPr lang="en-GB" dirty="0"/>
-              <a:t>Demo the structure of a lambda</a:t>
-            </a:r>
-          </a:p>
-          <a:p>
-            <a:endParaRPr lang="en-GB" dirty="0"/>
-          </a:p>
-          <a:p>
-            <a:r>
-              <a:rPr lang="en-GB" dirty="0"/>
-              <a:t>Passing lambdas into another function, and invoking them</a:t>
-            </a:r>
-          </a:p>
-          <a:p>
-            <a:endParaRPr lang="en-GB" dirty="0"/>
-          </a:p>
-          <a:p>
-            <a:r>
-              <a:rPr lang="en-GB" dirty="0"/>
-              <a:t>Using a </a:t>
-            </a:r>
-            <a:r>
-              <a:rPr lang="en-GB" dirty="0" err="1"/>
-              <a:t>lamda</a:t>
-            </a:r>
-            <a:r>
-              <a:rPr lang="en-GB" dirty="0"/>
-              <a:t> in some </a:t>
-            </a:r>
-            <a:r>
-              <a:rPr lang="en-GB" dirty="0" err="1"/>
-              <a:t>linq</a:t>
-            </a:r>
-            <a:endParaRPr lang="en-GB" dirty="0"/>
-          </a:p>
-          <a:p>
             <a:endParaRPr lang="en-GB" dirty="0"/>
           </a:p>
         </p:txBody>
@@ -5047,7 +4814,7 @@
           <a:p>
             <a:fld id="{79489300-499A-49F6-966F-835A77FC147A}" type="slidenum">
               <a:rPr lang="en-GB" smtClean="0"/>
-              <a:t>48</a:t>
+              <a:t>47</a:t>
             </a:fld>
             <a:endParaRPr lang="en-GB"/>
           </a:p>
@@ -5110,56 +4877,6 @@
           <a:bodyPr/>
           <a:lstStyle/>
           <a:p>
-            <a:r>
-              <a:rPr lang="en-GB" dirty="0" err="1"/>
-              <a:t>Lamda</a:t>
-            </a:r>
-            <a:r>
-              <a:rPr lang="en-GB" dirty="0"/>
-              <a:t> = anonymous function</a:t>
-            </a:r>
-          </a:p>
-          <a:p>
-            <a:endParaRPr lang="en-GB" dirty="0"/>
-          </a:p>
-          <a:p>
-            <a:r>
-              <a:rPr lang="en-GB" dirty="0"/>
-              <a:t>Demo the structure of a lambda</a:t>
-            </a:r>
-          </a:p>
-          <a:p>
-            <a:endParaRPr lang="en-GB" dirty="0"/>
-          </a:p>
-          <a:p>
-            <a:r>
-              <a:rPr lang="en-GB" dirty="0"/>
-              <a:t>Passing lambdas into another function, and invoking them</a:t>
-            </a:r>
-          </a:p>
-          <a:p>
-            <a:endParaRPr lang="en-GB" dirty="0"/>
-          </a:p>
-          <a:p>
-            <a:r>
-              <a:rPr lang="en-GB" dirty="0"/>
-              <a:t>Using a </a:t>
-            </a:r>
-            <a:r>
-              <a:rPr lang="en-GB" dirty="0" err="1"/>
-              <a:t>lamda</a:t>
-            </a:r>
-            <a:r>
-              <a:rPr lang="en-GB" dirty="0"/>
-              <a:t> in some </a:t>
-            </a:r>
-            <a:r>
-              <a:rPr lang="en-GB" dirty="0" err="1"/>
-              <a:t>linq</a:t>
-            </a:r>
-            <a:endParaRPr lang="en-GB" dirty="0"/>
-          </a:p>
-          <a:p>
             <a:endParaRPr lang="en-GB" dirty="0"/>
           </a:p>
         </p:txBody>
@@ -5181,7 +4898,7 @@
           <a:p>
             <a:fld id="{79489300-499A-49F6-966F-835A77FC147A}" type="slidenum">
               <a:rPr lang="en-GB" smtClean="0"/>
-              <a:t>49</a:t>
+              <a:t>48</a:t>
             </a:fld>
             <a:endParaRPr lang="en-GB"/>
           </a:p>
@@ -5190,7 +4907,7 @@
     </p:spTree>
     <p:extLst>
       <p:ext uri="{BB962C8B-B14F-4D97-AF65-F5344CB8AC3E}">
-        <p14:creationId xmlns:p14="http://schemas.microsoft.com/office/powerpoint/2010/main" val="242849096"/>
+        <p14:creationId xmlns:p14="http://schemas.microsoft.com/office/powerpoint/2010/main" val="3472766663"/>
       </p:ext>
     </p:extLst>
   </p:cSld>
@@ -5245,9 +4962,56 @@
           <a:lstStyle/>
           <a:p>
             <a:r>
+              <a:rPr lang="en-GB" dirty="0" err="1"/>
+              <a:t>Lamda</a:t>
+            </a:r>
+            <a:r>
               <a:rPr lang="en-GB" dirty="0"/>
-              <a:t>This is a long one, so probably they should do by themselves</a:t>
-            </a:r>
+              <a:t> = anonymous function</a:t>
+            </a:r>
+          </a:p>
+          <a:p>
+            <a:endParaRPr lang="en-GB" dirty="0"/>
+          </a:p>
+          <a:p>
+            <a:r>
+              <a:rPr lang="en-GB" dirty="0"/>
+              <a:t>Demo the structure of a lambda</a:t>
+            </a:r>
+          </a:p>
+          <a:p>
+            <a:endParaRPr lang="en-GB" dirty="0"/>
+          </a:p>
+          <a:p>
+            <a:r>
+              <a:rPr lang="en-GB" dirty="0"/>
+              <a:t>Passing lambdas into another function, and invoking them</a:t>
+            </a:r>
+          </a:p>
+          <a:p>
+            <a:endParaRPr lang="en-GB" dirty="0"/>
+          </a:p>
+          <a:p>
+            <a:r>
+              <a:rPr lang="en-GB" dirty="0"/>
+              <a:t>Using a </a:t>
+            </a:r>
+            <a:r>
+              <a:rPr lang="en-GB" dirty="0" err="1"/>
+              <a:t>lamda</a:t>
+            </a:r>
+            <a:r>
+              <a:rPr lang="en-GB" dirty="0"/>
+              <a:t> in some </a:t>
+            </a:r>
+            <a:r>
+              <a:rPr lang="en-GB" dirty="0" err="1"/>
+              <a:t>linq</a:t>
+            </a:r>
+            <a:endParaRPr lang="en-GB" dirty="0"/>
+          </a:p>
+          <a:p>
+            <a:endParaRPr lang="en-GB" dirty="0"/>
           </a:p>
         </p:txBody>
       </p:sp>
@@ -5268,7 +5032,7 @@
           <a:p>
             <a:fld id="{79489300-499A-49F6-966F-835A77FC147A}" type="slidenum">
               <a:rPr lang="en-GB" smtClean="0"/>
-              <a:t>50</a:t>
+              <a:t>49</a:t>
             </a:fld>
             <a:endParaRPr lang="en-GB"/>
           </a:p>
@@ -5277,7 +5041,398 @@
     </p:spTree>
     <p:extLst>
       <p:ext uri="{BB962C8B-B14F-4D97-AF65-F5344CB8AC3E}">
-        <p14:creationId xmlns:p14="http://schemas.microsoft.com/office/powerpoint/2010/main" val="1229341789"/>
+        <p14:creationId xmlns:p14="http://schemas.microsoft.com/office/powerpoint/2010/main" val="242849096"/>
+      </p:ext>
+    </p:extLst>
+  </p:cSld>
+  <p:clrMapOvr>
+    <a:masterClrMapping/>
+  </p:clrMapOvr>
+</p:notes>
+</file>
+
+<file path=ppt/notesSlides/notesSlide34.xml><?xml version="1.0" encoding="utf-8"?>
+<p:notes xmlns:a="http://schemas.openxmlformats.org/drawingml/2006/main" xmlns:r="http://schemas.openxmlformats.org/officeDocument/2006/relationships" xmlns:p="http://schemas.openxmlformats.org/presentationml/2006/main">
+  <p:cSld>
+    <p:spTree>
+      <p:nvGrpSpPr>
+        <p:cNvPr id="1" name=""/>
+        <p:cNvGrpSpPr/>
+        <p:nvPr/>
+      </p:nvGrpSpPr>
+      <p:grpSpPr>
+        <a:xfrm>
+          <a:off x="0" y="0"/>
+          <a:ext cx="0" cy="0"/>
+          <a:chOff x="0" y="0"/>
+          <a:chExt cx="0" cy="0"/>
+        </a:xfrm>
+      </p:grpSpPr>
+      <p:sp>
+        <p:nvSpPr>
+          <p:cNvPr id="2" name="Slide Image Placeholder 1"/>
+          <p:cNvSpPr>
+            <a:spLocks noGrp="1" noRot="1" noChangeAspect="1"/>
+          </p:cNvSpPr>
+          <p:nvPr>
+            <p:ph type="sldImg"/>
+          </p:nvPr>
+        </p:nvSpPr>
+        <p:spPr/>
+      </p:sp>
+      <p:sp>
+        <p:nvSpPr>
+          <p:cNvPr id="3" name="Notes Placeholder 2"/>
+          <p:cNvSpPr>
+            <a:spLocks noGrp="1"/>
+          </p:cNvSpPr>
+          <p:nvPr>
+            <p:ph type="body" idx="1"/>
+          </p:nvPr>
+        </p:nvSpPr>
+        <p:spPr/>
+        <p:txBody>
+          <a:bodyPr/>
+          <a:lstStyle/>
+          <a:p>
+            <a:endParaRPr lang="en-GB" dirty="0"/>
+          </a:p>
+        </p:txBody>
+      </p:sp>
+      <p:sp>
+        <p:nvSpPr>
+          <p:cNvPr id="4" name="Slide Number Placeholder 3"/>
+          <p:cNvSpPr>
+            <a:spLocks noGrp="1"/>
+          </p:cNvSpPr>
+          <p:nvPr>
+            <p:ph type="sldNum" sz="quarter" idx="10"/>
+          </p:nvPr>
+        </p:nvSpPr>
+        <p:spPr/>
+        <p:txBody>
+          <a:bodyPr/>
+          <a:lstStyle/>
+          <a:p>
+            <a:fld id="{79489300-499A-49F6-966F-835A77FC147A}" type="slidenum">
+              <a:rPr lang="en-GB" smtClean="0"/>
+              <a:t>50</a:t>
+            </a:fld>
+            <a:endParaRPr lang="en-GB"/>
+          </a:p>
+        </p:txBody>
+      </p:sp>
+    </p:spTree>
+    <p:extLst>
+      <p:ext uri="{BB962C8B-B14F-4D97-AF65-F5344CB8AC3E}">
+        <p14:creationId xmlns:p14="http://schemas.microsoft.com/office/powerpoint/2010/main" val="2932003738"/>
+      </p:ext>
+    </p:extLst>
+  </p:cSld>
+  <p:clrMapOvr>
+    <a:masterClrMapping/>
+  </p:clrMapOvr>
+</p:notes>
+</file>
+
+<file path=ppt/notesSlides/notesSlide35.xml><?xml version="1.0" encoding="utf-8"?>
+<p:notes xmlns:a="http://schemas.openxmlformats.org/drawingml/2006/main" xmlns:r="http://schemas.openxmlformats.org/officeDocument/2006/relationships" xmlns:p="http://schemas.openxmlformats.org/presentationml/2006/main">
+  <p:cSld>
+    <p:spTree>
+      <p:nvGrpSpPr>
+        <p:cNvPr id="1" name=""/>
+        <p:cNvGrpSpPr/>
+        <p:nvPr/>
+      </p:nvGrpSpPr>
+      <p:grpSpPr>
+        <a:xfrm>
+          <a:off x="0" y="0"/>
+          <a:ext cx="0" cy="0"/>
+          <a:chOff x="0" y="0"/>
+          <a:chExt cx="0" cy="0"/>
+        </a:xfrm>
+      </p:grpSpPr>
+      <p:sp>
+        <p:nvSpPr>
+          <p:cNvPr id="2" name="Slide Image Placeholder 1"/>
+          <p:cNvSpPr>
+            <a:spLocks noGrp="1" noRot="1" noChangeAspect="1"/>
+          </p:cNvSpPr>
+          <p:nvPr>
+            <p:ph type="sldImg"/>
+          </p:nvPr>
+        </p:nvSpPr>
+        <p:spPr/>
+      </p:sp>
+      <p:sp>
+        <p:nvSpPr>
+          <p:cNvPr id="3" name="Notes Placeholder 2"/>
+          <p:cNvSpPr>
+            <a:spLocks noGrp="1"/>
+          </p:cNvSpPr>
+          <p:nvPr>
+            <p:ph type="body" idx="1"/>
+          </p:nvPr>
+        </p:nvSpPr>
+        <p:spPr/>
+        <p:txBody>
+          <a:bodyPr/>
+          <a:lstStyle/>
+          <a:p>
+            <a:r>
+              <a:rPr lang="en-GB" dirty="0"/>
+              <a:t>Demo an </a:t>
+            </a:r>
+            <a:r>
+              <a:rPr lang="en-GB" dirty="0" err="1"/>
+              <a:t>enum</a:t>
+            </a:r>
+            <a:r>
+              <a:rPr lang="en-GB" dirty="0"/>
+              <a:t>, and a flags </a:t>
+            </a:r>
+            <a:r>
+              <a:rPr lang="en-GB" dirty="0" err="1"/>
+              <a:t>enum</a:t>
+            </a:r>
+            <a:endParaRPr lang="en-GB" dirty="0"/>
+          </a:p>
+          <a:p>
+            <a:endParaRPr lang="en-GB" dirty="0"/>
+          </a:p>
+          <a:p>
+            <a:r>
+              <a:rPr lang="en-GB" dirty="0" err="1"/>
+              <a:t>Enum</a:t>
+            </a:r>
+            <a:r>
+              <a:rPr lang="en-GB" dirty="0"/>
+              <a:t> </a:t>
+            </a:r>
+            <a:r>
+              <a:rPr lang="en-GB" dirty="0" err="1"/>
+              <a:t>DaysOfTheWeek</a:t>
+            </a:r>
+            <a:r>
+              <a:rPr lang="en-GB" dirty="0"/>
+              <a:t> {</a:t>
+            </a:r>
+          </a:p>
+          <a:p>
+            <a:r>
+              <a:rPr lang="en-GB" dirty="0"/>
+              <a:t>Monday, through Sunday</a:t>
+            </a:r>
+          </a:p>
+          <a:p>
+            <a:r>
+              <a:rPr lang="en-GB" dirty="0"/>
+              <a:t>}</a:t>
+            </a:r>
+          </a:p>
+          <a:p>
+            <a:endParaRPr lang="en-GB" dirty="0"/>
+          </a:p>
+          <a:p>
+            <a:r>
+              <a:rPr lang="en-GB" dirty="0"/>
+              <a:t>[Flags]</a:t>
+            </a:r>
+          </a:p>
+          <a:p>
+            <a:r>
+              <a:rPr lang="en-GB" dirty="0"/>
+              <a:t>Public </a:t>
+            </a:r>
+            <a:r>
+              <a:rPr lang="en-GB" dirty="0" err="1"/>
+              <a:t>Enum</a:t>
+            </a:r>
+            <a:r>
+              <a:rPr lang="en-GB" dirty="0"/>
+              <a:t> Disposition {</a:t>
+            </a:r>
+          </a:p>
+          <a:p>
+            <a:r>
+              <a:rPr lang="en-GB" dirty="0"/>
+              <a:t>Positive</a:t>
+            </a:r>
+          </a:p>
+          <a:p>
+            <a:r>
+              <a:rPr lang="en-GB" dirty="0"/>
+              <a:t>Sunny</a:t>
+            </a:r>
+          </a:p>
+          <a:p>
+            <a:r>
+              <a:rPr lang="en-GB" dirty="0"/>
+              <a:t>Miserable</a:t>
+            </a:r>
+          </a:p>
+          <a:p>
+            <a:r>
+              <a:rPr lang="en-GB" dirty="0"/>
+              <a:t>Whiney</a:t>
+            </a:r>
+          </a:p>
+          <a:p>
+            <a:r>
+              <a:rPr lang="en-GB" dirty="0"/>
+              <a:t>Lackadaisical</a:t>
+            </a:r>
+          </a:p>
+          <a:p>
+            <a:r>
+              <a:rPr lang="en-GB" dirty="0"/>
+              <a:t>}</a:t>
+            </a:r>
+          </a:p>
+          <a:p>
+            <a:endParaRPr lang="en-GB" dirty="0"/>
+          </a:p>
+          <a:p>
+            <a:r>
+              <a:rPr lang="en-GB" dirty="0" err="1"/>
+              <a:t>CalculateStars</a:t>
+            </a:r>
+            <a:r>
+              <a:rPr lang="en-GB" dirty="0"/>
+              <a:t>(Disposition) {</a:t>
+            </a:r>
+          </a:p>
+          <a:p>
+            <a:endParaRPr lang="en-GB" dirty="0"/>
+          </a:p>
+          <a:p>
+            <a:r>
+              <a:rPr lang="en-GB" dirty="0"/>
+              <a:t>}</a:t>
+            </a:r>
+          </a:p>
+          <a:p>
+            <a:endParaRPr lang="en-GB" dirty="0"/>
+          </a:p>
+          <a:p>
+            <a:endParaRPr lang="en-GB" dirty="0"/>
+          </a:p>
+          <a:p>
+            <a:endParaRPr lang="en-GB" dirty="0"/>
+          </a:p>
+        </p:txBody>
+      </p:sp>
+      <p:sp>
+        <p:nvSpPr>
+          <p:cNvPr id="4" name="Slide Number Placeholder 3"/>
+          <p:cNvSpPr>
+            <a:spLocks noGrp="1"/>
+          </p:cNvSpPr>
+          <p:nvPr>
+            <p:ph type="sldNum" sz="quarter" idx="10"/>
+          </p:nvPr>
+        </p:nvSpPr>
+        <p:spPr/>
+        <p:txBody>
+          <a:bodyPr/>
+          <a:lstStyle/>
+          <a:p>
+            <a:fld id="{79489300-499A-49F6-966F-835A77FC147A}" type="slidenum">
+              <a:rPr lang="en-GB" smtClean="0"/>
+              <a:t>51</a:t>
+            </a:fld>
+            <a:endParaRPr lang="en-GB"/>
+          </a:p>
+        </p:txBody>
+      </p:sp>
+    </p:spTree>
+    <p:extLst>
+      <p:ext uri="{BB962C8B-B14F-4D97-AF65-F5344CB8AC3E}">
+        <p14:creationId xmlns:p14="http://schemas.microsoft.com/office/powerpoint/2010/main" val="1337972766"/>
+      </p:ext>
+    </p:extLst>
+  </p:cSld>
+  <p:clrMapOvr>
+    <a:masterClrMapping/>
+  </p:clrMapOvr>
+</p:notes>
+</file>
+
+<file path=ppt/notesSlides/notesSlide36.xml><?xml version="1.0" encoding="utf-8"?>
+<p:notes xmlns:a="http://schemas.openxmlformats.org/drawingml/2006/main" xmlns:r="http://schemas.openxmlformats.org/officeDocument/2006/relationships" xmlns:p="http://schemas.openxmlformats.org/presentationml/2006/main">
+  <p:cSld>
+    <p:spTree>
+      <p:nvGrpSpPr>
+        <p:cNvPr id="1" name=""/>
+        <p:cNvGrpSpPr/>
+        <p:nvPr/>
+      </p:nvGrpSpPr>
+      <p:grpSpPr>
+        <a:xfrm>
+          <a:off x="0" y="0"/>
+          <a:ext cx="0" cy="0"/>
+          <a:chOff x="0" y="0"/>
+          <a:chExt cx="0" cy="0"/>
+        </a:xfrm>
+      </p:grpSpPr>
+      <p:sp>
+        <p:nvSpPr>
+          <p:cNvPr id="2" name="Slide Image Placeholder 1"/>
+          <p:cNvSpPr>
+            <a:spLocks noGrp="1" noRot="1" noChangeAspect="1"/>
+          </p:cNvSpPr>
+          <p:nvPr>
+            <p:ph type="sldImg"/>
+          </p:nvPr>
+        </p:nvSpPr>
+        <p:spPr/>
+      </p:sp>
+      <p:sp>
+        <p:nvSpPr>
+          <p:cNvPr id="3" name="Notes Placeholder 2"/>
+          <p:cNvSpPr>
+            <a:spLocks noGrp="1"/>
+          </p:cNvSpPr>
+          <p:nvPr>
+            <p:ph type="body" idx="1"/>
+          </p:nvPr>
+        </p:nvSpPr>
+        <p:spPr/>
+        <p:txBody>
+          <a:bodyPr/>
+          <a:lstStyle/>
+          <a:p>
+            <a:endParaRPr lang="en-GB" dirty="0"/>
+          </a:p>
+        </p:txBody>
+      </p:sp>
+      <p:sp>
+        <p:nvSpPr>
+          <p:cNvPr id="4" name="Slide Number Placeholder 3"/>
+          <p:cNvSpPr>
+            <a:spLocks noGrp="1"/>
+          </p:cNvSpPr>
+          <p:nvPr>
+            <p:ph type="sldNum" sz="quarter" idx="10"/>
+          </p:nvPr>
+        </p:nvSpPr>
+        <p:spPr/>
+        <p:txBody>
+          <a:bodyPr/>
+          <a:lstStyle/>
+          <a:p>
+            <a:fld id="{79489300-499A-49F6-966F-835A77FC147A}" type="slidenum">
+              <a:rPr lang="en-GB" smtClean="0"/>
+              <a:t>52</a:t>
+            </a:fld>
+            <a:endParaRPr lang="en-GB"/>
+          </a:p>
+        </p:txBody>
+      </p:sp>
+    </p:spTree>
+    <p:extLst>
+      <p:ext uri="{BB962C8B-B14F-4D97-AF65-F5344CB8AC3E}">
+        <p14:creationId xmlns:p14="http://schemas.microsoft.com/office/powerpoint/2010/main" val="2198179070"/>
       </p:ext>
     </p:extLst>
   </p:cSld>
@@ -5331,59 +5486,67 @@
           <a:bodyPr/>
           <a:lstStyle/>
           <a:p>
-            <a:r>
-              <a:rPr lang="en-GB" dirty="0"/>
-              <a:t>Demo asserts for them.</a:t>
-            </a:r>
-            <a:r>
-              <a:rPr lang="en-GB" baseline="0" dirty="0"/>
-              <a:t>  </a:t>
-            </a:r>
-            <a:r>
-              <a:rPr lang="en-GB" baseline="0" dirty="0" err="1"/>
-              <a:t>Assert.True</a:t>
-            </a:r>
-            <a:r>
-              <a:rPr lang="en-GB" baseline="0" dirty="0"/>
-              <a:t>, False, Equals(expected, actual) should be enough</a:t>
-            </a:r>
-          </a:p>
-          <a:p>
-            <a:endParaRPr lang="en-GB" baseline="0" dirty="0"/>
-          </a:p>
-          <a:p>
-            <a:r>
-              <a:rPr lang="en-GB" baseline="0" dirty="0"/>
-              <a:t>Demonstrate running the </a:t>
-            </a:r>
-            <a:r>
-              <a:rPr lang="en-GB" baseline="0" dirty="0" err="1"/>
-              <a:t>Koans</a:t>
-            </a:r>
-            <a:r>
-              <a:rPr lang="en-GB" baseline="0" dirty="0"/>
-              <a:t> project, and 	</a:t>
-            </a:r>
-          </a:p>
-          <a:p>
-            <a:pPr marL="171450" indent="-171450">
+            <a:pPr marL="0" indent="0">
+              <a:buFont typeface="Arial" panose="020B0604020202020204" pitchFamily="34" charset="0"/>
+              <a:buNone/>
+            </a:pPr>
+            <a:r>
+              <a:rPr lang="en-GB" sz="1200" dirty="0"/>
+              <a:t>In</a:t>
+            </a:r>
+            <a:r>
+              <a:rPr lang="en-GB" sz="1200" baseline="0" dirty="0"/>
+              <a:t> code, demonstrate</a:t>
+            </a:r>
+            <a:endParaRPr lang="en-GB" sz="1200" dirty="0"/>
+          </a:p>
+          <a:p>
+            <a:pPr marL="285750" indent="-285750">
               <a:buFont typeface="Arial" panose="020B0604020202020204" pitchFamily="34" charset="0"/>
               <a:buChar char="•"/>
             </a:pPr>
             <a:r>
-              <a:rPr lang="en-GB" baseline="0" dirty="0"/>
-              <a:t>Finding the offending line of code</a:t>
-            </a:r>
-          </a:p>
-          <a:p>
-            <a:pPr marL="171450" indent="-171450">
+              <a:rPr lang="en-GB" sz="1200" dirty="0"/>
+              <a:t>You can access the something in the bucket in your code by using the variable name</a:t>
+            </a:r>
+          </a:p>
+          <a:p>
+            <a:pPr marL="285750" indent="-285750">
               <a:buFont typeface="Arial" panose="020B0604020202020204" pitchFamily="34" charset="0"/>
               <a:buChar char="•"/>
             </a:pPr>
             <a:r>
-              <a:rPr lang="en-GB" baseline="0" dirty="0"/>
-              <a:t>fixing the first 2 exceptions</a:t>
-            </a:r>
+              <a:rPr lang="en-GB" sz="1200" dirty="0"/>
+              <a:t>You can replace the something in your bucket, with another something (of the same type, of course)</a:t>
+            </a:r>
+          </a:p>
+          <a:p>
+            <a:pPr marL="285750" indent="-285750">
+              <a:buFont typeface="Arial" panose="020B0604020202020204" pitchFamily="34" charset="0"/>
+              <a:buChar char="•"/>
+            </a:pPr>
+            <a:r>
+              <a:rPr lang="en-GB" sz="1200" dirty="0"/>
+              <a:t>Cover the assignment</a:t>
+            </a:r>
+            <a:r>
+              <a:rPr lang="en-GB" sz="1200" baseline="0" dirty="0"/>
+              <a:t> operator</a:t>
+            </a:r>
+          </a:p>
+          <a:p>
+            <a:pPr marL="285750" indent="-285750">
+              <a:buFont typeface="Arial" panose="020B0604020202020204" pitchFamily="34" charset="0"/>
+              <a:buChar char="•"/>
+            </a:pPr>
+            <a:endParaRPr lang="en-GB" sz="1200" baseline="0" dirty="0"/>
+          </a:p>
+          <a:p>
+            <a:pPr marL="285750" indent="-285750">
+              <a:buFont typeface="Arial" panose="020B0604020202020204" pitchFamily="34" charset="0"/>
+              <a:buChar char="•"/>
+            </a:pPr>
+            <a:endParaRPr lang="en-GB" sz="1200" dirty="0"/>
           </a:p>
           <a:p>
             <a:endParaRPr lang="en-GB" dirty="0"/>
@@ -5407,7 +5570,7 @@
           <a:p>
             <a:fld id="{79489300-499A-49F6-966F-835A77FC147A}" type="slidenum">
               <a:rPr lang="en-GB" smtClean="0"/>
-              <a:t>6</a:t>
+              <a:t>5</a:t>
             </a:fld>
             <a:endParaRPr lang="en-GB"/>
           </a:p>
@@ -5416,7 +5579,7 @@
     </p:spTree>
     <p:extLst>
       <p:ext uri="{BB962C8B-B14F-4D97-AF65-F5344CB8AC3E}">
-        <p14:creationId xmlns:p14="http://schemas.microsoft.com/office/powerpoint/2010/main" val="4021822732"/>
+        <p14:creationId xmlns:p14="http://schemas.microsoft.com/office/powerpoint/2010/main" val="3102745768"/>
       </p:ext>
     </p:extLst>
   </p:cSld>
@@ -5472,11 +5635,19 @@
           <a:p>
             <a:r>
               <a:rPr lang="en-GB" dirty="0"/>
-              <a:t>Mention the ones in brackets (are similar but have different ranges due to storage</a:t>
+              <a:t>Demo asserts for them.</a:t>
             </a:r>
             <a:r>
               <a:rPr lang="en-GB" baseline="0" dirty="0"/>
-              <a:t> size)</a:t>
+              <a:t>  </a:t>
+            </a:r>
+            <a:r>
+              <a:rPr lang="en-GB" baseline="0" dirty="0" err="1"/>
+              <a:t>Assert.True</a:t>
+            </a:r>
+            <a:r>
+              <a:rPr lang="en-GB" baseline="0" dirty="0"/>
+              <a:t>, False, Equals(expected, actual) should be enough</a:t>
             </a:r>
           </a:p>
           <a:p>
@@ -5485,22 +5656,38 @@
           <a:p>
             <a:r>
               <a:rPr lang="en-GB" baseline="0" dirty="0"/>
-              <a:t>Go through the operators – specifically mod, logical, and string </a:t>
+              <a:t>Demonstrate running the </a:t>
             </a:r>
             <a:r>
               <a:rPr lang="en-GB" baseline="0" dirty="0" err="1"/>
-              <a:t>concat</a:t>
-            </a:r>
-            <a:endParaRPr lang="en-GB" baseline="0" dirty="0"/>
-          </a:p>
-          <a:p>
-            <a:endParaRPr lang="en-GB" baseline="0" dirty="0"/>
-          </a:p>
-          <a:p>
+              <a:t>Koans</a:t>
+            </a:r>
             <a:r>
               <a:rPr lang="en-GB" baseline="0" dirty="0"/>
-              <a:t>Mention the suffixes in the literals</a:t>
-            </a:r>
+              <a:t> project, and 	</a:t>
+            </a:r>
+          </a:p>
+          <a:p>
+            <a:pPr marL="171450" indent="-171450">
+              <a:buFont typeface="Arial" panose="020B0604020202020204" pitchFamily="34" charset="0"/>
+              <a:buChar char="•"/>
+            </a:pPr>
+            <a:r>
+              <a:rPr lang="en-GB" baseline="0" dirty="0"/>
+              <a:t>Finding the offending line of code</a:t>
+            </a:r>
+          </a:p>
+          <a:p>
+            <a:pPr marL="171450" indent="-171450">
+              <a:buFont typeface="Arial" panose="020B0604020202020204" pitchFamily="34" charset="0"/>
+              <a:buChar char="•"/>
+            </a:pPr>
+            <a:r>
+              <a:rPr lang="en-GB" baseline="0" dirty="0"/>
+              <a:t>fixing the first 2 exceptions</a:t>
+            </a:r>
+          </a:p>
+          <a:p>
             <a:endParaRPr lang="en-GB" dirty="0"/>
           </a:p>
         </p:txBody>
@@ -5522,7 +5709,7 @@
           <a:p>
             <a:fld id="{79489300-499A-49F6-966F-835A77FC147A}" type="slidenum">
               <a:rPr lang="en-GB" smtClean="0"/>
-              <a:t>9</a:t>
+              <a:t>6</a:t>
             </a:fld>
             <a:endParaRPr lang="en-GB"/>
           </a:p>
@@ -5531,7 +5718,7 @@
     </p:spTree>
     <p:extLst>
       <p:ext uri="{BB962C8B-B14F-4D97-AF65-F5344CB8AC3E}">
-        <p14:creationId xmlns:p14="http://schemas.microsoft.com/office/powerpoint/2010/main" val="3017788204"/>
+        <p14:creationId xmlns:p14="http://schemas.microsoft.com/office/powerpoint/2010/main" val="4021822732"/>
       </p:ext>
     </p:extLst>
   </p:cSld>
@@ -5587,8 +5774,36 @@
           <a:p>
             <a:r>
               <a:rPr lang="en-GB" dirty="0"/>
-              <a:t>Go through the code, asking them what will happen with each line</a:t>
-            </a:r>
+              <a:t>Mention the ones in brackets (are similar but have different ranges due to storage</a:t>
+            </a:r>
+            <a:r>
+              <a:rPr lang="en-GB" baseline="0" dirty="0"/>
+              <a:t> size)</a:t>
+            </a:r>
+          </a:p>
+          <a:p>
+            <a:endParaRPr lang="en-GB" baseline="0" dirty="0"/>
+          </a:p>
+          <a:p>
+            <a:r>
+              <a:rPr lang="en-GB" baseline="0" dirty="0"/>
+              <a:t>Go through the operators – specifically mod, logical, and string </a:t>
+            </a:r>
+            <a:r>
+              <a:rPr lang="en-GB" baseline="0" dirty="0" err="1"/>
+              <a:t>concat</a:t>
+            </a:r>
+            <a:endParaRPr lang="en-GB" baseline="0" dirty="0"/>
+          </a:p>
+          <a:p>
+            <a:endParaRPr lang="en-GB" baseline="0" dirty="0"/>
+          </a:p>
+          <a:p>
+            <a:r>
+              <a:rPr lang="en-GB" baseline="0" dirty="0"/>
+              <a:t>Mention the suffixes in the literals</a:t>
+            </a:r>
+            <a:endParaRPr lang="en-GB" dirty="0"/>
           </a:p>
         </p:txBody>
       </p:sp>
@@ -5609,7 +5824,7 @@
           <a:p>
             <a:fld id="{79489300-499A-49F6-966F-835A77FC147A}" type="slidenum">
               <a:rPr lang="en-GB" smtClean="0"/>
-              <a:t>11</a:t>
+              <a:t>9</a:t>
             </a:fld>
             <a:endParaRPr lang="en-GB"/>
           </a:p>
@@ -5618,7 +5833,7 @@
     </p:spTree>
     <p:extLst>
       <p:ext uri="{BB962C8B-B14F-4D97-AF65-F5344CB8AC3E}">
-        <p14:creationId xmlns:p14="http://schemas.microsoft.com/office/powerpoint/2010/main" val="2389531432"/>
+        <p14:creationId xmlns:p14="http://schemas.microsoft.com/office/powerpoint/2010/main" val="3017788204"/>
       </p:ext>
     </p:extLst>
   </p:cSld>
@@ -5672,7 +5887,10 @@
           <a:bodyPr/>
           <a:lstStyle/>
           <a:p>
-            <a:endParaRPr lang="en-GB" dirty="0"/>
+            <a:r>
+              <a:rPr lang="en-GB" dirty="0"/>
+              <a:t>Go through the code, asking them what will happen with each line</a:t>
+            </a:r>
           </a:p>
         </p:txBody>
       </p:sp>
@@ -5693,7 +5911,7 @@
           <a:p>
             <a:fld id="{79489300-499A-49F6-966F-835A77FC147A}" type="slidenum">
               <a:rPr lang="en-GB" smtClean="0"/>
-              <a:t>12</a:t>
+              <a:t>11</a:t>
             </a:fld>
             <a:endParaRPr lang="en-GB"/>
           </a:p>
@@ -5702,7 +5920,7 @@
     </p:spTree>
     <p:extLst>
       <p:ext uri="{BB962C8B-B14F-4D97-AF65-F5344CB8AC3E}">
-        <p14:creationId xmlns:p14="http://schemas.microsoft.com/office/powerpoint/2010/main" val="876087185"/>
+        <p14:creationId xmlns:p14="http://schemas.microsoft.com/office/powerpoint/2010/main" val="2389531432"/>
       </p:ext>
     </p:extLst>
   </p:cSld>
@@ -5756,14 +5974,6 @@
           <a:bodyPr/>
           <a:lstStyle/>
           <a:p>
-            <a:r>
-              <a:rPr lang="en-GB" dirty="0"/>
-              <a:t>Point</a:t>
-            </a:r>
-            <a:r>
-              <a:rPr lang="en-GB" baseline="0" dirty="0"/>
-              <a:t> out that the little buckets have the names, and just a pointer to where the actual data is (in the bigger bucket!)</a:t>
-            </a:r>
             <a:endParaRPr lang="en-GB" dirty="0"/>
           </a:p>
         </p:txBody>
@@ -5785,7 +5995,7 @@
           <a:p>
             <a:fld id="{79489300-499A-49F6-966F-835A77FC147A}" type="slidenum">
               <a:rPr lang="en-GB" smtClean="0"/>
-              <a:t>13</a:t>
+              <a:t>12</a:t>
             </a:fld>
             <a:endParaRPr lang="en-GB"/>
           </a:p>
@@ -5794,7 +6004,7 @@
     </p:spTree>
     <p:extLst>
       <p:ext uri="{BB962C8B-B14F-4D97-AF65-F5344CB8AC3E}">
-        <p14:creationId xmlns:p14="http://schemas.microsoft.com/office/powerpoint/2010/main" val="2704751120"/>
+        <p14:creationId xmlns:p14="http://schemas.microsoft.com/office/powerpoint/2010/main" val="876087185"/>
       </p:ext>
     </p:extLst>
   </p:cSld>
@@ -5850,22 +6060,12 @@
           <a:p>
             <a:r>
               <a:rPr lang="en-GB" dirty="0"/>
-              <a:t>Demo asserts for them.</a:t>
+              <a:t>Point</a:t>
             </a:r>
             <a:r>
               <a:rPr lang="en-GB" baseline="0" dirty="0"/>
-              <a:t>  </a:t>
-            </a:r>
-            <a:r>
-              <a:rPr lang="en-GB" baseline="0" dirty="0" err="1"/>
-              <a:t>Assert.True</a:t>
-            </a:r>
-            <a:r>
-              <a:rPr lang="en-GB" baseline="0" dirty="0"/>
-              <a:t>, False, Equals(expected, actual) should be enough</a:t>
-            </a:r>
-          </a:p>
-          <a:p>
+              <a:t> out that the little buckets have the names, and just a pointer to where the actual data is (in the bigger bucket!)</a:t>
+            </a:r>
             <a:endParaRPr lang="en-GB" dirty="0"/>
           </a:p>
         </p:txBody>
@@ -5887,7 +6087,7 @@
           <a:p>
             <a:fld id="{79489300-499A-49F6-966F-835A77FC147A}" type="slidenum">
               <a:rPr lang="en-GB" smtClean="0"/>
-              <a:t>14</a:t>
+              <a:t>13</a:t>
             </a:fld>
             <a:endParaRPr lang="en-GB"/>
           </a:p>
@@ -5896,7 +6096,7 @@
     </p:spTree>
     <p:extLst>
       <p:ext uri="{BB962C8B-B14F-4D97-AF65-F5344CB8AC3E}">
-        <p14:creationId xmlns:p14="http://schemas.microsoft.com/office/powerpoint/2010/main" val="2759705197"/>
+        <p14:creationId xmlns:p14="http://schemas.microsoft.com/office/powerpoint/2010/main" val="2704751120"/>
       </p:ext>
     </p:extLst>
   </p:cSld>
@@ -6037,7 +6237,7 @@
           <a:p>
             <a:fld id="{3FB695E5-DB04-4292-AF18-1C1CC3CB7FCB}" type="datetimeFigureOut">
               <a:rPr lang="en-GB" smtClean="0"/>
-              <a:t>04/12/2018</a:t>
+              <a:t>05/12/2018</a:t>
             </a:fld>
             <a:endParaRPr lang="en-GB"/>
           </a:p>
@@ -6207,7 +6407,7 @@
           <a:p>
             <a:fld id="{3FB695E5-DB04-4292-AF18-1C1CC3CB7FCB}" type="datetimeFigureOut">
               <a:rPr lang="en-GB" smtClean="0"/>
-              <a:t>04/12/2018</a:t>
+              <a:t>05/12/2018</a:t>
             </a:fld>
             <a:endParaRPr lang="en-GB"/>
           </a:p>
@@ -6387,7 +6587,7 @@
           <a:p>
             <a:fld id="{3FB695E5-DB04-4292-AF18-1C1CC3CB7FCB}" type="datetimeFigureOut">
               <a:rPr lang="en-GB" smtClean="0"/>
-              <a:t>04/12/2018</a:t>
+              <a:t>05/12/2018</a:t>
             </a:fld>
             <a:endParaRPr lang="en-GB"/>
           </a:p>
@@ -7349,7 +7549,7 @@
           <a:p>
             <a:fld id="{3FB695E5-DB04-4292-AF18-1C1CC3CB7FCB}" type="datetimeFigureOut">
               <a:rPr lang="en-GB" smtClean="0"/>
-              <a:t>04/12/2018</a:t>
+              <a:t>05/12/2018</a:t>
             </a:fld>
             <a:endParaRPr lang="en-GB"/>
           </a:p>
@@ -7595,7 +7795,7 @@
           <a:p>
             <a:fld id="{3FB695E5-DB04-4292-AF18-1C1CC3CB7FCB}" type="datetimeFigureOut">
               <a:rPr lang="en-GB" smtClean="0"/>
-              <a:t>04/12/2018</a:t>
+              <a:t>05/12/2018</a:t>
             </a:fld>
             <a:endParaRPr lang="en-GB"/>
           </a:p>
@@ -7827,7 +8027,7 @@
           <a:p>
             <a:fld id="{3FB695E5-DB04-4292-AF18-1C1CC3CB7FCB}" type="datetimeFigureOut">
               <a:rPr lang="en-GB" smtClean="0"/>
-              <a:t>04/12/2018</a:t>
+              <a:t>05/12/2018</a:t>
             </a:fld>
             <a:endParaRPr lang="en-GB"/>
           </a:p>
@@ -8194,7 +8394,7 @@
           <a:p>
             <a:fld id="{3FB695E5-DB04-4292-AF18-1C1CC3CB7FCB}" type="datetimeFigureOut">
               <a:rPr lang="en-GB" smtClean="0"/>
-              <a:t>04/12/2018</a:t>
+              <a:t>05/12/2018</a:t>
             </a:fld>
             <a:endParaRPr lang="en-GB"/>
           </a:p>
@@ -8312,7 +8512,7 @@
           <a:p>
             <a:fld id="{3FB695E5-DB04-4292-AF18-1C1CC3CB7FCB}" type="datetimeFigureOut">
               <a:rPr lang="en-GB" smtClean="0"/>
-              <a:t>04/12/2018</a:t>
+              <a:t>05/12/2018</a:t>
             </a:fld>
             <a:endParaRPr lang="en-GB"/>
           </a:p>
@@ -8407,7 +8607,7 @@
           <a:p>
             <a:fld id="{3FB695E5-DB04-4292-AF18-1C1CC3CB7FCB}" type="datetimeFigureOut">
               <a:rPr lang="en-GB" smtClean="0"/>
-              <a:t>04/12/2018</a:t>
+              <a:t>05/12/2018</a:t>
             </a:fld>
             <a:endParaRPr lang="en-GB"/>
           </a:p>
@@ -8684,7 +8884,7 @@
           <a:p>
             <a:fld id="{3FB695E5-DB04-4292-AF18-1C1CC3CB7FCB}" type="datetimeFigureOut">
               <a:rPr lang="en-GB" smtClean="0"/>
-              <a:t>04/12/2018</a:t>
+              <a:t>05/12/2018</a:t>
             </a:fld>
             <a:endParaRPr lang="en-GB"/>
           </a:p>
@@ -8937,7 +9137,7 @@
           <a:p>
             <a:fld id="{3FB695E5-DB04-4292-AF18-1C1CC3CB7FCB}" type="datetimeFigureOut">
               <a:rPr lang="en-GB" smtClean="0"/>
-              <a:t>04/12/2018</a:t>
+              <a:t>05/12/2018</a:t>
             </a:fld>
             <a:endParaRPr lang="en-GB"/>
           </a:p>
@@ -9150,7 +9350,7 @@
           <a:p>
             <a:fld id="{3FB695E5-DB04-4292-AF18-1C1CC3CB7FCB}" type="datetimeFigureOut">
               <a:rPr lang="en-GB" smtClean="0"/>
-              <a:t>04/12/2018</a:t>
+              <a:t>05/12/2018</a:t>
             </a:fld>
             <a:endParaRPr lang="en-GB"/>
           </a:p>
@@ -32009,115 +32209,6 @@
                   <a:schemeClr val="bg1"/>
                 </a:solidFill>
               </a:rPr>
-              <a:t>Enums</a:t>
-            </a:r>
-            <a:r>
-              <a:rPr lang="en-GB" sz="7200" b="1" spc="600" dirty="0">
-                <a:solidFill>
-                  <a:schemeClr val="bg1"/>
-                </a:solidFill>
-              </a:rPr>
-              <a:t> and Flags</a:t>
-            </a:r>
-          </a:p>
-        </p:txBody>
-      </p:sp>
-      <p:sp>
-        <p:nvSpPr>
-          <p:cNvPr id="3" name="Subtitle 2"/>
-          <p:cNvSpPr>
-            <a:spLocks noGrp="1"/>
-          </p:cNvSpPr>
-          <p:nvPr>
-            <p:ph type="subTitle" idx="1"/>
-          </p:nvPr>
-        </p:nvSpPr>
-        <p:spPr>
-          <a:xfrm>
-            <a:off x="1790700" y="3690938"/>
-            <a:ext cx="9144000" cy="2762616"/>
-          </a:xfrm>
-        </p:spPr>
-        <p:txBody>
-          <a:bodyPr>
-            <a:normAutofit/>
-          </a:bodyPr>
-          <a:lstStyle/>
-          <a:p>
-            <a:endParaRPr lang="en-GB" dirty="0">
-              <a:solidFill>
-                <a:schemeClr val="bg1"/>
-              </a:solidFill>
-            </a:endParaRPr>
-          </a:p>
-        </p:txBody>
-      </p:sp>
-    </p:spTree>
-    <p:extLst>
-      <p:ext uri="{BB962C8B-B14F-4D97-AF65-F5344CB8AC3E}">
-        <p14:creationId xmlns:p14="http://schemas.microsoft.com/office/powerpoint/2010/main" val="1334191865"/>
-      </p:ext>
-    </p:extLst>
-  </p:cSld>
-  <p:clrMapOvr>
-    <a:masterClrMapping/>
-  </p:clrMapOvr>
-</p:sld>
-</file>
-
-<file path=ppt/slides/slide48.xml><?xml version="1.0" encoding="utf-8"?>
-<p:sld xmlns:a="http://schemas.openxmlformats.org/drawingml/2006/main" xmlns:r="http://schemas.openxmlformats.org/officeDocument/2006/relationships" xmlns:p="http://schemas.openxmlformats.org/presentationml/2006/main">
-  <p:cSld>
-    <p:bg>
-      <p:bgPr>
-        <a:solidFill>
-          <a:schemeClr val="tx1"/>
-        </a:solidFill>
-        <a:effectLst/>
-      </p:bgPr>
-    </p:bg>
-    <p:spTree>
-      <p:nvGrpSpPr>
-        <p:cNvPr id="1" name=""/>
-        <p:cNvGrpSpPr/>
-        <p:nvPr/>
-      </p:nvGrpSpPr>
-      <p:grpSpPr>
-        <a:xfrm>
-          <a:off x="0" y="0"/>
-          <a:ext cx="0" cy="0"/>
-          <a:chOff x="0" y="0"/>
-          <a:chExt cx="0" cy="0"/>
-        </a:xfrm>
-      </p:grpSpPr>
-      <p:sp>
-        <p:nvSpPr>
-          <p:cNvPr id="2" name="Title 1"/>
-          <p:cNvSpPr>
-            <a:spLocks noGrp="1"/>
-          </p:cNvSpPr>
-          <p:nvPr>
-            <p:ph type="ctrTitle"/>
-          </p:nvPr>
-        </p:nvSpPr>
-        <p:spPr>
-          <a:xfrm>
-            <a:off x="1790700" y="1303338"/>
-            <a:ext cx="9144000" cy="2387600"/>
-          </a:xfrm>
-        </p:spPr>
-        <p:txBody>
-          <a:bodyPr>
-            <a:normAutofit/>
-          </a:bodyPr>
-          <a:lstStyle/>
-          <a:p>
-            <a:r>
-              <a:rPr lang="en-GB" sz="7200" b="1" spc="600" dirty="0" err="1">
-                <a:solidFill>
-                  <a:schemeClr val="bg1"/>
-                </a:solidFill>
-              </a:rPr>
               <a:t>Extention</a:t>
             </a:r>
             <a:r>
@@ -32163,6 +32254,326 @@
     <p:extLst>
       <p:ext uri="{BB962C8B-B14F-4D97-AF65-F5344CB8AC3E}">
         <p14:creationId xmlns:p14="http://schemas.microsoft.com/office/powerpoint/2010/main" val="2891822909"/>
+      </p:ext>
+    </p:extLst>
+  </p:cSld>
+  <p:clrMapOvr>
+    <a:masterClrMapping/>
+  </p:clrMapOvr>
+</p:sld>
+</file>
+
+<file path=ppt/slides/slide48.xml><?xml version="1.0" encoding="utf-8"?>
+<p:sld xmlns:a="http://schemas.openxmlformats.org/drawingml/2006/main" xmlns:r="http://schemas.openxmlformats.org/officeDocument/2006/relationships" xmlns:p="http://schemas.openxmlformats.org/presentationml/2006/main" showMasterSp="0">
+  <p:cSld>
+    <p:bg>
+      <p:bgPr>
+        <a:solidFill>
+          <a:srgbClr val="F97280"/>
+        </a:solidFill>
+        <a:effectLst/>
+      </p:bgPr>
+    </p:bg>
+    <p:spTree>
+      <p:nvGrpSpPr>
+        <p:cNvPr id="1" name=""/>
+        <p:cNvGrpSpPr/>
+        <p:nvPr/>
+      </p:nvGrpSpPr>
+      <p:grpSpPr>
+        <a:xfrm>
+          <a:off x="0" y="0"/>
+          <a:ext cx="0" cy="0"/>
+          <a:chOff x="0" y="0"/>
+          <a:chExt cx="0" cy="0"/>
+        </a:xfrm>
+      </p:grpSpPr>
+      <p:sp>
+        <p:nvSpPr>
+          <p:cNvPr id="5" name="Text Placeholder 4"/>
+          <p:cNvSpPr txBox="1">
+            <a:spLocks/>
+          </p:cNvSpPr>
+          <p:nvPr/>
+        </p:nvSpPr>
+        <p:spPr>
+          <a:xfrm>
+            <a:off x="2498501" y="3064630"/>
+            <a:ext cx="7173533" cy="1146762"/>
+          </a:xfrm>
+          <a:prstGeom prst="rect">
+            <a:avLst/>
+          </a:prstGeom>
+        </p:spPr>
+        <p:txBody>
+          <a:bodyPr vert="horz" wrap="square" lIns="91440" tIns="45720" rIns="91440" bIns="45720" rtlCol="0" anchor="t">
+            <a:noAutofit/>
+          </a:bodyPr>
+          <a:lstStyle>
+            <a:lvl1pPr marL="0" indent="0" algn="l" defTabSz="914400" rtl="0" eaLnBrk="1" latinLnBrk="0" hangingPunct="1">
+              <a:lnSpc>
+                <a:spcPct val="90000"/>
+              </a:lnSpc>
+              <a:spcBef>
+                <a:spcPts val="1000"/>
+              </a:spcBef>
+              <a:buFont typeface="Arial"/>
+              <a:buNone/>
+              <a:defRPr sz="2000" b="1" i="0" kern="1200" spc="300">
+                <a:solidFill>
+                  <a:schemeClr val="bg1"/>
+                </a:solidFill>
+                <a:latin typeface="Futura PT Heavy" charset="0"/>
+                <a:ea typeface="Futura PT Heavy" charset="0"/>
+                <a:cs typeface="Futura PT Heavy" charset="0"/>
+              </a:defRPr>
+            </a:lvl1pPr>
+            <a:lvl2pPr marL="457200" indent="0" algn="l" defTabSz="914400" rtl="0" eaLnBrk="1" latinLnBrk="0" hangingPunct="1">
+              <a:lnSpc>
+                <a:spcPct val="90000"/>
+              </a:lnSpc>
+              <a:spcBef>
+                <a:spcPts val="500"/>
+              </a:spcBef>
+              <a:buFont typeface="Arial"/>
+              <a:buNone/>
+              <a:defRPr sz="2000" b="0" i="0" kern="1200">
+                <a:solidFill>
+                  <a:schemeClr val="tx1">
+                    <a:tint val="75000"/>
+                  </a:schemeClr>
+                </a:solidFill>
+                <a:latin typeface="Futura PT Medium" charset="0"/>
+                <a:ea typeface="Futura PT Medium" charset="0"/>
+                <a:cs typeface="Futura PT Medium" charset="0"/>
+              </a:defRPr>
+            </a:lvl2pPr>
+            <a:lvl3pPr marL="914400" indent="0" algn="l" defTabSz="914400" rtl="0" eaLnBrk="1" latinLnBrk="0" hangingPunct="1">
+              <a:lnSpc>
+                <a:spcPct val="90000"/>
+              </a:lnSpc>
+              <a:spcBef>
+                <a:spcPts val="500"/>
+              </a:spcBef>
+              <a:buFont typeface="Arial"/>
+              <a:buNone/>
+              <a:defRPr sz="1800" b="0" i="0" kern="1200">
+                <a:solidFill>
+                  <a:schemeClr val="tx1">
+                    <a:tint val="75000"/>
+                  </a:schemeClr>
+                </a:solidFill>
+                <a:latin typeface="Futura PT Medium" charset="0"/>
+                <a:ea typeface="Futura PT Medium" charset="0"/>
+                <a:cs typeface="Futura PT Medium" charset="0"/>
+              </a:defRPr>
+            </a:lvl3pPr>
+            <a:lvl4pPr marL="1371600" indent="0" algn="l" defTabSz="914400" rtl="0" eaLnBrk="1" latinLnBrk="0" hangingPunct="1">
+              <a:lnSpc>
+                <a:spcPct val="90000"/>
+              </a:lnSpc>
+              <a:spcBef>
+                <a:spcPts val="500"/>
+              </a:spcBef>
+              <a:buFont typeface="Arial"/>
+              <a:buNone/>
+              <a:defRPr sz="1600" b="0" i="0" kern="1200">
+                <a:solidFill>
+                  <a:schemeClr val="tx1">
+                    <a:tint val="75000"/>
+                  </a:schemeClr>
+                </a:solidFill>
+                <a:latin typeface="Futura PT Medium" charset="0"/>
+                <a:ea typeface="Futura PT Medium" charset="0"/>
+                <a:cs typeface="Futura PT Medium" charset="0"/>
+              </a:defRPr>
+            </a:lvl4pPr>
+            <a:lvl5pPr marL="1828800" indent="0" algn="l" defTabSz="914400" rtl="0" eaLnBrk="1" latinLnBrk="0" hangingPunct="1">
+              <a:lnSpc>
+                <a:spcPct val="90000"/>
+              </a:lnSpc>
+              <a:spcBef>
+                <a:spcPts val="500"/>
+              </a:spcBef>
+              <a:buFont typeface="Arial"/>
+              <a:buNone/>
+              <a:defRPr sz="1600" b="0" i="0" kern="1200">
+                <a:solidFill>
+                  <a:schemeClr val="tx1">
+                    <a:tint val="75000"/>
+                  </a:schemeClr>
+                </a:solidFill>
+                <a:latin typeface="Futura PT Medium" charset="0"/>
+                <a:ea typeface="Futura PT Medium" charset="0"/>
+                <a:cs typeface="Futura PT Medium" charset="0"/>
+              </a:defRPr>
+            </a:lvl5pPr>
+            <a:lvl6pPr marL="2286000" indent="0" algn="l" defTabSz="914400" rtl="0" eaLnBrk="1" latinLnBrk="0" hangingPunct="1">
+              <a:lnSpc>
+                <a:spcPct val="90000"/>
+              </a:lnSpc>
+              <a:spcBef>
+                <a:spcPts val="500"/>
+              </a:spcBef>
+              <a:buFont typeface="Arial"/>
+              <a:buNone/>
+              <a:defRPr sz="1600" kern="1200">
+                <a:solidFill>
+                  <a:schemeClr val="tx1">
+                    <a:tint val="75000"/>
+                  </a:schemeClr>
+                </a:solidFill>
+                <a:latin typeface="+mn-lt"/>
+                <a:ea typeface="+mn-ea"/>
+                <a:cs typeface="+mn-cs"/>
+              </a:defRPr>
+            </a:lvl6pPr>
+            <a:lvl7pPr marL="2743200" indent="0" algn="l" defTabSz="914400" rtl="0" eaLnBrk="1" latinLnBrk="0" hangingPunct="1">
+              <a:lnSpc>
+                <a:spcPct val="90000"/>
+              </a:lnSpc>
+              <a:spcBef>
+                <a:spcPts val="500"/>
+              </a:spcBef>
+              <a:buFont typeface="Arial"/>
+              <a:buNone/>
+              <a:defRPr sz="1600" kern="1200">
+                <a:solidFill>
+                  <a:schemeClr val="tx1">
+                    <a:tint val="75000"/>
+                  </a:schemeClr>
+                </a:solidFill>
+                <a:latin typeface="+mn-lt"/>
+                <a:ea typeface="+mn-ea"/>
+                <a:cs typeface="+mn-cs"/>
+              </a:defRPr>
+            </a:lvl7pPr>
+            <a:lvl8pPr marL="3200400" indent="0" algn="l" defTabSz="914400" rtl="0" eaLnBrk="1" latinLnBrk="0" hangingPunct="1">
+              <a:lnSpc>
+                <a:spcPct val="90000"/>
+              </a:lnSpc>
+              <a:spcBef>
+                <a:spcPts val="500"/>
+              </a:spcBef>
+              <a:buFont typeface="Arial"/>
+              <a:buNone/>
+              <a:defRPr sz="1600" kern="1200">
+                <a:solidFill>
+                  <a:schemeClr val="tx1">
+                    <a:tint val="75000"/>
+                  </a:schemeClr>
+                </a:solidFill>
+                <a:latin typeface="+mn-lt"/>
+                <a:ea typeface="+mn-ea"/>
+                <a:cs typeface="+mn-cs"/>
+              </a:defRPr>
+            </a:lvl8pPr>
+            <a:lvl9pPr marL="3657600" indent="0" algn="l" defTabSz="914400" rtl="0" eaLnBrk="1" latinLnBrk="0" hangingPunct="1">
+              <a:lnSpc>
+                <a:spcPct val="90000"/>
+              </a:lnSpc>
+              <a:spcBef>
+                <a:spcPts val="500"/>
+              </a:spcBef>
+              <a:buFont typeface="Arial"/>
+              <a:buNone/>
+              <a:defRPr sz="1600" kern="1200">
+                <a:solidFill>
+                  <a:schemeClr val="tx1">
+                    <a:tint val="75000"/>
+                  </a:schemeClr>
+                </a:solidFill>
+                <a:latin typeface="+mn-lt"/>
+                <a:ea typeface="+mn-ea"/>
+                <a:cs typeface="+mn-cs"/>
+              </a:defRPr>
+            </a:lvl9pPr>
+          </a:lstStyle>
+          <a:p>
+            <a:pPr algn="ctr"/>
+            <a:r>
+              <a:rPr lang="en-US" dirty="0"/>
+              <a:t>Complete the following </a:t>
+            </a:r>
+            <a:r>
+              <a:rPr lang="en-US" dirty="0" err="1"/>
+              <a:t>Koans</a:t>
+            </a:r>
+            <a:r>
+              <a:rPr lang="en-US" dirty="0"/>
+              <a:t> </a:t>
+            </a:r>
+          </a:p>
+          <a:p>
+            <a:pPr algn="ctr"/>
+            <a:endParaRPr lang="en-US" dirty="0"/>
+          </a:p>
+          <a:p>
+            <a:pPr algn="ctr"/>
+            <a:r>
+              <a:rPr lang="en-US" dirty="0"/>
+              <a:t>About Methods</a:t>
+            </a:r>
+          </a:p>
+        </p:txBody>
+      </p:sp>
+      <p:sp>
+        <p:nvSpPr>
+          <p:cNvPr id="7" name="Title 3"/>
+          <p:cNvSpPr txBox="1">
+            <a:spLocks/>
+          </p:cNvSpPr>
+          <p:nvPr/>
+        </p:nvSpPr>
+        <p:spPr>
+          <a:xfrm>
+            <a:off x="3129566" y="1476044"/>
+            <a:ext cx="6220495" cy="1211408"/>
+          </a:xfrm>
+          <a:prstGeom prst="rect">
+            <a:avLst/>
+          </a:prstGeom>
+        </p:spPr>
+        <p:txBody>
+          <a:bodyPr vert="horz" wrap="square" lIns="91440" tIns="45720" rIns="91440" bIns="45720" rtlCol="0" anchor="t">
+            <a:noAutofit/>
+          </a:bodyPr>
+          <a:lstStyle>
+            <a:lvl1pPr algn="r" defTabSz="914400" rtl="0" eaLnBrk="1" latinLnBrk="0" hangingPunct="1">
+              <a:lnSpc>
+                <a:spcPct val="90000"/>
+              </a:lnSpc>
+              <a:spcBef>
+                <a:spcPct val="0"/>
+              </a:spcBef>
+              <a:buNone/>
+              <a:defRPr sz="4400" b="1" i="1" kern="1200">
+                <a:solidFill>
+                  <a:schemeClr val="bg1"/>
+                </a:solidFill>
+                <a:latin typeface="Futura PT ExtraBold Oblique" charset="0"/>
+                <a:ea typeface="Futura PT ExtraBold Oblique" charset="0"/>
+                <a:cs typeface="Futura PT ExtraBold Oblique" charset="0"/>
+              </a:defRPr>
+            </a:lvl1pPr>
+          </a:lstStyle>
+          <a:p>
+            <a:pPr algn="ctr"/>
+            <a:r>
+              <a:rPr lang="en-US" sz="7200" spc="600" dirty="0">
+                <a:latin typeface="+mj-lt"/>
+                <a:ea typeface="+mj-ea"/>
+                <a:cs typeface="+mj-cs"/>
+              </a:rPr>
+              <a:t>Over To You!</a:t>
+            </a:r>
+          </a:p>
+        </p:txBody>
+      </p:sp>
+    </p:spTree>
+    <p:extLst>
+      <p:ext uri="{BB962C8B-B14F-4D97-AF65-F5344CB8AC3E}">
+        <p14:creationId xmlns:p14="http://schemas.microsoft.com/office/powerpoint/2010/main" val="3879663776"/>
       </p:ext>
     </p:extLst>
   </p:cSld>
@@ -33002,8 +33413,13 @@
             <a:pPr algn="ctr"/>
             <a:r>
               <a:rPr lang="en-US" dirty="0"/>
-              <a:t>About Methods</a:t>
-            </a:r>
+              <a:t>About </a:t>
+            </a:r>
+            <a:r>
+              <a:rPr lang="en-US" dirty="0" err="1"/>
+              <a:t>Linq</a:t>
+            </a:r>
+            <a:endParaRPr lang="en-US" dirty="0"/>
           </a:p>
         </p:txBody>
       </p:sp>
@@ -33063,7 +33479,7 @@
     </p:spTree>
     <p:extLst>
       <p:ext uri="{BB962C8B-B14F-4D97-AF65-F5344CB8AC3E}">
-        <p14:creationId xmlns:p14="http://schemas.microsoft.com/office/powerpoint/2010/main" val="1571788875"/>
+        <p14:creationId xmlns:p14="http://schemas.microsoft.com/office/powerpoint/2010/main" val="3246755032"/>
       </p:ext>
     </p:extLst>
   </p:cSld>
@@ -33110,6 +33526,115 @@
         </p:nvSpPr>
         <p:spPr>
           <a:xfrm>
+            <a:off x="1790700" y="1303338"/>
+            <a:ext cx="9144000" cy="2387600"/>
+          </a:xfrm>
+        </p:spPr>
+        <p:txBody>
+          <a:bodyPr>
+            <a:normAutofit/>
+          </a:bodyPr>
+          <a:lstStyle/>
+          <a:p>
+            <a:r>
+              <a:rPr lang="en-GB" sz="7200" b="1" spc="600" dirty="0" err="1">
+                <a:solidFill>
+                  <a:schemeClr val="bg1"/>
+                </a:solidFill>
+              </a:rPr>
+              <a:t>Enums</a:t>
+            </a:r>
+            <a:r>
+              <a:rPr lang="en-GB" sz="7200" b="1" spc="600" dirty="0">
+                <a:solidFill>
+                  <a:schemeClr val="bg1"/>
+                </a:solidFill>
+              </a:rPr>
+              <a:t> and Flags</a:t>
+            </a:r>
+          </a:p>
+        </p:txBody>
+      </p:sp>
+      <p:sp>
+        <p:nvSpPr>
+          <p:cNvPr id="3" name="Subtitle 2"/>
+          <p:cNvSpPr>
+            <a:spLocks noGrp="1"/>
+          </p:cNvSpPr>
+          <p:nvPr>
+            <p:ph type="subTitle" idx="1"/>
+          </p:nvPr>
+        </p:nvSpPr>
+        <p:spPr>
+          <a:xfrm>
+            <a:off x="1790700" y="3690938"/>
+            <a:ext cx="9144000" cy="2762616"/>
+          </a:xfrm>
+        </p:spPr>
+        <p:txBody>
+          <a:bodyPr>
+            <a:normAutofit/>
+          </a:bodyPr>
+          <a:lstStyle/>
+          <a:p>
+            <a:endParaRPr lang="en-GB" dirty="0">
+              <a:solidFill>
+                <a:schemeClr val="bg1"/>
+              </a:solidFill>
+            </a:endParaRPr>
+          </a:p>
+        </p:txBody>
+      </p:sp>
+    </p:spTree>
+    <p:extLst>
+      <p:ext uri="{BB962C8B-B14F-4D97-AF65-F5344CB8AC3E}">
+        <p14:creationId xmlns:p14="http://schemas.microsoft.com/office/powerpoint/2010/main" val="1334191865"/>
+      </p:ext>
+    </p:extLst>
+  </p:cSld>
+  <p:clrMapOvr>
+    <a:masterClrMapping/>
+  </p:clrMapOvr>
+</p:sld>
+</file>
+
+<file path=ppt/slides/slide52.xml><?xml version="1.0" encoding="utf-8"?>
+<p:sld xmlns:a="http://schemas.openxmlformats.org/drawingml/2006/main" xmlns:r="http://schemas.openxmlformats.org/officeDocument/2006/relationships" xmlns:p="http://schemas.openxmlformats.org/presentationml/2006/main">
+  <p:cSld>
+    <p:bg>
+      <p:bgPr>
+        <a:solidFill>
+          <a:schemeClr val="tx1"/>
+        </a:solidFill>
+        <a:effectLst/>
+      </p:bgPr>
+    </p:bg>
+    <p:spTree>
+      <p:nvGrpSpPr>
+        <p:cNvPr id="1" name=""/>
+        <p:cNvGrpSpPr/>
+        <p:nvPr/>
+      </p:nvGrpSpPr>
+      <p:grpSpPr>
+        <a:xfrm>
+          <a:off x="0" y="0"/>
+          <a:ext cx="0" cy="0"/>
+          <a:chOff x="0" y="0"/>
+          <a:chExt cx="0" cy="0"/>
+        </a:xfrm>
+      </p:grpSpPr>
+      <p:sp>
+        <p:nvSpPr>
+          <p:cNvPr id="2" name="Title 1"/>
+          <p:cNvSpPr>
+            <a:spLocks noGrp="1"/>
+          </p:cNvSpPr>
+          <p:nvPr>
+            <p:ph type="ctrTitle"/>
+          </p:nvPr>
+        </p:nvSpPr>
+        <p:spPr>
+          <a:xfrm>
             <a:off x="1600200" y="1185863"/>
             <a:ext cx="9144000" cy="2387600"/>
           </a:xfrm>
@@ -33175,7 +33700,7 @@
 </p:sld>
 </file>
 
-<file path=ppt/slides/slide52.xml><?xml version="1.0" encoding="utf-8"?>
+<file path=ppt/slides/slide53.xml><?xml version="1.0" encoding="utf-8"?>
 <p:sld xmlns:a="http://schemas.openxmlformats.org/drawingml/2006/main" xmlns:r="http://schemas.openxmlformats.org/officeDocument/2006/relationships" xmlns:p="http://schemas.openxmlformats.org/presentationml/2006/main">
   <p:cSld>
     <p:spTree>
@@ -35443,56 +35968,6 @@
 </file>
 
 <file path=customXml/item1.xml><?xml version="1.0" encoding="utf-8"?>
-<?mso-contentType ?>
-<spe:Receivers xmlns:spe="http://schemas.microsoft.com/sharepoint/events">
-  <Receiver>
-    <Name>Document ID Generator</Name>
-    <Synchronization>Synchronous</Synchronization>
-    <Type>10001</Type>
-    <SequenceNumber>1000</SequenceNumber>
-    <Url/>
-    <Assembly>Microsoft.Office.DocumentManagement, Version=16.0.0.0, Culture=neutral, PublicKeyToken=71e9bce111e9429c</Assembly>
-    <Class>Microsoft.Office.DocumentManagement.Internal.DocIdHandler</Class>
-    <Data/>
-    <Filter/>
-  </Receiver>
-  <Receiver>
-    <Name>Document ID Generator</Name>
-    <Synchronization>Synchronous</Synchronization>
-    <Type>10002</Type>
-    <SequenceNumber>1001</SequenceNumber>
-    <Url/>
-    <Assembly>Microsoft.Office.DocumentManagement, Version=16.0.0.0, Culture=neutral, PublicKeyToken=71e9bce111e9429c</Assembly>
-    <Class>Microsoft.Office.DocumentManagement.Internal.DocIdHandler</Class>
-    <Data/>
-    <Filter/>
-  </Receiver>
-  <Receiver>
-    <Name>Document ID Generator</Name>
-    <Synchronization>Synchronous</Synchronization>
-    <Type>10004</Type>
-    <SequenceNumber>1002</SequenceNumber>
-    <Url/>
-    <Assembly>Microsoft.Office.DocumentManagement, Version=16.0.0.0, Culture=neutral, PublicKeyToken=71e9bce111e9429c</Assembly>
-    <Class>Microsoft.Office.DocumentManagement.Internal.DocIdHandler</Class>
-    <Data/>
-    <Filter/>
-  </Receiver>
-  <Receiver>
-    <Name>Document ID Generator</Name>
-    <Synchronization>Synchronous</Synchronization>
-    <Type>10006</Type>
-    <SequenceNumber>1003</SequenceNumber>
-    <Url/>
-    <Assembly>Microsoft.Office.DocumentManagement, Version=16.0.0.0, Culture=neutral, PublicKeyToken=71e9bce111e9429c</Assembly>
-    <Class>Microsoft.Office.DocumentManagement.Internal.DocIdHandler</Class>
-    <Data/>
-    <Filter/>
-  </Receiver>
-</spe:Receivers>
-</file>
-
-<file path=customXml/item2.xml><?xml version="1.0" encoding="utf-8"?>
 <ct:contentTypeSchema xmlns:ct="http://schemas.microsoft.com/office/2006/metadata/contentType" xmlns:ma="http://schemas.microsoft.com/office/2006/metadata/properties/metaAttributes" ct:_="" ma:_="" ma:contentTypeName="Document" ma:contentTypeID="0x01010007C3D00BAC497346A97D7DE1728AEF38" ma:contentTypeVersion="17" ma:contentTypeDescription="Create a new document." ma:contentTypeScope="" ma:versionID="ca1d8644e8e111c131159f23575dc86e">
   <xsd:schema xmlns:xsd="http://www.w3.org/2001/XMLSchema" xmlns:xs="http://www.w3.org/2001/XMLSchema" xmlns:p="http://schemas.microsoft.com/office/2006/metadata/properties" xmlns:ns2="b0e6edfc-c28e-4d2e-97b6-e63b8eaf0561" xmlns:ns3="e7bdd476-a8c9-44bf-b1a7-16436a72a35d" targetNamespace="http://schemas.microsoft.com/office/2006/metadata/properties" ma:root="true" ma:fieldsID="8679d5e4d23530014c785749ba3b7664" ns2:_="" ns3:_="">
     <xsd:import namespace="b0e6edfc-c28e-4d2e-97b6-e63b8eaf0561"/>
@@ -35700,16 +36175,57 @@
 </ct:contentTypeSchema>
 </file>
 
-<file path=customXml/item3.xml><?xml version="1.0" encoding="utf-8"?>
+<file path=customXml/item2.xml><?xml version="1.0" encoding="utf-8"?>
 <?mso-contentType ?>
-<FormTemplates xmlns="http://schemas.microsoft.com/sharepoint/v3/contenttype/forms">
-  <Display>DocumentLibraryForm</Display>
-  <Edit>DocumentLibraryForm</Edit>
-  <New>DocumentLibraryForm</New>
-</FormTemplates>
+<spe:Receivers xmlns:spe="http://schemas.microsoft.com/sharepoint/events">
+  <Receiver>
+    <Name>Document ID Generator</Name>
+    <Synchronization>Synchronous</Synchronization>
+    <Type>10001</Type>
+    <SequenceNumber>1000</SequenceNumber>
+    <Url/>
+    <Assembly>Microsoft.Office.DocumentManagement, Version=16.0.0.0, Culture=neutral, PublicKeyToken=71e9bce111e9429c</Assembly>
+    <Class>Microsoft.Office.DocumentManagement.Internal.DocIdHandler</Class>
+    <Data/>
+    <Filter/>
+  </Receiver>
+  <Receiver>
+    <Name>Document ID Generator</Name>
+    <Synchronization>Synchronous</Synchronization>
+    <Type>10002</Type>
+    <SequenceNumber>1001</SequenceNumber>
+    <Url/>
+    <Assembly>Microsoft.Office.DocumentManagement, Version=16.0.0.0, Culture=neutral, PublicKeyToken=71e9bce111e9429c</Assembly>
+    <Class>Microsoft.Office.DocumentManagement.Internal.DocIdHandler</Class>
+    <Data/>
+    <Filter/>
+  </Receiver>
+  <Receiver>
+    <Name>Document ID Generator</Name>
+    <Synchronization>Synchronous</Synchronization>
+    <Type>10004</Type>
+    <SequenceNumber>1002</SequenceNumber>
+    <Url/>
+    <Assembly>Microsoft.Office.DocumentManagement, Version=16.0.0.0, Culture=neutral, PublicKeyToken=71e9bce111e9429c</Assembly>
+    <Class>Microsoft.Office.DocumentManagement.Internal.DocIdHandler</Class>
+    <Data/>
+    <Filter/>
+  </Receiver>
+  <Receiver>
+    <Name>Document ID Generator</Name>
+    <Synchronization>Synchronous</Synchronization>
+    <Type>10006</Type>
+    <SequenceNumber>1003</SequenceNumber>
+    <Url/>
+    <Assembly>Microsoft.Office.DocumentManagement, Version=16.0.0.0, Culture=neutral, PublicKeyToken=71e9bce111e9429c</Assembly>
+    <Class>Microsoft.Office.DocumentManagement.Internal.DocIdHandler</Class>
+    <Data/>
+    <Filter/>
+  </Receiver>
+</spe:Receivers>
 </file>
 
-<file path=customXml/item4.xml><?xml version="1.0" encoding="utf-8"?>
+<file path=customXml/item3.xml><?xml version="1.0" encoding="utf-8"?>
 <p:properties xmlns:p="http://schemas.microsoft.com/office/2006/metadata/properties" xmlns:xsi="http://www.w3.org/2001/XMLSchema-instance" xmlns:pc="http://schemas.microsoft.com/office/infopath/2007/PartnerControls">
   <documentManagement>
     <_dlc_DocId xmlns="b0e6edfc-c28e-4d2e-97b6-e63b8eaf0561">525KWQ2PXMKQ-817831704-809</_dlc_DocId>
@@ -35728,15 +36244,16 @@
 </p:properties>
 </file>
 
-<file path=customXml/itemProps1.xml><?xml version="1.0" encoding="utf-8"?>
-<ds:datastoreItem xmlns:ds="http://schemas.openxmlformats.org/officeDocument/2006/customXml" ds:itemID="{BF3DBBF6-EDF5-47FE-BE6F-76C446FFE976}">
-  <ds:schemaRefs>
-    <ds:schemaRef ds:uri="http://schemas.microsoft.com/sharepoint/events"/>
-  </ds:schemaRefs>
-</ds:datastoreItem>
+<file path=customXml/item4.xml><?xml version="1.0" encoding="utf-8"?>
+<?mso-contentType ?>
+<FormTemplates xmlns="http://schemas.microsoft.com/sharepoint/v3/contenttype/forms">
+  <Display>DocumentLibraryForm</Display>
+  <Edit>DocumentLibraryForm</Edit>
+  <New>DocumentLibraryForm</New>
+</FormTemplates>
 </file>
 
-<file path=customXml/itemProps2.xml><?xml version="1.0" encoding="utf-8"?>
+<file path=customXml/itemProps1.xml><?xml version="1.0" encoding="utf-8"?>
 <ds:datastoreItem xmlns:ds="http://schemas.openxmlformats.org/officeDocument/2006/customXml" ds:itemID="{19B8F920-405D-4E34-9AEF-105F5C92A5EB}">
   <ds:schemaRefs>
     <ds:schemaRef ds:uri="http://schemas.microsoft.com/office/2006/metadata/contentType"/>
@@ -35755,15 +36272,15 @@
 </ds:datastoreItem>
 </file>
 
-<file path=customXml/itemProps3.xml><?xml version="1.0" encoding="utf-8"?>
-<ds:datastoreItem xmlns:ds="http://schemas.openxmlformats.org/officeDocument/2006/customXml" ds:itemID="{6658085C-5A61-49D4-9E36-43F7A6F1EC87}">
+<file path=customXml/itemProps2.xml><?xml version="1.0" encoding="utf-8"?>
+<ds:datastoreItem xmlns:ds="http://schemas.openxmlformats.org/officeDocument/2006/customXml" ds:itemID="{BF3DBBF6-EDF5-47FE-BE6F-76C446FFE976}">
   <ds:schemaRefs>
-    <ds:schemaRef ds:uri="http://schemas.microsoft.com/sharepoint/v3/contenttype/forms"/>
+    <ds:schemaRef ds:uri="http://schemas.microsoft.com/sharepoint/events"/>
   </ds:schemaRefs>
 </ds:datastoreItem>
 </file>
 
-<file path=customXml/itemProps4.xml><?xml version="1.0" encoding="utf-8"?>
+<file path=customXml/itemProps3.xml><?xml version="1.0" encoding="utf-8"?>
 <ds:datastoreItem xmlns:ds="http://schemas.openxmlformats.org/officeDocument/2006/customXml" ds:itemID="{61B36B04-93F2-4EBA-A7B7-B0E23B70EA76}">
   <ds:schemaRefs>
     <ds:schemaRef ds:uri="http://purl.org/dc/elements/1.1/"/>
@@ -35778,4 +36295,12 @@
     <ds:schemaRef ds:uri="http://www.w3.org/XML/1998/namespace"/>
   </ds:schemaRefs>
 </ds:datastoreItem>
+</file>
+
+<file path=customXml/itemProps4.xml><?xml version="1.0" encoding="utf-8"?>
+<ds:datastoreItem xmlns:ds="http://schemas.openxmlformats.org/officeDocument/2006/customXml" ds:itemID="{6658085C-5A61-49D4-9E36-43F7A6F1EC87}">
+  <ds:schemaRefs>
+    <ds:schemaRef ds:uri="http://schemas.microsoft.com/sharepoint/v3/contenttype/forms"/>
+  </ds:schemaRefs>
+</ds:datastoreItem>
 </file>